--- a/CISC897/FinalSurvey/Presentation/SurveyPresentation.pptx
+++ b/CISC897/FinalSurvey/Presentation/SurveyPresentation.pptx
@@ -10,7 +10,19 @@
     <p:sldId id="262" r:id="rId4"/>
     <p:sldId id="263" r:id="rId5"/>
     <p:sldId id="264" r:id="rId6"/>
-    <p:sldId id="261" r:id="rId7"/>
+    <p:sldId id="265" r:id="rId7"/>
+    <p:sldId id="261" r:id="rId8"/>
+    <p:sldId id="268" r:id="rId9"/>
+    <p:sldId id="269" r:id="rId10"/>
+    <p:sldId id="273" r:id="rId11"/>
+    <p:sldId id="275" r:id="rId12"/>
+    <p:sldId id="267" r:id="rId13"/>
+    <p:sldId id="270" r:id="rId14"/>
+    <p:sldId id="271" r:id="rId15"/>
+    <p:sldId id="272" r:id="rId16"/>
+    <p:sldId id="274" r:id="rId17"/>
+    <p:sldId id="276" r:id="rId18"/>
+    <p:sldId id="266" r:id="rId19"/>
   </p:sldIdLst>
   <p:sldSz cx="12192000" cy="6858000"/>
   <p:notesSz cx="6858000" cy="9144000"/>
@@ -391,7 +403,7 @@
           <a:p>
             <a:fld id="{EE0E5773-7CF9-4DFF-9CBD-CE953D6D6496}" type="datetimeFigureOut">
               <a:rPr lang="en-CA" smtClean="0"/>
-              <a:t>30/11/2016</a:t>
+              <a:t>2016-11-30</a:t>
             </a:fld>
             <a:endParaRPr lang="en-CA"/>
           </a:p>
@@ -810,7 +822,7 @@
           <a:p>
             <a:fld id="{EE0E5773-7CF9-4DFF-9CBD-CE953D6D6496}" type="datetimeFigureOut">
               <a:rPr lang="en-CA" smtClean="0"/>
-              <a:t>30/11/2016</a:t>
+              <a:t>2016-11-30</a:t>
             </a:fld>
             <a:endParaRPr lang="en-CA"/>
           </a:p>
@@ -1146,7 +1158,7 @@
           <a:p>
             <a:fld id="{EE0E5773-7CF9-4DFF-9CBD-CE953D6D6496}" type="datetimeFigureOut">
               <a:rPr lang="en-CA" smtClean="0"/>
-              <a:t>30/11/2016</a:t>
+              <a:t>2016-11-30</a:t>
             </a:fld>
             <a:endParaRPr lang="en-CA"/>
           </a:p>
@@ -1551,7 +1563,7 @@
           <a:p>
             <a:fld id="{EE0E5773-7CF9-4DFF-9CBD-CE953D6D6496}" type="datetimeFigureOut">
               <a:rPr lang="en-CA" smtClean="0"/>
-              <a:t>30/11/2016</a:t>
+              <a:t>2016-11-30</a:t>
             </a:fld>
             <a:endParaRPr lang="en-CA"/>
           </a:p>
@@ -2119,7 +2131,7 @@
           <a:p>
             <a:fld id="{EE0E5773-7CF9-4DFF-9CBD-CE953D6D6496}" type="datetimeFigureOut">
               <a:rPr lang="en-CA" smtClean="0"/>
-              <a:t>30/11/2016</a:t>
+              <a:t>2016-11-30</a:t>
             </a:fld>
             <a:endParaRPr lang="en-CA"/>
           </a:p>
@@ -2800,7 +2812,7 @@
           <a:p>
             <a:fld id="{EE0E5773-7CF9-4DFF-9CBD-CE953D6D6496}" type="datetimeFigureOut">
               <a:rPr lang="en-CA" smtClean="0"/>
-              <a:t>30/11/2016</a:t>
+              <a:t>2016-11-30</a:t>
             </a:fld>
             <a:endParaRPr lang="en-CA"/>
           </a:p>
@@ -3713,7 +3725,7 @@
           <a:p>
             <a:fld id="{EE0E5773-7CF9-4DFF-9CBD-CE953D6D6496}" type="datetimeFigureOut">
               <a:rPr lang="en-CA" smtClean="0"/>
-              <a:t>30/11/2016</a:t>
+              <a:t>2016-11-30</a:t>
             </a:fld>
             <a:endParaRPr lang="en-CA"/>
           </a:p>
@@ -4026,7 +4038,7 @@
           <a:p>
             <a:fld id="{EE0E5773-7CF9-4DFF-9CBD-CE953D6D6496}" type="datetimeFigureOut">
               <a:rPr lang="en-CA" smtClean="0"/>
-              <a:t>30/11/2016</a:t>
+              <a:t>2016-11-30</a:t>
             </a:fld>
             <a:endParaRPr lang="en-CA"/>
           </a:p>
@@ -4290,7 +4302,7 @@
           <a:p>
             <a:fld id="{EE0E5773-7CF9-4DFF-9CBD-CE953D6D6496}" type="datetimeFigureOut">
               <a:rPr lang="en-CA" smtClean="0"/>
-              <a:t>30/11/2016</a:t>
+              <a:t>2016-11-30</a:t>
             </a:fld>
             <a:endParaRPr lang="en-CA"/>
           </a:p>
@@ -4618,7 +4630,7 @@
           <a:p>
             <a:fld id="{EE0E5773-7CF9-4DFF-9CBD-CE953D6D6496}" type="datetimeFigureOut">
               <a:rPr lang="en-CA" smtClean="0"/>
-              <a:t>30/11/2016</a:t>
+              <a:t>2016-11-30</a:t>
             </a:fld>
             <a:endParaRPr lang="en-CA"/>
           </a:p>
@@ -5007,7 +5019,7 @@
           <a:p>
             <a:fld id="{EE0E5773-7CF9-4DFF-9CBD-CE953D6D6496}" type="datetimeFigureOut">
               <a:rPr lang="en-CA" smtClean="0"/>
-              <a:t>30/11/2016</a:t>
+              <a:t>2016-11-30</a:t>
             </a:fld>
             <a:endParaRPr lang="en-CA"/>
           </a:p>
@@ -5388,7 +5400,7 @@
           <a:p>
             <a:fld id="{EE0E5773-7CF9-4DFF-9CBD-CE953D6D6496}" type="datetimeFigureOut">
               <a:rPr lang="en-CA" smtClean="0"/>
-              <a:t>30/11/2016</a:t>
+              <a:t>2016-11-30</a:t>
             </a:fld>
             <a:endParaRPr lang="en-CA"/>
           </a:p>
@@ -5899,7 +5911,7 @@
           <a:p>
             <a:fld id="{EE0E5773-7CF9-4DFF-9CBD-CE953D6D6496}" type="datetimeFigureOut">
               <a:rPr lang="en-CA" smtClean="0"/>
-              <a:t>30/11/2016</a:t>
+              <a:t>2016-11-30</a:t>
             </a:fld>
             <a:endParaRPr lang="en-CA"/>
           </a:p>
@@ -6161,7 +6173,7 @@
           <a:p>
             <a:fld id="{EE0E5773-7CF9-4DFF-9CBD-CE953D6D6496}" type="datetimeFigureOut">
               <a:rPr lang="en-CA" smtClean="0"/>
-              <a:t>30/11/2016</a:t>
+              <a:t>2016-11-30</a:t>
             </a:fld>
             <a:endParaRPr lang="en-CA"/>
           </a:p>
@@ -6324,7 +6336,7 @@
           <a:p>
             <a:fld id="{EE0E5773-7CF9-4DFF-9CBD-CE953D6D6496}" type="datetimeFigureOut">
               <a:rPr lang="en-CA" smtClean="0"/>
-              <a:t>30/11/2016</a:t>
+              <a:t>2016-11-30</a:t>
             </a:fld>
             <a:endParaRPr lang="en-CA"/>
           </a:p>
@@ -6714,7 +6726,7 @@
           <a:p>
             <a:fld id="{EE0E5773-7CF9-4DFF-9CBD-CE953D6D6496}" type="datetimeFigureOut">
               <a:rPr lang="en-CA" smtClean="0"/>
-              <a:t>30/11/2016</a:t>
+              <a:t>2016-11-30</a:t>
             </a:fld>
             <a:endParaRPr lang="en-CA"/>
           </a:p>
@@ -7128,7 +7140,7 @@
           <a:p>
             <a:fld id="{EE0E5773-7CF9-4DFF-9CBD-CE953D6D6496}" type="datetimeFigureOut">
               <a:rPr lang="en-CA" smtClean="0"/>
-              <a:t>30/11/2016</a:t>
+              <a:t>2016-11-30</a:t>
             </a:fld>
             <a:endParaRPr lang="en-CA"/>
           </a:p>
@@ -7372,7 +7384,7 @@
           <a:p>
             <a:fld id="{EE0E5773-7CF9-4DFF-9CBD-CE953D6D6496}" type="datetimeFigureOut">
               <a:rPr lang="en-CA" smtClean="0"/>
-              <a:t>30/11/2016</a:t>
+              <a:t>2016-11-30</a:t>
             </a:fld>
             <a:endParaRPr lang="en-CA"/>
           </a:p>
@@ -7842,15 +7854,7 @@
                   <a:schemeClr val="bg1"/>
                 </a:solidFill>
               </a:rPr>
-              <a:t>Ben </a:t>
-            </a:r>
-            <a:r>
-              <a:rPr lang="en-CA" sz="4400" dirty="0" smtClean="0">
-                <a:solidFill>
-                  <a:schemeClr val="bg1"/>
-                </a:solidFill>
-              </a:rPr>
-              <a:t>Church</a:t>
+              <a:t>Ben Church</a:t>
             </a:r>
             <a:endParaRPr lang="en-CA" sz="3200" dirty="0">
               <a:solidFill>
@@ -7880,6 +7884,1703 @@
 </p:sld>
 </file>
 
+<file path=ppt/slides/slide10.xml><?xml version="1.0" encoding="utf-8"?>
+<p:sld xmlns:a="http://schemas.openxmlformats.org/drawingml/2006/main" xmlns:r="http://schemas.openxmlformats.org/officeDocument/2006/relationships" xmlns:p="http://schemas.openxmlformats.org/presentationml/2006/main">
+  <p:cSld>
+    <p:spTree>
+      <p:nvGrpSpPr>
+        <p:cNvPr id="1" name=""/>
+        <p:cNvGrpSpPr/>
+        <p:nvPr/>
+      </p:nvGrpSpPr>
+      <p:grpSpPr>
+        <a:xfrm>
+          <a:off x="0" y="0"/>
+          <a:ext cx="0" cy="0"/>
+          <a:chOff x="0" y="0"/>
+          <a:chExt cx="0" cy="0"/>
+        </a:xfrm>
+      </p:grpSpPr>
+      <p:sp>
+        <p:nvSpPr>
+          <p:cNvPr id="2" name="Title 1"/>
+          <p:cNvSpPr>
+            <a:spLocks noGrp="1"/>
+          </p:cNvSpPr>
+          <p:nvPr>
+            <p:ph type="title"/>
+          </p:nvPr>
+        </p:nvSpPr>
+        <p:spPr/>
+        <p:txBody>
+          <a:bodyPr>
+            <a:normAutofit/>
+          </a:bodyPr>
+          <a:lstStyle/>
+          <a:p>
+            <a:r>
+              <a:rPr lang="en-CA" sz="4800" dirty="0" smtClean="0">
+                <a:solidFill>
+                  <a:schemeClr val="tx1"/>
+                </a:solidFill>
+              </a:rPr>
+              <a:t>Ungi</a:t>
+            </a:r>
+            <a:r>
+              <a:rPr lang="en-CA" sz="4800" dirty="0" smtClean="0"/>
+              <a:t>2014 – </a:t>
+            </a:r>
+            <a:r>
+              <a:rPr lang="en-CA" sz="4800" dirty="0" smtClean="0"/>
+              <a:t>Results</a:t>
+            </a:r>
+            <a:endParaRPr lang="en-CA" sz="4800" dirty="0">
+              <a:solidFill>
+                <a:schemeClr val="tx1"/>
+              </a:solidFill>
+            </a:endParaRPr>
+          </a:p>
+        </p:txBody>
+      </p:sp>
+      <p:sp>
+        <p:nvSpPr>
+          <p:cNvPr id="3" name="Content Placeholder 2"/>
+          <p:cNvSpPr>
+            <a:spLocks noGrp="1"/>
+          </p:cNvSpPr>
+          <p:nvPr>
+            <p:ph idx="1"/>
+          </p:nvPr>
+        </p:nvSpPr>
+        <p:spPr>
+          <a:xfrm>
+            <a:off x="680321" y="2336873"/>
+            <a:ext cx="4551101" cy="3599316"/>
+          </a:xfrm>
+        </p:spPr>
+        <p:txBody>
+          <a:bodyPr>
+            <a:noAutofit/>
+          </a:bodyPr>
+          <a:lstStyle/>
+          <a:p>
+            <a:pPr>
+              <a:lnSpc>
+                <a:spcPct val="100000"/>
+              </a:lnSpc>
+            </a:pPr>
+            <a:r>
+              <a:rPr lang="en-CA" sz="2800" dirty="0" smtClean="0">
+                <a:solidFill>
+                  <a:schemeClr val="bg1"/>
+                </a:solidFill>
+              </a:rPr>
+              <a:t>R = 0.998 fo</a:t>
+            </a:r>
+            <a:r>
+              <a:rPr lang="en-CA" sz="2800" dirty="0" smtClean="0">
+                <a:solidFill>
+                  <a:schemeClr val="bg1"/>
+                </a:solidFill>
+              </a:rPr>
+              <a:t>r adult model</a:t>
+            </a:r>
+          </a:p>
+          <a:p>
+            <a:pPr>
+              <a:lnSpc>
+                <a:spcPct val="100000"/>
+              </a:lnSpc>
+            </a:pPr>
+            <a:r>
+              <a:rPr lang="en-CA" sz="2800" dirty="0" smtClean="0">
+                <a:solidFill>
+                  <a:schemeClr val="bg1"/>
+                </a:solidFill>
+              </a:rPr>
+              <a:t>R = 0.977 for pediatric model</a:t>
+            </a:r>
+          </a:p>
+          <a:p>
+            <a:pPr>
+              <a:lnSpc>
+                <a:spcPct val="100000"/>
+              </a:lnSpc>
+            </a:pPr>
+            <a:r>
+              <a:rPr lang="en-CA" sz="2800" dirty="0" smtClean="0">
+                <a:solidFill>
+                  <a:schemeClr val="bg1"/>
+                </a:solidFill>
+              </a:rPr>
+              <a:t>Angle errors &lt; 3.1° &lt; 5°</a:t>
+            </a:r>
+            <a:endParaRPr lang="en-CA" sz="2800" dirty="0">
+              <a:solidFill>
+                <a:schemeClr val="bg1"/>
+              </a:solidFill>
+            </a:endParaRPr>
+          </a:p>
+        </p:txBody>
+      </p:sp>
+    </p:spTree>
+    <p:extLst>
+      <p:ext uri="{BB962C8B-B14F-4D97-AF65-F5344CB8AC3E}">
+        <p14:creationId xmlns:p14="http://schemas.microsoft.com/office/powerpoint/2010/main" val="1948522486"/>
+      </p:ext>
+    </p:extLst>
+  </p:cSld>
+  <p:clrMapOvr>
+    <a:masterClrMapping/>
+  </p:clrMapOvr>
+  <p:timing>
+    <p:tnLst>
+      <p:par>
+        <p:cTn id="1" dur="indefinite" restart="never" nodeType="tmRoot"/>
+      </p:par>
+    </p:tnLst>
+  </p:timing>
+</p:sld>
+</file>
+
+<file path=ppt/slides/slide11.xml><?xml version="1.0" encoding="utf-8"?>
+<p:sld xmlns:a="http://schemas.openxmlformats.org/drawingml/2006/main" xmlns:r="http://schemas.openxmlformats.org/officeDocument/2006/relationships" xmlns:p="http://schemas.openxmlformats.org/presentationml/2006/main">
+  <p:cSld>
+    <p:spTree>
+      <p:nvGrpSpPr>
+        <p:cNvPr id="1" name=""/>
+        <p:cNvGrpSpPr/>
+        <p:nvPr/>
+      </p:nvGrpSpPr>
+      <p:grpSpPr>
+        <a:xfrm>
+          <a:off x="0" y="0"/>
+          <a:ext cx="0" cy="0"/>
+          <a:chOff x="0" y="0"/>
+          <a:chExt cx="0" cy="0"/>
+        </a:xfrm>
+      </p:grpSpPr>
+      <p:sp>
+        <p:nvSpPr>
+          <p:cNvPr id="2" name="Title 1"/>
+          <p:cNvSpPr>
+            <a:spLocks noGrp="1"/>
+          </p:cNvSpPr>
+          <p:nvPr>
+            <p:ph type="title"/>
+          </p:nvPr>
+        </p:nvSpPr>
+        <p:spPr/>
+        <p:txBody>
+          <a:bodyPr>
+            <a:normAutofit/>
+          </a:bodyPr>
+          <a:lstStyle/>
+          <a:p>
+            <a:r>
+              <a:rPr lang="en-CA" sz="4800" dirty="0" smtClean="0">
+                <a:solidFill>
+                  <a:schemeClr val="tx1"/>
+                </a:solidFill>
+              </a:rPr>
+              <a:t>Ungi</a:t>
+            </a:r>
+            <a:r>
+              <a:rPr lang="en-CA" sz="4800" dirty="0" smtClean="0"/>
+              <a:t>2014 – </a:t>
+            </a:r>
+            <a:r>
+              <a:rPr lang="en-CA" sz="4800" dirty="0" smtClean="0"/>
+              <a:t>Critique</a:t>
+            </a:r>
+            <a:endParaRPr lang="en-CA" sz="4800" dirty="0">
+              <a:solidFill>
+                <a:schemeClr val="tx1"/>
+              </a:solidFill>
+            </a:endParaRPr>
+          </a:p>
+        </p:txBody>
+      </p:sp>
+      <p:sp>
+        <p:nvSpPr>
+          <p:cNvPr id="3" name="Content Placeholder 2"/>
+          <p:cNvSpPr>
+            <a:spLocks noGrp="1"/>
+          </p:cNvSpPr>
+          <p:nvPr>
+            <p:ph idx="1"/>
+          </p:nvPr>
+        </p:nvSpPr>
+        <p:spPr>
+          <a:xfrm>
+            <a:off x="680321" y="2336873"/>
+            <a:ext cx="4551101" cy="3599316"/>
+          </a:xfrm>
+        </p:spPr>
+        <p:txBody>
+          <a:bodyPr>
+            <a:noAutofit/>
+          </a:bodyPr>
+          <a:lstStyle/>
+          <a:p>
+            <a:pPr>
+              <a:lnSpc>
+                <a:spcPct val="100000"/>
+              </a:lnSpc>
+            </a:pPr>
+            <a:r>
+              <a:rPr lang="en-CA" sz="2800" dirty="0" smtClean="0">
+                <a:solidFill>
+                  <a:schemeClr val="bg1"/>
+                </a:solidFill>
+              </a:rPr>
+              <a:t>Phantom images unrealistically clear</a:t>
+            </a:r>
+          </a:p>
+          <a:p>
+            <a:pPr>
+              <a:lnSpc>
+                <a:spcPct val="100000"/>
+              </a:lnSpc>
+            </a:pPr>
+            <a:r>
+              <a:rPr lang="en-CA" sz="2800" dirty="0" smtClean="0">
+                <a:solidFill>
+                  <a:schemeClr val="bg1"/>
+                </a:solidFill>
+              </a:rPr>
+              <a:t>Just used two phantom models</a:t>
+            </a:r>
+          </a:p>
+          <a:p>
+            <a:pPr>
+              <a:lnSpc>
+                <a:spcPct val="100000"/>
+              </a:lnSpc>
+            </a:pPr>
+            <a:r>
+              <a:rPr lang="en-CA" sz="2800" i="1" dirty="0" smtClean="0">
+                <a:solidFill>
+                  <a:schemeClr val="bg1"/>
+                </a:solidFill>
+              </a:rPr>
+              <a:t>In vivo</a:t>
+            </a:r>
+            <a:r>
+              <a:rPr lang="en-CA" sz="2800" dirty="0" smtClean="0">
+                <a:solidFill>
+                  <a:schemeClr val="bg1"/>
+                </a:solidFill>
+              </a:rPr>
+              <a:t> studies required</a:t>
+            </a:r>
+            <a:endParaRPr lang="en-CA" sz="2800" i="1" dirty="0">
+              <a:solidFill>
+                <a:schemeClr val="bg1"/>
+              </a:solidFill>
+            </a:endParaRPr>
+          </a:p>
+        </p:txBody>
+      </p:sp>
+    </p:spTree>
+    <p:extLst>
+      <p:ext uri="{BB962C8B-B14F-4D97-AF65-F5344CB8AC3E}">
+        <p14:creationId xmlns:p14="http://schemas.microsoft.com/office/powerpoint/2010/main" val="3706247707"/>
+      </p:ext>
+    </p:extLst>
+  </p:cSld>
+  <p:clrMapOvr>
+    <a:masterClrMapping/>
+  </p:clrMapOvr>
+  <p:timing>
+    <p:tnLst>
+      <p:par>
+        <p:cTn id="1" dur="indefinite" restart="never" nodeType="tmRoot"/>
+      </p:par>
+    </p:tnLst>
+  </p:timing>
+</p:sld>
+</file>
+
+<file path=ppt/slides/slide12.xml><?xml version="1.0" encoding="utf-8"?>
+<p:sld xmlns:a="http://schemas.openxmlformats.org/drawingml/2006/main" xmlns:r="http://schemas.openxmlformats.org/officeDocument/2006/relationships" xmlns:p="http://schemas.openxmlformats.org/presentationml/2006/main">
+  <p:cSld>
+    <p:spTree>
+      <p:nvGrpSpPr>
+        <p:cNvPr id="1" name=""/>
+        <p:cNvGrpSpPr/>
+        <p:nvPr/>
+      </p:nvGrpSpPr>
+      <p:grpSpPr>
+        <a:xfrm>
+          <a:off x="0" y="0"/>
+          <a:ext cx="0" cy="0"/>
+          <a:chOff x="0" y="0"/>
+          <a:chExt cx="0" cy="0"/>
+        </a:xfrm>
+      </p:grpSpPr>
+      <p:sp>
+        <p:nvSpPr>
+          <p:cNvPr id="2" name="Title 1"/>
+          <p:cNvSpPr>
+            <a:spLocks noGrp="1"/>
+          </p:cNvSpPr>
+          <p:nvPr>
+            <p:ph type="title"/>
+          </p:nvPr>
+        </p:nvSpPr>
+        <p:spPr/>
+        <p:txBody>
+          <a:bodyPr>
+            <a:normAutofit/>
+          </a:bodyPr>
+          <a:lstStyle/>
+          <a:p>
+            <a:r>
+              <a:rPr lang="en-US" sz="4400" dirty="0" smtClean="0"/>
+              <a:t>Cheung2015</a:t>
+            </a:r>
+            <a:endParaRPr lang="en-US" sz="4400" dirty="0"/>
+          </a:p>
+        </p:txBody>
+      </p:sp>
+      <p:sp>
+        <p:nvSpPr>
+          <p:cNvPr id="3" name="Content Placeholder 2"/>
+          <p:cNvSpPr>
+            <a:spLocks noGrp="1"/>
+          </p:cNvSpPr>
+          <p:nvPr>
+            <p:ph idx="1"/>
+          </p:nvPr>
+        </p:nvSpPr>
+        <p:spPr>
+          <a:xfrm>
+            <a:off x="1163281" y="3331344"/>
+            <a:ext cx="9865439" cy="1426235"/>
+          </a:xfrm>
+        </p:spPr>
+        <p:txBody>
+          <a:bodyPr>
+            <a:noAutofit/>
+          </a:bodyPr>
+          <a:lstStyle/>
+          <a:p>
+            <a:pPr marL="0" indent="0" algn="ctr">
+              <a:buNone/>
+            </a:pPr>
+            <a:r>
+              <a:rPr lang="en-US" sz="4000" b="1" dirty="0">
+                <a:solidFill>
+                  <a:schemeClr val="bg1"/>
+                </a:solidFill>
+              </a:rPr>
+              <a:t>Freehand </a:t>
+            </a:r>
+            <a:r>
+              <a:rPr lang="en-US" sz="4000" b="1" dirty="0" smtClean="0">
+                <a:solidFill>
+                  <a:schemeClr val="bg1"/>
+                </a:solidFill>
+              </a:rPr>
+              <a:t>three-dimensional </a:t>
+            </a:r>
+            <a:r>
+              <a:rPr lang="en-US" sz="4000" b="1" dirty="0">
+                <a:solidFill>
+                  <a:schemeClr val="bg1"/>
+                </a:solidFill>
+              </a:rPr>
+              <a:t>ultrasound system for assessment </a:t>
+            </a:r>
+            <a:r>
+              <a:rPr lang="en-US" sz="4000" b="1" dirty="0" smtClean="0">
+                <a:solidFill>
+                  <a:schemeClr val="bg1"/>
+                </a:solidFill>
+              </a:rPr>
+              <a:t>of </a:t>
+            </a:r>
+            <a:r>
+              <a:rPr lang="en-US" sz="4000" b="1" dirty="0">
+                <a:solidFill>
+                  <a:schemeClr val="bg1"/>
+                </a:solidFill>
+              </a:rPr>
+              <a:t>scoliosis</a:t>
+            </a:r>
+            <a:endParaRPr lang="en-US" sz="4000" dirty="0">
+              <a:solidFill>
+                <a:schemeClr val="bg1"/>
+              </a:solidFill>
+            </a:endParaRPr>
+          </a:p>
+        </p:txBody>
+      </p:sp>
+    </p:spTree>
+    <p:extLst>
+      <p:ext uri="{BB962C8B-B14F-4D97-AF65-F5344CB8AC3E}">
+        <p14:creationId xmlns:p14="http://schemas.microsoft.com/office/powerpoint/2010/main" val="1123919884"/>
+      </p:ext>
+    </p:extLst>
+  </p:cSld>
+  <p:clrMapOvr>
+    <a:masterClrMapping/>
+  </p:clrMapOvr>
+</p:sld>
+</file>
+
+<file path=ppt/slides/slide13.xml><?xml version="1.0" encoding="utf-8"?>
+<p:sld xmlns:a="http://schemas.openxmlformats.org/drawingml/2006/main" xmlns:r="http://schemas.openxmlformats.org/officeDocument/2006/relationships" xmlns:p="http://schemas.openxmlformats.org/presentationml/2006/main">
+  <p:cSld>
+    <p:spTree>
+      <p:nvGrpSpPr>
+        <p:cNvPr id="1" name=""/>
+        <p:cNvGrpSpPr/>
+        <p:nvPr/>
+      </p:nvGrpSpPr>
+      <p:grpSpPr>
+        <a:xfrm>
+          <a:off x="0" y="0"/>
+          <a:ext cx="0" cy="0"/>
+          <a:chOff x="0" y="0"/>
+          <a:chExt cx="0" cy="0"/>
+        </a:xfrm>
+      </p:grpSpPr>
+      <p:sp>
+        <p:nvSpPr>
+          <p:cNvPr id="2" name="Title 1"/>
+          <p:cNvSpPr>
+            <a:spLocks noGrp="1"/>
+          </p:cNvSpPr>
+          <p:nvPr>
+            <p:ph type="title"/>
+          </p:nvPr>
+        </p:nvSpPr>
+        <p:spPr/>
+        <p:txBody>
+          <a:bodyPr>
+            <a:normAutofit/>
+          </a:bodyPr>
+          <a:lstStyle/>
+          <a:p>
+            <a:r>
+              <a:rPr lang="en-CA" sz="4800" dirty="0" smtClean="0">
+                <a:solidFill>
+                  <a:schemeClr val="tx1"/>
+                </a:solidFill>
+              </a:rPr>
+              <a:t>Cheung2015</a:t>
+            </a:r>
+            <a:r>
+              <a:rPr lang="en-CA" sz="4800" dirty="0" smtClean="0"/>
+              <a:t> – Motivation</a:t>
+            </a:r>
+            <a:endParaRPr lang="en-CA" sz="4800" dirty="0">
+              <a:solidFill>
+                <a:schemeClr val="tx1"/>
+              </a:solidFill>
+            </a:endParaRPr>
+          </a:p>
+        </p:txBody>
+      </p:sp>
+      <p:sp>
+        <p:nvSpPr>
+          <p:cNvPr id="3" name="Content Placeholder 2"/>
+          <p:cNvSpPr>
+            <a:spLocks noGrp="1"/>
+          </p:cNvSpPr>
+          <p:nvPr>
+            <p:ph idx="1"/>
+          </p:nvPr>
+        </p:nvSpPr>
+        <p:spPr>
+          <a:xfrm>
+            <a:off x="680322" y="2336873"/>
+            <a:ext cx="4304916" cy="3599316"/>
+          </a:xfrm>
+        </p:spPr>
+        <p:txBody>
+          <a:bodyPr>
+            <a:noAutofit/>
+          </a:bodyPr>
+          <a:lstStyle/>
+          <a:p>
+            <a:pPr>
+              <a:lnSpc>
+                <a:spcPct val="100000"/>
+              </a:lnSpc>
+            </a:pPr>
+            <a:r>
+              <a:rPr lang="en-CA" sz="2800" dirty="0" smtClean="0">
+                <a:solidFill>
+                  <a:schemeClr val="bg1"/>
+                </a:solidFill>
+              </a:rPr>
+              <a:t>Health risks of X-ray</a:t>
+            </a:r>
+          </a:p>
+          <a:p>
+            <a:pPr>
+              <a:lnSpc>
+                <a:spcPct val="100000"/>
+              </a:lnSpc>
+            </a:pPr>
+            <a:r>
+              <a:rPr lang="en-CA" sz="2800" dirty="0" smtClean="0">
+                <a:solidFill>
+                  <a:schemeClr val="bg1"/>
+                </a:solidFill>
+              </a:rPr>
+              <a:t>Limitations of other methods described by [Ungi2014</a:t>
+            </a:r>
+            <a:r>
+              <a:rPr lang="en-CA" sz="2800" dirty="0" smtClean="0">
+                <a:solidFill>
+                  <a:schemeClr val="bg1"/>
+                </a:solidFill>
+              </a:rPr>
+              <a:t>]</a:t>
+            </a:r>
+          </a:p>
+          <a:p>
+            <a:pPr>
+              <a:lnSpc>
+                <a:spcPct val="100000"/>
+              </a:lnSpc>
+            </a:pPr>
+            <a:r>
+              <a:rPr lang="en-CA" sz="2800" i="1" dirty="0" smtClean="0">
+                <a:solidFill>
+                  <a:schemeClr val="bg1"/>
+                </a:solidFill>
+              </a:rPr>
+              <a:t>In vivo</a:t>
+            </a:r>
+            <a:r>
+              <a:rPr lang="en-CA" sz="2800" dirty="0" smtClean="0">
+                <a:solidFill>
+                  <a:schemeClr val="bg1"/>
+                </a:solidFill>
+              </a:rPr>
+              <a:t> study required</a:t>
+            </a:r>
+            <a:endParaRPr lang="en-CA" sz="2800" i="1" dirty="0">
+              <a:solidFill>
+                <a:schemeClr val="bg1"/>
+              </a:solidFill>
+            </a:endParaRPr>
+          </a:p>
+        </p:txBody>
+      </p:sp>
+    </p:spTree>
+    <p:extLst>
+      <p:ext uri="{BB962C8B-B14F-4D97-AF65-F5344CB8AC3E}">
+        <p14:creationId xmlns:p14="http://schemas.microsoft.com/office/powerpoint/2010/main" val="2097203833"/>
+      </p:ext>
+    </p:extLst>
+  </p:cSld>
+  <p:clrMapOvr>
+    <a:masterClrMapping/>
+  </p:clrMapOvr>
+  <p:timing>
+    <p:tnLst>
+      <p:par>
+        <p:cTn id="1" dur="indefinite" restart="never" nodeType="tmRoot"/>
+      </p:par>
+    </p:tnLst>
+  </p:timing>
+</p:sld>
+</file>
+
+<file path=ppt/slides/slide14.xml><?xml version="1.0" encoding="utf-8"?>
+<p:sld xmlns:a="http://schemas.openxmlformats.org/drawingml/2006/main" xmlns:r="http://schemas.openxmlformats.org/officeDocument/2006/relationships" xmlns:p="http://schemas.openxmlformats.org/presentationml/2006/main">
+  <p:cSld>
+    <p:spTree>
+      <p:nvGrpSpPr>
+        <p:cNvPr id="1" name=""/>
+        <p:cNvGrpSpPr/>
+        <p:nvPr/>
+      </p:nvGrpSpPr>
+      <p:grpSpPr>
+        <a:xfrm>
+          <a:off x="0" y="0"/>
+          <a:ext cx="0" cy="0"/>
+          <a:chOff x="0" y="0"/>
+          <a:chExt cx="0" cy="0"/>
+        </a:xfrm>
+      </p:grpSpPr>
+      <p:sp>
+        <p:nvSpPr>
+          <p:cNvPr id="2" name="Title 1"/>
+          <p:cNvSpPr>
+            <a:spLocks noGrp="1"/>
+          </p:cNvSpPr>
+          <p:nvPr>
+            <p:ph type="title"/>
+          </p:nvPr>
+        </p:nvSpPr>
+        <p:spPr/>
+        <p:txBody>
+          <a:bodyPr>
+            <a:normAutofit/>
+          </a:bodyPr>
+          <a:lstStyle/>
+          <a:p>
+            <a:r>
+              <a:rPr lang="en-CA" sz="4800" dirty="0"/>
+              <a:t>Cheung2015</a:t>
+            </a:r>
+            <a:r>
+              <a:rPr lang="en-CA" sz="4800" dirty="0" smtClean="0"/>
+              <a:t> – Method</a:t>
+            </a:r>
+            <a:endParaRPr lang="en-CA" sz="4800" dirty="0">
+              <a:solidFill>
+                <a:schemeClr val="tx1"/>
+              </a:solidFill>
+            </a:endParaRPr>
+          </a:p>
+        </p:txBody>
+      </p:sp>
+      <p:sp>
+        <p:nvSpPr>
+          <p:cNvPr id="3" name="Content Placeholder 2"/>
+          <p:cNvSpPr>
+            <a:spLocks noGrp="1"/>
+          </p:cNvSpPr>
+          <p:nvPr>
+            <p:ph idx="1"/>
+          </p:nvPr>
+        </p:nvSpPr>
+        <p:spPr>
+          <a:xfrm>
+            <a:off x="680322" y="2336872"/>
+            <a:ext cx="4304916" cy="3958419"/>
+          </a:xfrm>
+        </p:spPr>
+        <p:txBody>
+          <a:bodyPr>
+            <a:noAutofit/>
+          </a:bodyPr>
+          <a:lstStyle/>
+          <a:p>
+            <a:pPr>
+              <a:lnSpc>
+                <a:spcPct val="100000"/>
+              </a:lnSpc>
+            </a:pPr>
+            <a:r>
+              <a:rPr lang="en-CA" sz="2800" dirty="0" smtClean="0">
+                <a:solidFill>
+                  <a:schemeClr val="bg1"/>
+                </a:solidFill>
+              </a:rPr>
+              <a:t>Scan live patients with wide probe</a:t>
+            </a:r>
+          </a:p>
+          <a:p>
+            <a:pPr>
+              <a:lnSpc>
+                <a:spcPct val="100000"/>
+              </a:lnSpc>
+            </a:pPr>
+            <a:r>
+              <a:rPr lang="en-CA" sz="2800" dirty="0" smtClean="0">
+                <a:solidFill>
+                  <a:schemeClr val="bg1"/>
+                </a:solidFill>
+              </a:rPr>
+              <a:t>Image in axial plane</a:t>
+            </a:r>
+          </a:p>
+          <a:p>
+            <a:pPr>
+              <a:lnSpc>
+                <a:spcPct val="100000"/>
+              </a:lnSpc>
+            </a:pPr>
+            <a:r>
+              <a:rPr lang="en-CA" sz="2800" dirty="0" smtClean="0">
+                <a:solidFill>
+                  <a:schemeClr val="bg1"/>
+                </a:solidFill>
+              </a:rPr>
+              <a:t>Locate landmarks in software-generated </a:t>
+            </a:r>
+            <a:r>
+              <a:rPr lang="en-CA" sz="2800" dirty="0" smtClean="0">
+                <a:solidFill>
+                  <a:schemeClr val="bg1"/>
+                </a:solidFill>
+              </a:rPr>
+              <a:t>model</a:t>
+            </a:r>
+          </a:p>
+          <a:p>
+            <a:pPr>
+              <a:lnSpc>
+                <a:spcPct val="100000"/>
+              </a:lnSpc>
+            </a:pPr>
+            <a:r>
+              <a:rPr lang="en-CA" sz="2800" dirty="0" smtClean="0">
+                <a:solidFill>
+                  <a:schemeClr val="bg1"/>
+                </a:solidFill>
+              </a:rPr>
+              <a:t>Extract curvature using TPs, and TPs + SAPs</a:t>
+            </a:r>
+            <a:endParaRPr lang="en-CA" sz="2800" dirty="0">
+              <a:solidFill>
+                <a:schemeClr val="bg1"/>
+              </a:solidFill>
+            </a:endParaRPr>
+          </a:p>
+        </p:txBody>
+      </p:sp>
+      <p:pic>
+        <p:nvPicPr>
+          <p:cNvPr id="5" name="Picture 4"/>
+          <p:cNvPicPr>
+            <a:picLocks noChangeAspect="1"/>
+          </p:cNvPicPr>
+          <p:nvPr/>
+        </p:nvPicPr>
+        <p:blipFill rotWithShape="1">
+          <a:blip r:embed="rId2" cstate="print">
+            <a:extLst>
+              <a:ext uri="{28A0092B-C50C-407E-A947-70E740481C1C}">
+                <a14:useLocalDpi xmlns:a14="http://schemas.microsoft.com/office/drawing/2010/main" val="0"/>
+              </a:ext>
+            </a:extLst>
+          </a:blip>
+          <a:srcRect l="-398" t="559" r="-3984" b="1552"/>
+          <a:stretch/>
+        </p:blipFill>
+        <p:spPr>
+          <a:xfrm>
+            <a:off x="8704384" y="1028701"/>
+            <a:ext cx="2303585" cy="5205045"/>
+          </a:xfrm>
+          <a:prstGeom prst="rect">
+            <a:avLst/>
+          </a:prstGeom>
+          <a:solidFill>
+            <a:srgbClr val="FFFFFF">
+              <a:shade val="85000"/>
+            </a:srgbClr>
+          </a:solidFill>
+          <a:ln w="76200" cap="sq">
+            <a:solidFill>
+              <a:schemeClr val="tx1"/>
+            </a:solidFill>
+            <a:miter lim="800000"/>
+          </a:ln>
+          <a:effectLst>
+            <a:outerShdw blurRad="55000" dist="18000" dir="5400000" algn="tl" rotWithShape="0">
+              <a:srgbClr val="000000">
+                <a:alpha val="40000"/>
+              </a:srgbClr>
+            </a:outerShdw>
+          </a:effectLst>
+          <a:scene3d>
+            <a:camera prst="orthographicFront"/>
+            <a:lightRig rig="twoPt" dir="t">
+              <a:rot lat="0" lon="0" rev="7200000"/>
+            </a:lightRig>
+          </a:scene3d>
+          <a:sp3d>
+            <a:bevelT w="25400" h="19050"/>
+            <a:contourClr>
+              <a:srgbClr val="FFFFFF"/>
+            </a:contourClr>
+          </a:sp3d>
+        </p:spPr>
+      </p:pic>
+      <p:pic>
+        <p:nvPicPr>
+          <p:cNvPr id="7" name="Picture 6"/>
+          <p:cNvPicPr>
+            <a:picLocks noChangeAspect="1"/>
+          </p:cNvPicPr>
+          <p:nvPr/>
+        </p:nvPicPr>
+        <p:blipFill rotWithShape="1">
+          <a:blip r:embed="rId3" cstate="print">
+            <a:extLst>
+              <a:ext uri="{28A0092B-C50C-407E-A947-70E740481C1C}">
+                <a14:useLocalDpi xmlns:a14="http://schemas.microsoft.com/office/drawing/2010/main" val="0"/>
+              </a:ext>
+            </a:extLst>
+          </a:blip>
+          <a:srcRect r="2872"/>
+          <a:stretch/>
+        </p:blipFill>
+        <p:spPr>
+          <a:xfrm>
+            <a:off x="4835771" y="2481101"/>
+            <a:ext cx="3569675" cy="3105710"/>
+          </a:xfrm>
+          <a:prstGeom prst="rect">
+            <a:avLst/>
+          </a:prstGeom>
+          <a:solidFill>
+            <a:srgbClr val="FFFFFF">
+              <a:shade val="85000"/>
+            </a:srgbClr>
+          </a:solidFill>
+          <a:ln w="76200" cap="sq">
+            <a:solidFill>
+              <a:schemeClr val="tx1"/>
+            </a:solidFill>
+            <a:miter lim="800000"/>
+          </a:ln>
+          <a:effectLst>
+            <a:outerShdw blurRad="55000" dist="18000" dir="5400000" algn="tl" rotWithShape="0">
+              <a:srgbClr val="000000">
+                <a:alpha val="40000"/>
+              </a:srgbClr>
+            </a:outerShdw>
+          </a:effectLst>
+          <a:scene3d>
+            <a:camera prst="orthographicFront"/>
+            <a:lightRig rig="twoPt" dir="t">
+              <a:rot lat="0" lon="0" rev="7200000"/>
+            </a:lightRig>
+          </a:scene3d>
+          <a:sp3d>
+            <a:bevelT w="25400" h="19050"/>
+            <a:contourClr>
+              <a:srgbClr val="FFFFFF"/>
+            </a:contourClr>
+          </a:sp3d>
+        </p:spPr>
+      </p:pic>
+    </p:spTree>
+    <p:extLst>
+      <p:ext uri="{BB962C8B-B14F-4D97-AF65-F5344CB8AC3E}">
+        <p14:creationId xmlns:p14="http://schemas.microsoft.com/office/powerpoint/2010/main" val="2475696838"/>
+      </p:ext>
+    </p:extLst>
+  </p:cSld>
+  <p:clrMapOvr>
+    <a:masterClrMapping/>
+  </p:clrMapOvr>
+  <p:timing>
+    <p:tnLst>
+      <p:par>
+        <p:cTn id="1" dur="indefinite" restart="never" nodeType="tmRoot"/>
+      </p:par>
+    </p:tnLst>
+  </p:timing>
+</p:sld>
+</file>
+
+<file path=ppt/slides/slide15.xml><?xml version="1.0" encoding="utf-8"?>
+<p:sld xmlns:a="http://schemas.openxmlformats.org/drawingml/2006/main" xmlns:r="http://schemas.openxmlformats.org/officeDocument/2006/relationships" xmlns:p="http://schemas.openxmlformats.org/presentationml/2006/main">
+  <p:cSld>
+    <p:spTree>
+      <p:nvGrpSpPr>
+        <p:cNvPr id="1" name=""/>
+        <p:cNvGrpSpPr/>
+        <p:nvPr/>
+      </p:nvGrpSpPr>
+      <p:grpSpPr>
+        <a:xfrm>
+          <a:off x="0" y="0"/>
+          <a:ext cx="0" cy="0"/>
+          <a:chOff x="0" y="0"/>
+          <a:chExt cx="0" cy="0"/>
+        </a:xfrm>
+      </p:grpSpPr>
+      <p:sp>
+        <p:nvSpPr>
+          <p:cNvPr id="2" name="Title 1"/>
+          <p:cNvSpPr>
+            <a:spLocks noGrp="1"/>
+          </p:cNvSpPr>
+          <p:nvPr>
+            <p:ph type="title"/>
+          </p:nvPr>
+        </p:nvSpPr>
+        <p:spPr/>
+        <p:txBody>
+          <a:bodyPr>
+            <a:normAutofit/>
+          </a:bodyPr>
+          <a:lstStyle/>
+          <a:p>
+            <a:r>
+              <a:rPr lang="en-CA" sz="4800" dirty="0"/>
+              <a:t>Cheung2015</a:t>
+            </a:r>
+            <a:r>
+              <a:rPr lang="en-CA" sz="4800" dirty="0" smtClean="0"/>
+              <a:t> – Validation</a:t>
+            </a:r>
+            <a:endParaRPr lang="en-CA" sz="4800" dirty="0">
+              <a:solidFill>
+                <a:schemeClr val="tx1"/>
+              </a:solidFill>
+            </a:endParaRPr>
+          </a:p>
+        </p:txBody>
+      </p:sp>
+      <p:sp>
+        <p:nvSpPr>
+          <p:cNvPr id="3" name="Content Placeholder 2"/>
+          <p:cNvSpPr>
+            <a:spLocks noGrp="1"/>
+          </p:cNvSpPr>
+          <p:nvPr>
+            <p:ph idx="1"/>
+          </p:nvPr>
+        </p:nvSpPr>
+        <p:spPr>
+          <a:xfrm>
+            <a:off x="680322" y="2336873"/>
+            <a:ext cx="4304916" cy="3599316"/>
+          </a:xfrm>
+        </p:spPr>
+        <p:txBody>
+          <a:bodyPr>
+            <a:noAutofit/>
+          </a:bodyPr>
+          <a:lstStyle/>
+          <a:p>
+            <a:pPr>
+              <a:lnSpc>
+                <a:spcPct val="100000"/>
+              </a:lnSpc>
+            </a:pPr>
+            <a:r>
+              <a:rPr lang="en-CA" sz="2800" dirty="0" smtClean="0">
+                <a:solidFill>
+                  <a:schemeClr val="bg1"/>
+                </a:solidFill>
+              </a:rPr>
+              <a:t>Compared their method’s angle to Cobb angle</a:t>
+            </a:r>
+          </a:p>
+          <a:p>
+            <a:pPr>
+              <a:lnSpc>
+                <a:spcPct val="100000"/>
+              </a:lnSpc>
+            </a:pPr>
+            <a:r>
+              <a:rPr lang="en-CA" sz="2800" dirty="0" smtClean="0">
+                <a:solidFill>
+                  <a:schemeClr val="bg1"/>
+                </a:solidFill>
+              </a:rPr>
+              <a:t>Examined intra and inter-user variability</a:t>
+            </a:r>
+            <a:endParaRPr lang="en-CA" sz="2800" dirty="0">
+              <a:solidFill>
+                <a:schemeClr val="bg1"/>
+              </a:solidFill>
+            </a:endParaRPr>
+          </a:p>
+        </p:txBody>
+      </p:sp>
+    </p:spTree>
+    <p:extLst>
+      <p:ext uri="{BB962C8B-B14F-4D97-AF65-F5344CB8AC3E}">
+        <p14:creationId xmlns:p14="http://schemas.microsoft.com/office/powerpoint/2010/main" val="4159745248"/>
+      </p:ext>
+    </p:extLst>
+  </p:cSld>
+  <p:clrMapOvr>
+    <a:masterClrMapping/>
+  </p:clrMapOvr>
+  <p:timing>
+    <p:tnLst>
+      <p:par>
+        <p:cTn id="1" dur="indefinite" restart="never" nodeType="tmRoot"/>
+      </p:par>
+    </p:tnLst>
+  </p:timing>
+</p:sld>
+</file>
+
+<file path=ppt/slides/slide16.xml><?xml version="1.0" encoding="utf-8"?>
+<p:sld xmlns:a="http://schemas.openxmlformats.org/drawingml/2006/main" xmlns:r="http://schemas.openxmlformats.org/officeDocument/2006/relationships" xmlns:p="http://schemas.openxmlformats.org/presentationml/2006/main">
+  <p:cSld>
+    <p:spTree>
+      <p:nvGrpSpPr>
+        <p:cNvPr id="1" name=""/>
+        <p:cNvGrpSpPr/>
+        <p:nvPr/>
+      </p:nvGrpSpPr>
+      <p:grpSpPr>
+        <a:xfrm>
+          <a:off x="0" y="0"/>
+          <a:ext cx="0" cy="0"/>
+          <a:chOff x="0" y="0"/>
+          <a:chExt cx="0" cy="0"/>
+        </a:xfrm>
+      </p:grpSpPr>
+      <p:sp>
+        <p:nvSpPr>
+          <p:cNvPr id="2" name="Title 1"/>
+          <p:cNvSpPr>
+            <a:spLocks noGrp="1"/>
+          </p:cNvSpPr>
+          <p:nvPr>
+            <p:ph type="title"/>
+          </p:nvPr>
+        </p:nvSpPr>
+        <p:spPr/>
+        <p:txBody>
+          <a:bodyPr>
+            <a:normAutofit/>
+          </a:bodyPr>
+          <a:lstStyle/>
+          <a:p>
+            <a:r>
+              <a:rPr lang="en-CA" sz="4800" dirty="0"/>
+              <a:t>Cheung2015</a:t>
+            </a:r>
+            <a:r>
+              <a:rPr lang="en-CA" sz="4800" dirty="0" smtClean="0"/>
+              <a:t> – </a:t>
+            </a:r>
+            <a:r>
+              <a:rPr lang="en-CA" sz="4800" dirty="0" smtClean="0"/>
+              <a:t>Results</a:t>
+            </a:r>
+            <a:endParaRPr lang="en-CA" sz="4800" dirty="0">
+              <a:solidFill>
+                <a:schemeClr val="tx1"/>
+              </a:solidFill>
+            </a:endParaRPr>
+          </a:p>
+        </p:txBody>
+      </p:sp>
+      <p:sp>
+        <p:nvSpPr>
+          <p:cNvPr id="3" name="Content Placeholder 2"/>
+          <p:cNvSpPr>
+            <a:spLocks noGrp="1"/>
+          </p:cNvSpPr>
+          <p:nvPr>
+            <p:ph idx="1"/>
+          </p:nvPr>
+        </p:nvSpPr>
+        <p:spPr>
+          <a:xfrm>
+            <a:off x="680322" y="2336873"/>
+            <a:ext cx="4304916" cy="3599316"/>
+          </a:xfrm>
+        </p:spPr>
+        <p:txBody>
+          <a:bodyPr>
+            <a:noAutofit/>
+          </a:bodyPr>
+          <a:lstStyle/>
+          <a:p>
+            <a:pPr>
+              <a:lnSpc>
+                <a:spcPct val="100000"/>
+              </a:lnSpc>
+            </a:pPr>
+            <a:endParaRPr lang="en-CA" sz="2800" dirty="0">
+              <a:solidFill>
+                <a:schemeClr val="bg1"/>
+              </a:solidFill>
+            </a:endParaRPr>
+          </a:p>
+        </p:txBody>
+      </p:sp>
+    </p:spTree>
+    <p:extLst>
+      <p:ext uri="{BB962C8B-B14F-4D97-AF65-F5344CB8AC3E}">
+        <p14:creationId xmlns:p14="http://schemas.microsoft.com/office/powerpoint/2010/main" val="1472260332"/>
+      </p:ext>
+    </p:extLst>
+  </p:cSld>
+  <p:clrMapOvr>
+    <a:masterClrMapping/>
+  </p:clrMapOvr>
+  <p:timing>
+    <p:tnLst>
+      <p:par>
+        <p:cTn id="1" dur="indefinite" restart="never" nodeType="tmRoot"/>
+      </p:par>
+    </p:tnLst>
+  </p:timing>
+</p:sld>
+</file>
+
+<file path=ppt/slides/slide17.xml><?xml version="1.0" encoding="utf-8"?>
+<p:sld xmlns:a="http://schemas.openxmlformats.org/drawingml/2006/main" xmlns:r="http://schemas.openxmlformats.org/officeDocument/2006/relationships" xmlns:p="http://schemas.openxmlformats.org/presentationml/2006/main">
+  <p:cSld>
+    <p:spTree>
+      <p:nvGrpSpPr>
+        <p:cNvPr id="1" name=""/>
+        <p:cNvGrpSpPr/>
+        <p:nvPr/>
+      </p:nvGrpSpPr>
+      <p:grpSpPr>
+        <a:xfrm>
+          <a:off x="0" y="0"/>
+          <a:ext cx="0" cy="0"/>
+          <a:chOff x="0" y="0"/>
+          <a:chExt cx="0" cy="0"/>
+        </a:xfrm>
+      </p:grpSpPr>
+      <p:sp>
+        <p:nvSpPr>
+          <p:cNvPr id="2" name="Title 1"/>
+          <p:cNvSpPr>
+            <a:spLocks noGrp="1"/>
+          </p:cNvSpPr>
+          <p:nvPr>
+            <p:ph type="title"/>
+          </p:nvPr>
+        </p:nvSpPr>
+        <p:spPr/>
+        <p:txBody>
+          <a:bodyPr>
+            <a:normAutofit/>
+          </a:bodyPr>
+          <a:lstStyle/>
+          <a:p>
+            <a:r>
+              <a:rPr lang="en-CA" sz="4800" dirty="0"/>
+              <a:t>Cheung2015</a:t>
+            </a:r>
+            <a:r>
+              <a:rPr lang="en-CA" sz="4800" dirty="0" smtClean="0"/>
+              <a:t> – </a:t>
+            </a:r>
+            <a:r>
+              <a:rPr lang="en-CA" sz="4800" dirty="0" smtClean="0"/>
+              <a:t>Critique</a:t>
+            </a:r>
+            <a:endParaRPr lang="en-CA" sz="4800" dirty="0">
+              <a:solidFill>
+                <a:schemeClr val="tx1"/>
+              </a:solidFill>
+            </a:endParaRPr>
+          </a:p>
+        </p:txBody>
+      </p:sp>
+      <p:sp>
+        <p:nvSpPr>
+          <p:cNvPr id="3" name="Content Placeholder 2"/>
+          <p:cNvSpPr>
+            <a:spLocks noGrp="1"/>
+          </p:cNvSpPr>
+          <p:nvPr>
+            <p:ph idx="1"/>
+          </p:nvPr>
+        </p:nvSpPr>
+        <p:spPr>
+          <a:xfrm>
+            <a:off x="680322" y="2336873"/>
+            <a:ext cx="6740386" cy="3599316"/>
+          </a:xfrm>
+        </p:spPr>
+        <p:txBody>
+          <a:bodyPr>
+            <a:noAutofit/>
+          </a:bodyPr>
+          <a:lstStyle/>
+          <a:p>
+            <a:pPr>
+              <a:lnSpc>
+                <a:spcPct val="100000"/>
+              </a:lnSpc>
+            </a:pPr>
+            <a:r>
+              <a:rPr lang="en-CA" sz="2800" dirty="0" smtClean="0">
+                <a:solidFill>
+                  <a:schemeClr val="bg1"/>
+                </a:solidFill>
+              </a:rPr>
+              <a:t>Cobb angle range only 1.9</a:t>
+            </a:r>
+            <a:r>
+              <a:rPr lang="en-CA" sz="2800" dirty="0" smtClean="0">
+                <a:solidFill>
+                  <a:schemeClr val="bg1"/>
+                </a:solidFill>
+              </a:rPr>
+              <a:t>°</a:t>
+            </a:r>
+            <a:r>
+              <a:rPr lang="en-CA" sz="2800" dirty="0" smtClean="0">
+                <a:solidFill>
+                  <a:schemeClr val="bg1"/>
+                </a:solidFill>
+              </a:rPr>
+              <a:t> to 29.9</a:t>
+            </a:r>
+            <a:r>
+              <a:rPr lang="en-CA" sz="2800" dirty="0">
+                <a:solidFill>
+                  <a:schemeClr val="bg1"/>
+                </a:solidFill>
+              </a:rPr>
+              <a:t>°</a:t>
+            </a:r>
+            <a:endParaRPr lang="en-CA" sz="2800" dirty="0" smtClean="0">
+              <a:solidFill>
+                <a:schemeClr val="bg1"/>
+              </a:solidFill>
+            </a:endParaRPr>
+          </a:p>
+          <a:p>
+            <a:pPr lvl="1">
+              <a:lnSpc>
+                <a:spcPct val="100000"/>
+              </a:lnSpc>
+            </a:pPr>
+            <a:r>
+              <a:rPr lang="en-CA" sz="2400" dirty="0" smtClean="0">
+                <a:solidFill>
+                  <a:schemeClr val="bg1"/>
+                </a:solidFill>
+              </a:rPr>
+              <a:t>mild to moderate</a:t>
+            </a:r>
+          </a:p>
+          <a:p>
+            <a:pPr>
+              <a:lnSpc>
+                <a:spcPct val="100000"/>
+              </a:lnSpc>
+            </a:pPr>
+            <a:r>
+              <a:rPr lang="en-CA" sz="2800" dirty="0" smtClean="0">
+                <a:solidFill>
+                  <a:schemeClr val="bg1"/>
+                </a:solidFill>
+              </a:rPr>
+              <a:t>Unable to locate some landmarks</a:t>
+            </a:r>
+          </a:p>
+          <a:p>
+            <a:pPr lvl="1">
+              <a:lnSpc>
+                <a:spcPct val="100000"/>
+              </a:lnSpc>
+            </a:pPr>
+            <a:r>
+              <a:rPr lang="en-CA" sz="2400" dirty="0" smtClean="0">
+                <a:solidFill>
+                  <a:schemeClr val="bg1"/>
+                </a:solidFill>
+              </a:rPr>
+              <a:t>Used alternative landmarks</a:t>
+            </a:r>
+          </a:p>
+          <a:p>
+            <a:pPr lvl="1">
+              <a:lnSpc>
+                <a:spcPct val="100000"/>
+              </a:lnSpc>
+            </a:pPr>
+            <a:r>
+              <a:rPr lang="en-CA" sz="2400" dirty="0" smtClean="0">
+                <a:solidFill>
+                  <a:schemeClr val="bg1"/>
+                </a:solidFill>
+              </a:rPr>
+              <a:t>Discarded data</a:t>
+            </a:r>
+          </a:p>
+          <a:p>
+            <a:pPr>
+              <a:lnSpc>
+                <a:spcPct val="100000"/>
+              </a:lnSpc>
+            </a:pPr>
+            <a:r>
+              <a:rPr lang="en-CA" sz="2800" dirty="0" smtClean="0">
+                <a:solidFill>
+                  <a:schemeClr val="bg1"/>
+                </a:solidFill>
+              </a:rPr>
+              <a:t>Method for dealing with imperfect </a:t>
+            </a:r>
+            <a:r>
+              <a:rPr lang="en-CA" sz="2800" smtClean="0">
+                <a:solidFill>
+                  <a:schemeClr val="bg1"/>
+                </a:solidFill>
+              </a:rPr>
+              <a:t>data required</a:t>
+            </a:r>
+            <a:endParaRPr lang="en-CA" sz="2800" dirty="0">
+              <a:solidFill>
+                <a:schemeClr val="bg1"/>
+              </a:solidFill>
+            </a:endParaRPr>
+          </a:p>
+        </p:txBody>
+      </p:sp>
+    </p:spTree>
+    <p:extLst>
+      <p:ext uri="{BB962C8B-B14F-4D97-AF65-F5344CB8AC3E}">
+        <p14:creationId xmlns:p14="http://schemas.microsoft.com/office/powerpoint/2010/main" val="3047827233"/>
+      </p:ext>
+    </p:extLst>
+  </p:cSld>
+  <p:clrMapOvr>
+    <a:masterClrMapping/>
+  </p:clrMapOvr>
+  <p:timing>
+    <p:tnLst>
+      <p:par>
+        <p:cTn id="1" dur="indefinite" restart="never" nodeType="tmRoot"/>
+      </p:par>
+    </p:tnLst>
+  </p:timing>
+</p:sld>
+</file>
+
+<file path=ppt/slides/slide18.xml><?xml version="1.0" encoding="utf-8"?>
+<p:sld xmlns:a="http://schemas.openxmlformats.org/drawingml/2006/main" xmlns:r="http://schemas.openxmlformats.org/officeDocument/2006/relationships" xmlns:p="http://schemas.openxmlformats.org/presentationml/2006/main">
+  <p:cSld>
+    <p:spTree>
+      <p:nvGrpSpPr>
+        <p:cNvPr id="1" name=""/>
+        <p:cNvGrpSpPr/>
+        <p:nvPr/>
+      </p:nvGrpSpPr>
+      <p:grpSpPr>
+        <a:xfrm>
+          <a:off x="0" y="0"/>
+          <a:ext cx="0" cy="0"/>
+          <a:chOff x="0" y="0"/>
+          <a:chExt cx="0" cy="0"/>
+        </a:xfrm>
+      </p:grpSpPr>
+      <p:sp>
+        <p:nvSpPr>
+          <p:cNvPr id="2" name="Title 1"/>
+          <p:cNvSpPr>
+            <a:spLocks noGrp="1"/>
+          </p:cNvSpPr>
+          <p:nvPr>
+            <p:ph type="title"/>
+          </p:nvPr>
+        </p:nvSpPr>
+        <p:spPr/>
+        <p:txBody>
+          <a:bodyPr>
+            <a:normAutofit/>
+          </a:bodyPr>
+          <a:lstStyle/>
+          <a:p>
+            <a:r>
+              <a:rPr lang="en-US" sz="4800" dirty="0" smtClean="0"/>
+              <a:t>References</a:t>
+            </a:r>
+            <a:endParaRPr lang="en-US" sz="4800" dirty="0"/>
+          </a:p>
+        </p:txBody>
+      </p:sp>
+      <p:sp>
+        <p:nvSpPr>
+          <p:cNvPr id="3" name="Content Placeholder 2"/>
+          <p:cNvSpPr>
+            <a:spLocks noGrp="1"/>
+          </p:cNvSpPr>
+          <p:nvPr>
+            <p:ph idx="1"/>
+          </p:nvPr>
+        </p:nvSpPr>
+        <p:spPr/>
+        <p:txBody>
+          <a:bodyPr>
+            <a:normAutofit/>
+          </a:bodyPr>
+          <a:lstStyle/>
+          <a:p>
+            <a:pPr marL="0" indent="0">
+              <a:buNone/>
+            </a:pPr>
+            <a:r>
+              <a:rPr lang="en-CA" b="1" dirty="0">
+                <a:solidFill>
+                  <a:schemeClr val="bg1"/>
+                </a:solidFill>
+              </a:rPr>
+              <a:t>[Ungi2014]	</a:t>
+            </a:r>
+            <a:r>
+              <a:rPr lang="en-CA" b="1" dirty="0" smtClean="0">
+                <a:solidFill>
+                  <a:schemeClr val="bg1"/>
+                </a:solidFill>
+              </a:rPr>
+              <a:t>T</a:t>
+            </a:r>
+            <a:r>
+              <a:rPr lang="en-CA" b="1" dirty="0" smtClean="0">
+                <a:solidFill>
+                  <a:schemeClr val="bg1"/>
+                </a:solidFill>
+              </a:rPr>
+              <a:t>. </a:t>
+            </a:r>
+            <a:r>
+              <a:rPr lang="en-CA" b="1" dirty="0" err="1" smtClean="0">
+                <a:solidFill>
+                  <a:schemeClr val="bg1"/>
+                </a:solidFill>
+              </a:rPr>
+              <a:t>Ungi</a:t>
+            </a:r>
+            <a:r>
+              <a:rPr lang="en-CA" b="1" dirty="0" smtClean="0">
+                <a:solidFill>
+                  <a:schemeClr val="bg1"/>
+                </a:solidFill>
+              </a:rPr>
+              <a:t>, F. King, M. </a:t>
+            </a:r>
+            <a:r>
+              <a:rPr lang="en-CA" b="1" dirty="0" err="1" smtClean="0">
+                <a:solidFill>
+                  <a:schemeClr val="bg1"/>
+                </a:solidFill>
+              </a:rPr>
+              <a:t>Kempston</a:t>
+            </a:r>
+            <a:r>
+              <a:rPr lang="en-CA" b="1" dirty="0" smtClean="0">
+                <a:solidFill>
+                  <a:schemeClr val="bg1"/>
+                </a:solidFill>
+              </a:rPr>
+              <a:t>, Z. Keri, A. Lasso, P. 			Mousavi, J. </a:t>
+            </a:r>
+            <a:r>
+              <a:rPr lang="en-CA" b="1" dirty="0" err="1" smtClean="0">
+                <a:solidFill>
+                  <a:schemeClr val="bg1"/>
+                </a:solidFill>
+              </a:rPr>
+              <a:t>Rudan</a:t>
+            </a:r>
+            <a:r>
+              <a:rPr lang="en-CA" b="1" dirty="0" smtClean="0">
+                <a:solidFill>
+                  <a:schemeClr val="bg1"/>
+                </a:solidFill>
+              </a:rPr>
+              <a:t>, D. P. </a:t>
+            </a:r>
+            <a:r>
+              <a:rPr lang="en-CA" b="1" dirty="0" err="1" smtClean="0">
+                <a:solidFill>
+                  <a:schemeClr val="bg1"/>
+                </a:solidFill>
+              </a:rPr>
+              <a:t>Borschneck</a:t>
+            </a:r>
+            <a:r>
+              <a:rPr lang="en-CA" b="1" dirty="0" smtClean="0">
+                <a:solidFill>
+                  <a:schemeClr val="bg1"/>
+                </a:solidFill>
+              </a:rPr>
+              <a:t>, and G. 				Fichtinger, “Spinal Curvature Measurement by 			Tracked Ultrasound Snapshots”, Ultrasound in 			Medicine and Biology 2014; 40(2):447-454.</a:t>
+            </a:r>
+          </a:p>
+          <a:p>
+            <a:pPr marL="0" indent="0">
+              <a:buNone/>
+            </a:pPr>
+            <a:r>
+              <a:rPr lang="en-US" b="1" dirty="0">
+                <a:solidFill>
+                  <a:schemeClr val="bg1"/>
+                </a:solidFill>
+              </a:rPr>
+              <a:t>[</a:t>
+            </a:r>
+            <a:r>
+              <a:rPr lang="en-US" b="1" dirty="0" smtClean="0">
+                <a:solidFill>
+                  <a:schemeClr val="bg1"/>
+                </a:solidFill>
+              </a:rPr>
+              <a:t>Cheung2015]	C</a:t>
+            </a:r>
+            <a:r>
+              <a:rPr lang="en-US" b="1" dirty="0">
+                <a:solidFill>
+                  <a:schemeClr val="bg1"/>
+                </a:solidFill>
+              </a:rPr>
+              <a:t>.-W. J. Cheung, G.-Q. Zhou, S.-Y. Law, K.-L. </a:t>
+            </a:r>
+            <a:r>
+              <a:rPr lang="en-US" b="1" dirty="0" smtClean="0">
+                <a:solidFill>
+                  <a:schemeClr val="bg1"/>
+                </a:solidFill>
+              </a:rPr>
+              <a:t>		Lai</a:t>
+            </a:r>
+            <a:r>
+              <a:rPr lang="en-US" b="1" dirty="0">
+                <a:solidFill>
+                  <a:schemeClr val="bg1"/>
+                </a:solidFill>
+              </a:rPr>
+              <a:t>, W.-W. Jiang, </a:t>
+            </a:r>
+            <a:r>
+              <a:rPr lang="en-US" b="1" dirty="0" smtClean="0">
+                <a:solidFill>
+                  <a:schemeClr val="bg1"/>
+                </a:solidFill>
+              </a:rPr>
+              <a:t>and </a:t>
+            </a:r>
+            <a:r>
+              <a:rPr lang="en-US" b="1" dirty="0">
+                <a:solidFill>
+                  <a:schemeClr val="bg1"/>
+                </a:solidFill>
+              </a:rPr>
+              <a:t>Y.-P. Zheng</a:t>
+            </a:r>
+            <a:r>
+              <a:rPr lang="en-US" b="1" dirty="0" smtClean="0">
+                <a:solidFill>
+                  <a:schemeClr val="bg1"/>
+                </a:solidFill>
+              </a:rPr>
+              <a:t>, “</a:t>
+            </a:r>
+            <a:r>
+              <a:rPr lang="en-US" b="1" dirty="0">
+                <a:solidFill>
+                  <a:schemeClr val="bg1"/>
+                </a:solidFill>
+              </a:rPr>
+              <a:t>Freehand </a:t>
+            </a:r>
+            <a:r>
+              <a:rPr lang="en-US" b="1" dirty="0" smtClean="0">
+                <a:solidFill>
+                  <a:schemeClr val="bg1"/>
+                </a:solidFill>
+              </a:rPr>
+              <a:t/>
+            </a:r>
+            <a:br>
+              <a:rPr lang="en-US" b="1" dirty="0" smtClean="0">
+                <a:solidFill>
+                  <a:schemeClr val="bg1"/>
+                </a:solidFill>
+              </a:rPr>
+            </a:br>
+            <a:r>
+              <a:rPr lang="en-US" b="1" dirty="0" smtClean="0">
+                <a:solidFill>
+                  <a:schemeClr val="bg1"/>
+                </a:solidFill>
+              </a:rPr>
+              <a:t>		three-	dimensional </a:t>
+            </a:r>
+            <a:r>
+              <a:rPr lang="en-US" b="1" dirty="0">
+                <a:solidFill>
+                  <a:schemeClr val="bg1"/>
+                </a:solidFill>
+              </a:rPr>
+              <a:t>ultrasound </a:t>
+            </a:r>
+            <a:r>
+              <a:rPr lang="en-US" b="1" dirty="0" smtClean="0">
+                <a:solidFill>
+                  <a:schemeClr val="bg1"/>
+                </a:solidFill>
+              </a:rPr>
+              <a:t>system </a:t>
+            </a:r>
+            <a:r>
+              <a:rPr lang="en-US" b="1" dirty="0">
+                <a:solidFill>
+                  <a:schemeClr val="bg1"/>
+                </a:solidFill>
+              </a:rPr>
+              <a:t>for assessment </a:t>
+            </a:r>
+            <a:r>
+              <a:rPr lang="en-US" b="1" dirty="0" smtClean="0">
+                <a:solidFill>
+                  <a:schemeClr val="bg1"/>
+                </a:solidFill>
+              </a:rPr>
+              <a:t>		of scoliosis”, Journal </a:t>
+            </a:r>
+            <a:r>
+              <a:rPr lang="en-US" b="1" dirty="0">
+                <a:solidFill>
+                  <a:schemeClr val="bg1"/>
+                </a:solidFill>
+              </a:rPr>
+              <a:t>of </a:t>
+            </a:r>
+            <a:r>
+              <a:rPr lang="en-US" b="1" dirty="0" err="1">
+                <a:solidFill>
+                  <a:schemeClr val="bg1"/>
+                </a:solidFill>
+              </a:rPr>
+              <a:t>Orthopaedic</a:t>
+            </a:r>
+            <a:r>
+              <a:rPr lang="en-US" b="1" dirty="0">
+                <a:solidFill>
+                  <a:schemeClr val="bg1"/>
+                </a:solidFill>
+              </a:rPr>
+              <a:t> </a:t>
+            </a:r>
+            <a:r>
+              <a:rPr lang="en-US" b="1" dirty="0" smtClean="0">
+                <a:solidFill>
+                  <a:schemeClr val="bg1"/>
+                </a:solidFill>
+              </a:rPr>
+              <a:t>Translation 			2015</a:t>
+            </a:r>
+            <a:r>
+              <a:rPr lang="en-US" b="1" dirty="0">
+                <a:solidFill>
+                  <a:schemeClr val="bg1"/>
+                </a:solidFill>
+              </a:rPr>
+              <a:t>; 3:123-133.</a:t>
+            </a:r>
+          </a:p>
+        </p:txBody>
+      </p:sp>
+    </p:spTree>
+    <p:extLst>
+      <p:ext uri="{BB962C8B-B14F-4D97-AF65-F5344CB8AC3E}">
+        <p14:creationId xmlns:p14="http://schemas.microsoft.com/office/powerpoint/2010/main" val="4290387086"/>
+      </p:ext>
+    </p:extLst>
+  </p:cSld>
+  <p:clrMapOvr>
+    <a:masterClrMapping/>
+  </p:clrMapOvr>
+</p:sld>
+</file>
+
 <file path=ppt/slides/slide2.xml><?xml version="1.0" encoding="utf-8"?>
 <p:sld xmlns:a="http://schemas.openxmlformats.org/drawingml/2006/main" xmlns:r="http://schemas.openxmlformats.org/officeDocument/2006/relationships" xmlns:p="http://schemas.openxmlformats.org/presentationml/2006/main">
   <p:cSld>
@@ -7963,6 +9664,17 @@
                 </a:solidFill>
               </a:rPr>
               <a:t>Scoliosis</a:t>
+            </a:r>
+          </a:p>
+          <a:p>
+            <a:pPr lvl="1"/>
+            <a:r>
+              <a:rPr lang="en-CA" sz="2800" dirty="0" smtClean="0">
+                <a:solidFill>
+                  <a:schemeClr val="bg1"/>
+                </a:solidFill>
+              </a:rPr>
+              <a:t>Assessment</a:t>
             </a:r>
           </a:p>
           <a:p>
@@ -8067,6 +9779,11 @@
           </a:bodyPr>
           <a:lstStyle/>
           <a:p>
+            <a:pPr>
+              <a:lnSpc>
+                <a:spcPct val="100000"/>
+              </a:lnSpc>
+            </a:pPr>
             <a:r>
               <a:rPr lang="en-CA" sz="2800" dirty="0" smtClean="0">
                 <a:solidFill>
@@ -8080,6 +9797,11 @@
             </a:r>
           </a:p>
           <a:p>
+            <a:pPr>
+              <a:lnSpc>
+                <a:spcPct val="100000"/>
+              </a:lnSpc>
+            </a:pPr>
             <a:r>
               <a:rPr lang="en-CA" sz="2800" dirty="0" smtClean="0">
                 <a:solidFill>
@@ -8093,6 +9815,11 @@
             </a:r>
           </a:p>
           <a:p>
+            <a:pPr>
+              <a:lnSpc>
+                <a:spcPct val="100000"/>
+              </a:lnSpc>
+            </a:pPr>
             <a:r>
               <a:rPr lang="en-CA" sz="2800" dirty="0" smtClean="0">
                 <a:solidFill>
@@ -8516,6 +10243,11 @@
           </a:bodyPr>
           <a:lstStyle/>
           <a:p>
+            <a:pPr>
+              <a:lnSpc>
+                <a:spcPct val="100000"/>
+              </a:lnSpc>
+            </a:pPr>
             <a:r>
               <a:rPr lang="en-CA" sz="2800" dirty="0" smtClean="0">
                 <a:solidFill>
@@ -8550,6 +10282,11 @@
             </a:r>
           </a:p>
           <a:p>
+            <a:pPr>
+              <a:lnSpc>
+                <a:spcPct val="100000"/>
+              </a:lnSpc>
+            </a:pPr>
             <a:r>
               <a:rPr lang="en-CA" sz="2800" dirty="0" smtClean="0">
                 <a:solidFill>
@@ -9245,7 +10982,7 @@
           <a:p>
             <a:r>
               <a:rPr lang="en-CA" sz="4800" dirty="0" smtClean="0"/>
-              <a:t>Background – Tracked ultrasound</a:t>
+              <a:t>Background – 3D ultrasound</a:t>
             </a:r>
             <a:endParaRPr lang="en-CA" sz="4800" dirty="0"/>
           </a:p>
@@ -10033,12 +11770,128 @@
           <a:lstStyle/>
           <a:p>
             <a:r>
+              <a:rPr lang="en-US" sz="4400" dirty="0" smtClean="0"/>
+              <a:t>Ungi2014</a:t>
+            </a:r>
+            <a:endParaRPr lang="en-US" sz="4400" dirty="0"/>
+          </a:p>
+        </p:txBody>
+      </p:sp>
+      <p:sp>
+        <p:nvSpPr>
+          <p:cNvPr id="3" name="Content Placeholder 2"/>
+          <p:cNvSpPr>
+            <a:spLocks noGrp="1"/>
+          </p:cNvSpPr>
+          <p:nvPr>
+            <p:ph idx="1"/>
+          </p:nvPr>
+        </p:nvSpPr>
+        <p:spPr>
+          <a:xfrm>
+            <a:off x="1289070" y="3331344"/>
+            <a:ext cx="9613861" cy="1426235"/>
+          </a:xfrm>
+        </p:spPr>
+        <p:txBody>
+          <a:bodyPr>
+            <a:normAutofit/>
+          </a:bodyPr>
+          <a:lstStyle/>
+          <a:p>
+            <a:pPr marL="0" indent="0" algn="ctr">
+              <a:buNone/>
+            </a:pPr>
+            <a:r>
+              <a:rPr lang="en-CA" sz="4000" b="1" dirty="0" smtClean="0">
+                <a:solidFill>
+                  <a:schemeClr val="bg1"/>
+                </a:solidFill>
+              </a:rPr>
+              <a:t>Spinal </a:t>
+            </a:r>
+            <a:r>
+              <a:rPr lang="en-CA" sz="4000" b="1" dirty="0">
+                <a:solidFill>
+                  <a:schemeClr val="bg1"/>
+                </a:solidFill>
+              </a:rPr>
+              <a:t>Curvature Measurement by Tracked </a:t>
+            </a:r>
+            <a:r>
+              <a:rPr lang="en-CA" sz="4000" b="1" dirty="0" smtClean="0">
+                <a:solidFill>
+                  <a:schemeClr val="bg1"/>
+                </a:solidFill>
+              </a:rPr>
+              <a:t>Ultrasound Snapshots</a:t>
+            </a:r>
+            <a:endParaRPr lang="en-US" sz="4000" dirty="0">
+              <a:solidFill>
+                <a:schemeClr val="bg1"/>
+              </a:solidFill>
+            </a:endParaRPr>
+          </a:p>
+        </p:txBody>
+      </p:sp>
+    </p:spTree>
+    <p:extLst>
+      <p:ext uri="{BB962C8B-B14F-4D97-AF65-F5344CB8AC3E}">
+        <p14:creationId xmlns:p14="http://schemas.microsoft.com/office/powerpoint/2010/main" val="3905174389"/>
+      </p:ext>
+    </p:extLst>
+  </p:cSld>
+  <p:clrMapOvr>
+    <a:masterClrMapping/>
+  </p:clrMapOvr>
+</p:sld>
+</file>
+
+<file path=ppt/slides/slide7.xml><?xml version="1.0" encoding="utf-8"?>
+<p:sld xmlns:a="http://schemas.openxmlformats.org/drawingml/2006/main" xmlns:r="http://schemas.openxmlformats.org/officeDocument/2006/relationships" xmlns:p="http://schemas.openxmlformats.org/presentationml/2006/main">
+  <p:cSld>
+    <p:spTree>
+      <p:nvGrpSpPr>
+        <p:cNvPr id="1" name=""/>
+        <p:cNvGrpSpPr/>
+        <p:nvPr/>
+      </p:nvGrpSpPr>
+      <p:grpSpPr>
+        <a:xfrm>
+          <a:off x="0" y="0"/>
+          <a:ext cx="0" cy="0"/>
+          <a:chOff x="0" y="0"/>
+          <a:chExt cx="0" cy="0"/>
+        </a:xfrm>
+      </p:grpSpPr>
+      <p:sp>
+        <p:nvSpPr>
+          <p:cNvPr id="2" name="Title 1"/>
+          <p:cNvSpPr>
+            <a:spLocks noGrp="1"/>
+          </p:cNvSpPr>
+          <p:nvPr>
+            <p:ph type="title"/>
+          </p:nvPr>
+        </p:nvSpPr>
+        <p:spPr/>
+        <p:txBody>
+          <a:bodyPr>
+            <a:normAutofit/>
+          </a:bodyPr>
+          <a:lstStyle/>
+          <a:p>
+            <a:r>
               <a:rPr lang="en-CA" sz="4800" dirty="0" smtClean="0">
                 <a:solidFill>
                   <a:schemeClr val="tx1"/>
                 </a:solidFill>
               </a:rPr>
-              <a:t>Do the papers</a:t>
+              <a:t>Ungi</a:t>
+            </a:r>
+            <a:r>
+              <a:rPr lang="en-CA" sz="4800" dirty="0" smtClean="0"/>
+              <a:t>2014 – Motivation</a:t>
             </a:r>
             <a:endParaRPr lang="en-CA" sz="4800" dirty="0">
               <a:solidFill>
@@ -10058,6 +11911,116 @@
             <p:ph idx="1"/>
           </p:nvPr>
         </p:nvSpPr>
+        <p:spPr>
+          <a:xfrm>
+            <a:off x="680322" y="2336873"/>
+            <a:ext cx="4304916" cy="3599316"/>
+          </a:xfrm>
+        </p:spPr>
+        <p:txBody>
+          <a:bodyPr>
+            <a:noAutofit/>
+          </a:bodyPr>
+          <a:lstStyle/>
+          <a:p>
+            <a:pPr>
+              <a:lnSpc>
+                <a:spcPct val="100000"/>
+              </a:lnSpc>
+            </a:pPr>
+            <a:r>
+              <a:rPr lang="en-CA" sz="2800" dirty="0" smtClean="0">
+                <a:solidFill>
+                  <a:schemeClr val="bg1"/>
+                </a:solidFill>
+              </a:rPr>
+              <a:t>Health risks of repeated X-ray exposure</a:t>
+            </a:r>
+          </a:p>
+          <a:p>
+            <a:pPr>
+              <a:lnSpc>
+                <a:spcPct val="100000"/>
+              </a:lnSpc>
+            </a:pPr>
+            <a:r>
+              <a:rPr lang="en-CA" sz="2800" dirty="0" smtClean="0">
+                <a:solidFill>
+                  <a:schemeClr val="bg1"/>
+                </a:solidFill>
+              </a:rPr>
+              <a:t>Cost and inaccessibility of MRI</a:t>
+            </a:r>
+          </a:p>
+          <a:p>
+            <a:pPr>
+              <a:lnSpc>
+                <a:spcPct val="100000"/>
+              </a:lnSpc>
+            </a:pPr>
+            <a:r>
+              <a:rPr lang="en-CA" sz="2800" dirty="0" smtClean="0">
+                <a:solidFill>
+                  <a:schemeClr val="bg1"/>
+                </a:solidFill>
+              </a:rPr>
+              <a:t>Inaccuracy of palpation and surface topography</a:t>
+            </a:r>
+            <a:endParaRPr lang="en-CA" sz="2800" dirty="0">
+              <a:solidFill>
+                <a:schemeClr val="bg1"/>
+              </a:solidFill>
+            </a:endParaRPr>
+          </a:p>
+        </p:txBody>
+      </p:sp>
+    </p:spTree>
+    <p:extLst>
+      <p:ext uri="{BB962C8B-B14F-4D97-AF65-F5344CB8AC3E}">
+        <p14:creationId xmlns:p14="http://schemas.microsoft.com/office/powerpoint/2010/main" val="368564859"/>
+      </p:ext>
+    </p:extLst>
+  </p:cSld>
+  <p:clrMapOvr>
+    <a:masterClrMapping/>
+  </p:clrMapOvr>
+  <p:timing>
+    <p:tnLst>
+      <p:par>
+        <p:cTn id="1" dur="indefinite" restart="never" nodeType="tmRoot"/>
+      </p:par>
+    </p:tnLst>
+  </p:timing>
+</p:sld>
+</file>
+
+<file path=ppt/slides/slide8.xml><?xml version="1.0" encoding="utf-8"?>
+<p:sld xmlns:a="http://schemas.openxmlformats.org/drawingml/2006/main" xmlns:r="http://schemas.openxmlformats.org/officeDocument/2006/relationships" xmlns:p="http://schemas.openxmlformats.org/presentationml/2006/main">
+  <p:cSld>
+    <p:spTree>
+      <p:nvGrpSpPr>
+        <p:cNvPr id="1" name=""/>
+        <p:cNvGrpSpPr/>
+        <p:nvPr/>
+      </p:nvGrpSpPr>
+      <p:grpSpPr>
+        <a:xfrm>
+          <a:off x="0" y="0"/>
+          <a:ext cx="0" cy="0"/>
+          <a:chOff x="0" y="0"/>
+          <a:chExt cx="0" cy="0"/>
+        </a:xfrm>
+      </p:grpSpPr>
+      <p:sp>
+        <p:nvSpPr>
+          <p:cNvPr id="2" name="Title 1"/>
+          <p:cNvSpPr>
+            <a:spLocks noGrp="1"/>
+          </p:cNvSpPr>
+          <p:nvPr>
+            <p:ph type="title"/>
+          </p:nvPr>
+        </p:nvSpPr>
         <p:spPr/>
         <p:txBody>
           <a:bodyPr>
@@ -10066,14 +12029,91 @@
           <a:lstStyle/>
           <a:p>
             <a:r>
-              <a:rPr lang="en-CA" sz="2400" smtClean="0">
+              <a:rPr lang="en-CA" sz="4800" dirty="0" smtClean="0">
+                <a:solidFill>
+                  <a:schemeClr val="tx1"/>
+                </a:solidFill>
+              </a:rPr>
+              <a:t>Ungi</a:t>
+            </a:r>
+            <a:r>
+              <a:rPr lang="en-CA" sz="4800" dirty="0" smtClean="0"/>
+              <a:t>2014 – Method</a:t>
+            </a:r>
+            <a:endParaRPr lang="en-CA" sz="4800" dirty="0">
+              <a:solidFill>
+                <a:schemeClr val="tx1"/>
+              </a:solidFill>
+            </a:endParaRPr>
+          </a:p>
+        </p:txBody>
+      </p:sp>
+      <p:sp>
+        <p:nvSpPr>
+          <p:cNvPr id="3" name="Content Placeholder 2"/>
+          <p:cNvSpPr>
+            <a:spLocks noGrp="1"/>
+          </p:cNvSpPr>
+          <p:nvPr>
+            <p:ph idx="1"/>
+          </p:nvPr>
+        </p:nvSpPr>
+        <p:spPr>
+          <a:xfrm>
+            <a:off x="680322" y="2336873"/>
+            <a:ext cx="4304916" cy="3599316"/>
+          </a:xfrm>
+        </p:spPr>
+        <p:txBody>
+          <a:bodyPr>
+            <a:noAutofit/>
+          </a:bodyPr>
+          <a:lstStyle/>
+          <a:p>
+            <a:pPr>
+              <a:lnSpc>
+                <a:spcPct val="100000"/>
+              </a:lnSpc>
+            </a:pPr>
+            <a:r>
+              <a:rPr lang="en-CA" sz="2800" dirty="0" smtClean="0">
                 <a:solidFill>
                   <a:schemeClr val="bg1"/>
                 </a:solidFill>
               </a:rPr>
-              <a:t>s</a:t>
-            </a:r>
-            <a:endParaRPr lang="en-CA" sz="2400" dirty="0">
+              <a:t>Scan phantom models with image in sagittal plane</a:t>
+            </a:r>
+          </a:p>
+          <a:p>
+            <a:pPr>
+              <a:lnSpc>
+                <a:spcPct val="100000"/>
+              </a:lnSpc>
+            </a:pPr>
+            <a:r>
+              <a:rPr lang="en-CA" sz="2800" dirty="0" smtClean="0">
+                <a:solidFill>
+                  <a:schemeClr val="bg1"/>
+                </a:solidFill>
+              </a:rPr>
+              <a:t>Locate transverse processes</a:t>
+            </a:r>
+          </a:p>
+          <a:p>
+            <a:pPr>
+              <a:lnSpc>
+                <a:spcPct val="100000"/>
+              </a:lnSpc>
+            </a:pPr>
+            <a:r>
+              <a:rPr lang="en-CA" sz="2800" dirty="0" smtClean="0">
+                <a:solidFill>
+                  <a:schemeClr val="bg1"/>
+                </a:solidFill>
+              </a:rPr>
+              <a:t>Extract curvature</a:t>
+            </a:r>
+            <a:endParaRPr lang="en-CA" sz="2800" dirty="0">
               <a:solidFill>
                 <a:schemeClr val="bg1"/>
               </a:solidFill>
@@ -10081,10 +12121,239 @@
           </a:p>
         </p:txBody>
       </p:sp>
+      <p:sp>
+        <p:nvSpPr>
+          <p:cNvPr id="4" name="TextBox 3"/>
+          <p:cNvSpPr txBox="1"/>
+          <p:nvPr/>
+        </p:nvSpPr>
+        <p:spPr>
+          <a:xfrm>
+            <a:off x="5961185" y="3147646"/>
+            <a:ext cx="1960684" cy="923330"/>
+          </a:xfrm>
+          <a:prstGeom prst="rect">
+            <a:avLst/>
+          </a:prstGeom>
+          <a:noFill/>
+        </p:spPr>
+        <p:txBody>
+          <a:bodyPr wrap="square" rtlCol="0">
+            <a:spAutoFit/>
+          </a:bodyPr>
+          <a:lstStyle/>
+          <a:p>
+            <a:r>
+              <a:rPr lang="en-US" dirty="0" smtClean="0">
+                <a:solidFill>
+                  <a:schemeClr val="bg1"/>
+                </a:solidFill>
+              </a:rPr>
+              <a:t>Warp model to snapshots image for illustration?</a:t>
+            </a:r>
+            <a:endParaRPr lang="en-US" dirty="0">
+              <a:solidFill>
+                <a:schemeClr val="bg1"/>
+              </a:solidFill>
+            </a:endParaRPr>
+          </a:p>
+        </p:txBody>
+      </p:sp>
+      <p:pic>
+        <p:nvPicPr>
+          <p:cNvPr id="6" name="Picture 5"/>
+          <p:cNvPicPr>
+            <a:picLocks noChangeAspect="1"/>
+          </p:cNvPicPr>
+          <p:nvPr/>
+        </p:nvPicPr>
+        <p:blipFill rotWithShape="1">
+          <a:blip r:embed="rId2" cstate="print">
+            <a:extLst>
+              <a:ext uri="{28A0092B-C50C-407E-A947-70E740481C1C}">
+                <a14:useLocalDpi xmlns:a14="http://schemas.microsoft.com/office/drawing/2010/main" val="0"/>
+              </a:ext>
+            </a:extLst>
+          </a:blip>
+          <a:srcRect r="2872"/>
+          <a:stretch/>
+        </p:blipFill>
+        <p:spPr>
+          <a:xfrm>
+            <a:off x="4721471" y="2802342"/>
+            <a:ext cx="3569675" cy="3105710"/>
+          </a:xfrm>
+          <a:prstGeom prst="rect">
+            <a:avLst/>
+          </a:prstGeom>
+          <a:solidFill>
+            <a:srgbClr val="FFFFFF">
+              <a:shade val="85000"/>
+            </a:srgbClr>
+          </a:solidFill>
+          <a:ln w="76200" cap="sq">
+            <a:solidFill>
+              <a:schemeClr val="tx1"/>
+            </a:solidFill>
+            <a:miter lim="800000"/>
+          </a:ln>
+          <a:effectLst>
+            <a:outerShdw blurRad="55000" dist="18000" dir="5400000" algn="tl" rotWithShape="0">
+              <a:srgbClr val="000000">
+                <a:alpha val="40000"/>
+              </a:srgbClr>
+            </a:outerShdw>
+          </a:effectLst>
+          <a:scene3d>
+            <a:camera prst="orthographicFront"/>
+            <a:lightRig rig="twoPt" dir="t">
+              <a:rot lat="0" lon="0" rev="7200000"/>
+            </a:lightRig>
+          </a:scene3d>
+          <a:sp3d>
+            <a:bevelT w="25400" h="19050"/>
+            <a:contourClr>
+              <a:srgbClr val="FFFFFF"/>
+            </a:contourClr>
+          </a:sp3d>
+        </p:spPr>
+      </p:pic>
     </p:spTree>
     <p:extLst>
       <p:ext uri="{BB962C8B-B14F-4D97-AF65-F5344CB8AC3E}">
-        <p14:creationId xmlns:p14="http://schemas.microsoft.com/office/powerpoint/2010/main" val="368564859"/>
+        <p14:creationId xmlns:p14="http://schemas.microsoft.com/office/powerpoint/2010/main" val="2329166843"/>
+      </p:ext>
+    </p:extLst>
+  </p:cSld>
+  <p:clrMapOvr>
+    <a:masterClrMapping/>
+  </p:clrMapOvr>
+  <p:timing>
+    <p:tnLst>
+      <p:par>
+        <p:cTn id="1" dur="indefinite" restart="never" nodeType="tmRoot"/>
+      </p:par>
+    </p:tnLst>
+  </p:timing>
+</p:sld>
+</file>
+
+<file path=ppt/slides/slide9.xml><?xml version="1.0" encoding="utf-8"?>
+<p:sld xmlns:a="http://schemas.openxmlformats.org/drawingml/2006/main" xmlns:r="http://schemas.openxmlformats.org/officeDocument/2006/relationships" xmlns:p="http://schemas.openxmlformats.org/presentationml/2006/main">
+  <p:cSld>
+    <p:spTree>
+      <p:nvGrpSpPr>
+        <p:cNvPr id="1" name=""/>
+        <p:cNvGrpSpPr/>
+        <p:nvPr/>
+      </p:nvGrpSpPr>
+      <p:grpSpPr>
+        <a:xfrm>
+          <a:off x="0" y="0"/>
+          <a:ext cx="0" cy="0"/>
+          <a:chOff x="0" y="0"/>
+          <a:chExt cx="0" cy="0"/>
+        </a:xfrm>
+      </p:grpSpPr>
+      <p:sp>
+        <p:nvSpPr>
+          <p:cNvPr id="2" name="Title 1"/>
+          <p:cNvSpPr>
+            <a:spLocks noGrp="1"/>
+          </p:cNvSpPr>
+          <p:nvPr>
+            <p:ph type="title"/>
+          </p:nvPr>
+        </p:nvSpPr>
+        <p:spPr/>
+        <p:txBody>
+          <a:bodyPr>
+            <a:normAutofit/>
+          </a:bodyPr>
+          <a:lstStyle/>
+          <a:p>
+            <a:r>
+              <a:rPr lang="en-CA" sz="4800" dirty="0" smtClean="0">
+                <a:solidFill>
+                  <a:schemeClr val="tx1"/>
+                </a:solidFill>
+              </a:rPr>
+              <a:t>Ungi</a:t>
+            </a:r>
+            <a:r>
+              <a:rPr lang="en-CA" sz="4800" dirty="0" smtClean="0"/>
+              <a:t>2014 – Validation</a:t>
+            </a:r>
+            <a:endParaRPr lang="en-CA" sz="4800" dirty="0">
+              <a:solidFill>
+                <a:schemeClr val="tx1"/>
+              </a:solidFill>
+            </a:endParaRPr>
+          </a:p>
+        </p:txBody>
+      </p:sp>
+      <p:sp>
+        <p:nvSpPr>
+          <p:cNvPr id="3" name="Content Placeholder 2"/>
+          <p:cNvSpPr>
+            <a:spLocks noGrp="1"/>
+          </p:cNvSpPr>
+          <p:nvPr>
+            <p:ph idx="1"/>
+          </p:nvPr>
+        </p:nvSpPr>
+        <p:spPr>
+          <a:xfrm>
+            <a:off x="680322" y="2336873"/>
+            <a:ext cx="4304916" cy="3599316"/>
+          </a:xfrm>
+        </p:spPr>
+        <p:txBody>
+          <a:bodyPr>
+            <a:noAutofit/>
+          </a:bodyPr>
+          <a:lstStyle/>
+          <a:p>
+            <a:pPr>
+              <a:lnSpc>
+                <a:spcPct val="100000"/>
+              </a:lnSpc>
+            </a:pPr>
+            <a:r>
+              <a:rPr lang="en-CA" sz="2800" dirty="0" smtClean="0">
+                <a:solidFill>
+                  <a:schemeClr val="bg1"/>
+                </a:solidFill>
+              </a:rPr>
+              <a:t>Examined correlation between their method and Cobb’s</a:t>
+            </a:r>
+          </a:p>
+          <a:p>
+            <a:pPr>
+              <a:lnSpc>
+                <a:spcPct val="100000"/>
+              </a:lnSpc>
+            </a:pPr>
+            <a:r>
+              <a:rPr lang="en-CA" sz="2800" dirty="0" smtClean="0">
+                <a:solidFill>
+                  <a:schemeClr val="bg1"/>
+                </a:solidFill>
+              </a:rPr>
+              <a:t>Examined average errors and error ranges</a:t>
+            </a:r>
+            <a:endParaRPr lang="en-CA" sz="2800" dirty="0">
+              <a:solidFill>
+                <a:schemeClr val="bg1"/>
+              </a:solidFill>
+            </a:endParaRPr>
+          </a:p>
+        </p:txBody>
+      </p:sp>
+    </p:spTree>
+    <p:extLst>
+      <p:ext uri="{BB962C8B-B14F-4D97-AF65-F5344CB8AC3E}">
+        <p14:creationId xmlns:p14="http://schemas.microsoft.com/office/powerpoint/2010/main" val="3953848207"/>
       </p:ext>
     </p:extLst>
   </p:cSld>

--- a/CISC897/FinalSurvey/Presentation/SurveyPresentation.pptx
+++ b/CISC897/FinalSurvey/Presentation/SurveyPresentation.pptx
@@ -21,8 +21,9 @@
     <p:sldId id="271" r:id="rId15"/>
     <p:sldId id="272" r:id="rId16"/>
     <p:sldId id="274" r:id="rId17"/>
-    <p:sldId id="276" r:id="rId18"/>
-    <p:sldId id="266" r:id="rId19"/>
+    <p:sldId id="277" r:id="rId18"/>
+    <p:sldId id="276" r:id="rId19"/>
+    <p:sldId id="266" r:id="rId20"/>
   </p:sldIdLst>
   <p:sldSz cx="12192000" cy="6858000"/>
   <p:notesSz cx="6858000" cy="9144000"/>
@@ -403,7 +404,7 @@
           <a:p>
             <a:fld id="{EE0E5773-7CF9-4DFF-9CBD-CE953D6D6496}" type="datetimeFigureOut">
               <a:rPr lang="en-CA" smtClean="0"/>
-              <a:t>2016-11-30</a:t>
+              <a:t>01/12/2016</a:t>
             </a:fld>
             <a:endParaRPr lang="en-CA"/>
           </a:p>
@@ -822,7 +823,7 @@
           <a:p>
             <a:fld id="{EE0E5773-7CF9-4DFF-9CBD-CE953D6D6496}" type="datetimeFigureOut">
               <a:rPr lang="en-CA" smtClean="0"/>
-              <a:t>2016-11-30</a:t>
+              <a:t>01/12/2016</a:t>
             </a:fld>
             <a:endParaRPr lang="en-CA"/>
           </a:p>
@@ -1158,7 +1159,7 @@
           <a:p>
             <a:fld id="{EE0E5773-7CF9-4DFF-9CBD-CE953D6D6496}" type="datetimeFigureOut">
               <a:rPr lang="en-CA" smtClean="0"/>
-              <a:t>2016-11-30</a:t>
+              <a:t>01/12/2016</a:t>
             </a:fld>
             <a:endParaRPr lang="en-CA"/>
           </a:p>
@@ -1563,7 +1564,7 @@
           <a:p>
             <a:fld id="{EE0E5773-7CF9-4DFF-9CBD-CE953D6D6496}" type="datetimeFigureOut">
               <a:rPr lang="en-CA" smtClean="0"/>
-              <a:t>2016-11-30</a:t>
+              <a:t>01/12/2016</a:t>
             </a:fld>
             <a:endParaRPr lang="en-CA"/>
           </a:p>
@@ -2131,7 +2132,7 @@
           <a:p>
             <a:fld id="{EE0E5773-7CF9-4DFF-9CBD-CE953D6D6496}" type="datetimeFigureOut">
               <a:rPr lang="en-CA" smtClean="0"/>
-              <a:t>2016-11-30</a:t>
+              <a:t>01/12/2016</a:t>
             </a:fld>
             <a:endParaRPr lang="en-CA"/>
           </a:p>
@@ -2812,7 +2813,7 @@
           <a:p>
             <a:fld id="{EE0E5773-7CF9-4DFF-9CBD-CE953D6D6496}" type="datetimeFigureOut">
               <a:rPr lang="en-CA" smtClean="0"/>
-              <a:t>2016-11-30</a:t>
+              <a:t>01/12/2016</a:t>
             </a:fld>
             <a:endParaRPr lang="en-CA"/>
           </a:p>
@@ -3725,7 +3726,7 @@
           <a:p>
             <a:fld id="{EE0E5773-7CF9-4DFF-9CBD-CE953D6D6496}" type="datetimeFigureOut">
               <a:rPr lang="en-CA" smtClean="0"/>
-              <a:t>2016-11-30</a:t>
+              <a:t>01/12/2016</a:t>
             </a:fld>
             <a:endParaRPr lang="en-CA"/>
           </a:p>
@@ -4038,7 +4039,7 @@
           <a:p>
             <a:fld id="{EE0E5773-7CF9-4DFF-9CBD-CE953D6D6496}" type="datetimeFigureOut">
               <a:rPr lang="en-CA" smtClean="0"/>
-              <a:t>2016-11-30</a:t>
+              <a:t>01/12/2016</a:t>
             </a:fld>
             <a:endParaRPr lang="en-CA"/>
           </a:p>
@@ -4302,7 +4303,7 @@
           <a:p>
             <a:fld id="{EE0E5773-7CF9-4DFF-9CBD-CE953D6D6496}" type="datetimeFigureOut">
               <a:rPr lang="en-CA" smtClean="0"/>
-              <a:t>2016-11-30</a:t>
+              <a:t>01/12/2016</a:t>
             </a:fld>
             <a:endParaRPr lang="en-CA"/>
           </a:p>
@@ -4630,7 +4631,7 @@
           <a:p>
             <a:fld id="{EE0E5773-7CF9-4DFF-9CBD-CE953D6D6496}" type="datetimeFigureOut">
               <a:rPr lang="en-CA" smtClean="0"/>
-              <a:t>2016-11-30</a:t>
+              <a:t>01/12/2016</a:t>
             </a:fld>
             <a:endParaRPr lang="en-CA"/>
           </a:p>
@@ -5019,7 +5020,7 @@
           <a:p>
             <a:fld id="{EE0E5773-7CF9-4DFF-9CBD-CE953D6D6496}" type="datetimeFigureOut">
               <a:rPr lang="en-CA" smtClean="0"/>
-              <a:t>2016-11-30</a:t>
+              <a:t>01/12/2016</a:t>
             </a:fld>
             <a:endParaRPr lang="en-CA"/>
           </a:p>
@@ -5400,7 +5401,7 @@
           <a:p>
             <a:fld id="{EE0E5773-7CF9-4DFF-9CBD-CE953D6D6496}" type="datetimeFigureOut">
               <a:rPr lang="en-CA" smtClean="0"/>
-              <a:t>2016-11-30</a:t>
+              <a:t>01/12/2016</a:t>
             </a:fld>
             <a:endParaRPr lang="en-CA"/>
           </a:p>
@@ -5911,7 +5912,7 @@
           <a:p>
             <a:fld id="{EE0E5773-7CF9-4DFF-9CBD-CE953D6D6496}" type="datetimeFigureOut">
               <a:rPr lang="en-CA" smtClean="0"/>
-              <a:t>2016-11-30</a:t>
+              <a:t>01/12/2016</a:t>
             </a:fld>
             <a:endParaRPr lang="en-CA"/>
           </a:p>
@@ -6173,7 +6174,7 @@
           <a:p>
             <a:fld id="{EE0E5773-7CF9-4DFF-9CBD-CE953D6D6496}" type="datetimeFigureOut">
               <a:rPr lang="en-CA" smtClean="0"/>
-              <a:t>2016-11-30</a:t>
+              <a:t>01/12/2016</a:t>
             </a:fld>
             <a:endParaRPr lang="en-CA"/>
           </a:p>
@@ -6336,7 +6337,7 @@
           <a:p>
             <a:fld id="{EE0E5773-7CF9-4DFF-9CBD-CE953D6D6496}" type="datetimeFigureOut">
               <a:rPr lang="en-CA" smtClean="0"/>
-              <a:t>2016-11-30</a:t>
+              <a:t>01/12/2016</a:t>
             </a:fld>
             <a:endParaRPr lang="en-CA"/>
           </a:p>
@@ -6726,7 +6727,7 @@
           <a:p>
             <a:fld id="{EE0E5773-7CF9-4DFF-9CBD-CE953D6D6496}" type="datetimeFigureOut">
               <a:rPr lang="en-CA" smtClean="0"/>
-              <a:t>2016-11-30</a:t>
+              <a:t>01/12/2016</a:t>
             </a:fld>
             <a:endParaRPr lang="en-CA"/>
           </a:p>
@@ -7140,7 +7141,7 @@
           <a:p>
             <a:fld id="{EE0E5773-7CF9-4DFF-9CBD-CE953D6D6496}" type="datetimeFigureOut">
               <a:rPr lang="en-CA" smtClean="0"/>
-              <a:t>2016-11-30</a:t>
+              <a:t>01/12/2016</a:t>
             </a:fld>
             <a:endParaRPr lang="en-CA"/>
           </a:p>
@@ -7384,7 +7385,7 @@
           <a:p>
             <a:fld id="{EE0E5773-7CF9-4DFF-9CBD-CE953D6D6496}" type="datetimeFigureOut">
               <a:rPr lang="en-CA" smtClean="0"/>
-              <a:t>2016-11-30</a:t>
+              <a:t>01/12/2016</a:t>
             </a:fld>
             <a:endParaRPr lang="en-CA"/>
           </a:p>
@@ -7810,7 +7811,12 @@
             <p:ph type="ctrTitle"/>
           </p:nvPr>
         </p:nvSpPr>
-        <p:spPr/>
+        <p:spPr>
+          <a:xfrm>
+            <a:off x="680322" y="2820795"/>
+            <a:ext cx="8144134" cy="1373070"/>
+          </a:xfrm>
+        </p:spPr>
         <p:txBody>
           <a:bodyPr/>
           <a:lstStyle/>
@@ -7928,11 +7934,7 @@
             </a:r>
             <a:r>
               <a:rPr lang="en-CA" sz="4800" dirty="0" smtClean="0"/>
-              <a:t>2014 – </a:t>
-            </a:r>
-            <a:r>
-              <a:rPr lang="en-CA" sz="4800" dirty="0" smtClean="0"/>
-              <a:t>Results</a:t>
+              <a:t>2014 – Results</a:t>
             </a:r>
             <a:endParaRPr lang="en-CA" sz="4800" dirty="0">
               <a:solidFill>
@@ -7955,7 +7957,7 @@
         <p:spPr>
           <a:xfrm>
             <a:off x="680321" y="2336873"/>
-            <a:ext cx="4551101" cy="3599316"/>
+            <a:ext cx="5154422" cy="3599316"/>
           </a:xfrm>
         </p:spPr>
         <p:txBody>
@@ -7975,15 +7977,7 @@
                   <a:schemeClr val="bg1"/>
                 </a:solidFill>
               </a:rPr>
-              <a:t>R = 0.998 fo</a:t>
-            </a:r>
-            <a:r>
-              <a:rPr lang="en-CA" sz="2800" dirty="0" smtClean="0">
-                <a:solidFill>
-                  <a:schemeClr val="bg1"/>
-                </a:solidFill>
-              </a:rPr>
-              <a:t>r adult model</a:t>
+              <a:t>R = 0.998 for adult model</a:t>
             </a:r>
           </a:p>
           <a:p>
@@ -8087,11 +8081,7 @@
             </a:r>
             <a:r>
               <a:rPr lang="en-CA" sz="4800" dirty="0" smtClean="0"/>
-              <a:t>2014 – </a:t>
-            </a:r>
-            <a:r>
-              <a:rPr lang="en-CA" sz="4800" dirty="0" smtClean="0"/>
-              <a:t>Critique</a:t>
+              <a:t>2014 – Critique</a:t>
             </a:r>
             <a:endParaRPr lang="en-CA" sz="4800" dirty="0">
               <a:solidFill>
@@ -8327,6 +8317,13 @@
   <p:clrMapOvr>
     <a:masterClrMapping/>
   </p:clrMapOvr>
+  <p:timing>
+    <p:tnLst>
+      <p:par>
+        <p:cTn id="1" dur="indefinite" restart="never" nodeType="tmRoot"/>
+      </p:par>
+    </p:tnLst>
+  </p:timing>
 </p:sld>
 </file>
 
@@ -8432,15 +8429,7 @@
                   <a:schemeClr val="bg1"/>
                 </a:solidFill>
               </a:rPr>
-              <a:t>Limitations of other methods described by [Ungi2014</a:t>
-            </a:r>
-            <a:r>
-              <a:rPr lang="en-CA" sz="2800" dirty="0" smtClean="0">
-                <a:solidFill>
-                  <a:schemeClr val="bg1"/>
-                </a:solidFill>
-              </a:rPr>
-              <a:t>]</a:t>
+              <a:t>Limitations of other methods described by [Ungi2014]</a:t>
             </a:r>
           </a:p>
           <a:p>
@@ -8606,15 +8595,7 @@
                   <a:schemeClr val="bg1"/>
                 </a:solidFill>
               </a:rPr>
-              <a:t>Locate landmarks in software-generated </a:t>
-            </a:r>
-            <a:r>
-              <a:rPr lang="en-CA" sz="2800" dirty="0" smtClean="0">
-                <a:solidFill>
-                  <a:schemeClr val="bg1"/>
-                </a:solidFill>
-              </a:rPr>
-              <a:t>model</a:t>
+              <a:t>Locate landmarks in software-generated model</a:t>
             </a:r>
           </a:p>
           <a:p>
@@ -8757,1091 +8738,6 @@
           </a:sp3d>
         </p:spPr>
       </p:pic>
-    </p:spTree>
-    <p:extLst>
-      <p:ext uri="{BB962C8B-B14F-4D97-AF65-F5344CB8AC3E}">
-        <p14:creationId xmlns:p14="http://schemas.microsoft.com/office/powerpoint/2010/main" val="2475696838"/>
-      </p:ext>
-    </p:extLst>
-  </p:cSld>
-  <p:clrMapOvr>
-    <a:masterClrMapping/>
-  </p:clrMapOvr>
-  <p:timing>
-    <p:tnLst>
-      <p:par>
-        <p:cTn id="1" dur="indefinite" restart="never" nodeType="tmRoot"/>
-      </p:par>
-    </p:tnLst>
-  </p:timing>
-</p:sld>
-</file>
-
-<file path=ppt/slides/slide15.xml><?xml version="1.0" encoding="utf-8"?>
-<p:sld xmlns:a="http://schemas.openxmlformats.org/drawingml/2006/main" xmlns:r="http://schemas.openxmlformats.org/officeDocument/2006/relationships" xmlns:p="http://schemas.openxmlformats.org/presentationml/2006/main">
-  <p:cSld>
-    <p:spTree>
-      <p:nvGrpSpPr>
-        <p:cNvPr id="1" name=""/>
-        <p:cNvGrpSpPr/>
-        <p:nvPr/>
-      </p:nvGrpSpPr>
-      <p:grpSpPr>
-        <a:xfrm>
-          <a:off x="0" y="0"/>
-          <a:ext cx="0" cy="0"/>
-          <a:chOff x="0" y="0"/>
-          <a:chExt cx="0" cy="0"/>
-        </a:xfrm>
-      </p:grpSpPr>
-      <p:sp>
-        <p:nvSpPr>
-          <p:cNvPr id="2" name="Title 1"/>
-          <p:cNvSpPr>
-            <a:spLocks noGrp="1"/>
-          </p:cNvSpPr>
-          <p:nvPr>
-            <p:ph type="title"/>
-          </p:nvPr>
-        </p:nvSpPr>
-        <p:spPr/>
-        <p:txBody>
-          <a:bodyPr>
-            <a:normAutofit/>
-          </a:bodyPr>
-          <a:lstStyle/>
-          <a:p>
-            <a:r>
-              <a:rPr lang="en-CA" sz="4800" dirty="0"/>
-              <a:t>Cheung2015</a:t>
-            </a:r>
-            <a:r>
-              <a:rPr lang="en-CA" sz="4800" dirty="0" smtClean="0"/>
-              <a:t> – Validation</a:t>
-            </a:r>
-            <a:endParaRPr lang="en-CA" sz="4800" dirty="0">
-              <a:solidFill>
-                <a:schemeClr val="tx1"/>
-              </a:solidFill>
-            </a:endParaRPr>
-          </a:p>
-        </p:txBody>
-      </p:sp>
-      <p:sp>
-        <p:nvSpPr>
-          <p:cNvPr id="3" name="Content Placeholder 2"/>
-          <p:cNvSpPr>
-            <a:spLocks noGrp="1"/>
-          </p:cNvSpPr>
-          <p:nvPr>
-            <p:ph idx="1"/>
-          </p:nvPr>
-        </p:nvSpPr>
-        <p:spPr>
-          <a:xfrm>
-            <a:off x="680322" y="2336873"/>
-            <a:ext cx="4304916" cy="3599316"/>
-          </a:xfrm>
-        </p:spPr>
-        <p:txBody>
-          <a:bodyPr>
-            <a:noAutofit/>
-          </a:bodyPr>
-          <a:lstStyle/>
-          <a:p>
-            <a:pPr>
-              <a:lnSpc>
-                <a:spcPct val="100000"/>
-              </a:lnSpc>
-            </a:pPr>
-            <a:r>
-              <a:rPr lang="en-CA" sz="2800" dirty="0" smtClean="0">
-                <a:solidFill>
-                  <a:schemeClr val="bg1"/>
-                </a:solidFill>
-              </a:rPr>
-              <a:t>Compared their method’s angle to Cobb angle</a:t>
-            </a:r>
-          </a:p>
-          <a:p>
-            <a:pPr>
-              <a:lnSpc>
-                <a:spcPct val="100000"/>
-              </a:lnSpc>
-            </a:pPr>
-            <a:r>
-              <a:rPr lang="en-CA" sz="2800" dirty="0" smtClean="0">
-                <a:solidFill>
-                  <a:schemeClr val="bg1"/>
-                </a:solidFill>
-              </a:rPr>
-              <a:t>Examined intra and inter-user variability</a:t>
-            </a:r>
-            <a:endParaRPr lang="en-CA" sz="2800" dirty="0">
-              <a:solidFill>
-                <a:schemeClr val="bg1"/>
-              </a:solidFill>
-            </a:endParaRPr>
-          </a:p>
-        </p:txBody>
-      </p:sp>
-    </p:spTree>
-    <p:extLst>
-      <p:ext uri="{BB962C8B-B14F-4D97-AF65-F5344CB8AC3E}">
-        <p14:creationId xmlns:p14="http://schemas.microsoft.com/office/powerpoint/2010/main" val="4159745248"/>
-      </p:ext>
-    </p:extLst>
-  </p:cSld>
-  <p:clrMapOvr>
-    <a:masterClrMapping/>
-  </p:clrMapOvr>
-  <p:timing>
-    <p:tnLst>
-      <p:par>
-        <p:cTn id="1" dur="indefinite" restart="never" nodeType="tmRoot"/>
-      </p:par>
-    </p:tnLst>
-  </p:timing>
-</p:sld>
-</file>
-
-<file path=ppt/slides/slide16.xml><?xml version="1.0" encoding="utf-8"?>
-<p:sld xmlns:a="http://schemas.openxmlformats.org/drawingml/2006/main" xmlns:r="http://schemas.openxmlformats.org/officeDocument/2006/relationships" xmlns:p="http://schemas.openxmlformats.org/presentationml/2006/main">
-  <p:cSld>
-    <p:spTree>
-      <p:nvGrpSpPr>
-        <p:cNvPr id="1" name=""/>
-        <p:cNvGrpSpPr/>
-        <p:nvPr/>
-      </p:nvGrpSpPr>
-      <p:grpSpPr>
-        <a:xfrm>
-          <a:off x="0" y="0"/>
-          <a:ext cx="0" cy="0"/>
-          <a:chOff x="0" y="0"/>
-          <a:chExt cx="0" cy="0"/>
-        </a:xfrm>
-      </p:grpSpPr>
-      <p:sp>
-        <p:nvSpPr>
-          <p:cNvPr id="2" name="Title 1"/>
-          <p:cNvSpPr>
-            <a:spLocks noGrp="1"/>
-          </p:cNvSpPr>
-          <p:nvPr>
-            <p:ph type="title"/>
-          </p:nvPr>
-        </p:nvSpPr>
-        <p:spPr/>
-        <p:txBody>
-          <a:bodyPr>
-            <a:normAutofit/>
-          </a:bodyPr>
-          <a:lstStyle/>
-          <a:p>
-            <a:r>
-              <a:rPr lang="en-CA" sz="4800" dirty="0"/>
-              <a:t>Cheung2015</a:t>
-            </a:r>
-            <a:r>
-              <a:rPr lang="en-CA" sz="4800" dirty="0" smtClean="0"/>
-              <a:t> – </a:t>
-            </a:r>
-            <a:r>
-              <a:rPr lang="en-CA" sz="4800" dirty="0" smtClean="0"/>
-              <a:t>Results</a:t>
-            </a:r>
-            <a:endParaRPr lang="en-CA" sz="4800" dirty="0">
-              <a:solidFill>
-                <a:schemeClr val="tx1"/>
-              </a:solidFill>
-            </a:endParaRPr>
-          </a:p>
-        </p:txBody>
-      </p:sp>
-      <p:sp>
-        <p:nvSpPr>
-          <p:cNvPr id="3" name="Content Placeholder 2"/>
-          <p:cNvSpPr>
-            <a:spLocks noGrp="1"/>
-          </p:cNvSpPr>
-          <p:nvPr>
-            <p:ph idx="1"/>
-          </p:nvPr>
-        </p:nvSpPr>
-        <p:spPr>
-          <a:xfrm>
-            <a:off x="680322" y="2336873"/>
-            <a:ext cx="4304916" cy="3599316"/>
-          </a:xfrm>
-        </p:spPr>
-        <p:txBody>
-          <a:bodyPr>
-            <a:noAutofit/>
-          </a:bodyPr>
-          <a:lstStyle/>
-          <a:p>
-            <a:pPr>
-              <a:lnSpc>
-                <a:spcPct val="100000"/>
-              </a:lnSpc>
-            </a:pPr>
-            <a:endParaRPr lang="en-CA" sz="2800" dirty="0">
-              <a:solidFill>
-                <a:schemeClr val="bg1"/>
-              </a:solidFill>
-            </a:endParaRPr>
-          </a:p>
-        </p:txBody>
-      </p:sp>
-    </p:spTree>
-    <p:extLst>
-      <p:ext uri="{BB962C8B-B14F-4D97-AF65-F5344CB8AC3E}">
-        <p14:creationId xmlns:p14="http://schemas.microsoft.com/office/powerpoint/2010/main" val="1472260332"/>
-      </p:ext>
-    </p:extLst>
-  </p:cSld>
-  <p:clrMapOvr>
-    <a:masterClrMapping/>
-  </p:clrMapOvr>
-  <p:timing>
-    <p:tnLst>
-      <p:par>
-        <p:cTn id="1" dur="indefinite" restart="never" nodeType="tmRoot"/>
-      </p:par>
-    </p:tnLst>
-  </p:timing>
-</p:sld>
-</file>
-
-<file path=ppt/slides/slide17.xml><?xml version="1.0" encoding="utf-8"?>
-<p:sld xmlns:a="http://schemas.openxmlformats.org/drawingml/2006/main" xmlns:r="http://schemas.openxmlformats.org/officeDocument/2006/relationships" xmlns:p="http://schemas.openxmlformats.org/presentationml/2006/main">
-  <p:cSld>
-    <p:spTree>
-      <p:nvGrpSpPr>
-        <p:cNvPr id="1" name=""/>
-        <p:cNvGrpSpPr/>
-        <p:nvPr/>
-      </p:nvGrpSpPr>
-      <p:grpSpPr>
-        <a:xfrm>
-          <a:off x="0" y="0"/>
-          <a:ext cx="0" cy="0"/>
-          <a:chOff x="0" y="0"/>
-          <a:chExt cx="0" cy="0"/>
-        </a:xfrm>
-      </p:grpSpPr>
-      <p:sp>
-        <p:nvSpPr>
-          <p:cNvPr id="2" name="Title 1"/>
-          <p:cNvSpPr>
-            <a:spLocks noGrp="1"/>
-          </p:cNvSpPr>
-          <p:nvPr>
-            <p:ph type="title"/>
-          </p:nvPr>
-        </p:nvSpPr>
-        <p:spPr/>
-        <p:txBody>
-          <a:bodyPr>
-            <a:normAutofit/>
-          </a:bodyPr>
-          <a:lstStyle/>
-          <a:p>
-            <a:r>
-              <a:rPr lang="en-CA" sz="4800" dirty="0"/>
-              <a:t>Cheung2015</a:t>
-            </a:r>
-            <a:r>
-              <a:rPr lang="en-CA" sz="4800" dirty="0" smtClean="0"/>
-              <a:t> – </a:t>
-            </a:r>
-            <a:r>
-              <a:rPr lang="en-CA" sz="4800" dirty="0" smtClean="0"/>
-              <a:t>Critique</a:t>
-            </a:r>
-            <a:endParaRPr lang="en-CA" sz="4800" dirty="0">
-              <a:solidFill>
-                <a:schemeClr val="tx1"/>
-              </a:solidFill>
-            </a:endParaRPr>
-          </a:p>
-        </p:txBody>
-      </p:sp>
-      <p:sp>
-        <p:nvSpPr>
-          <p:cNvPr id="3" name="Content Placeholder 2"/>
-          <p:cNvSpPr>
-            <a:spLocks noGrp="1"/>
-          </p:cNvSpPr>
-          <p:nvPr>
-            <p:ph idx="1"/>
-          </p:nvPr>
-        </p:nvSpPr>
-        <p:spPr>
-          <a:xfrm>
-            <a:off x="680322" y="2336873"/>
-            <a:ext cx="6740386" cy="3599316"/>
-          </a:xfrm>
-        </p:spPr>
-        <p:txBody>
-          <a:bodyPr>
-            <a:noAutofit/>
-          </a:bodyPr>
-          <a:lstStyle/>
-          <a:p>
-            <a:pPr>
-              <a:lnSpc>
-                <a:spcPct val="100000"/>
-              </a:lnSpc>
-            </a:pPr>
-            <a:r>
-              <a:rPr lang="en-CA" sz="2800" dirty="0" smtClean="0">
-                <a:solidFill>
-                  <a:schemeClr val="bg1"/>
-                </a:solidFill>
-              </a:rPr>
-              <a:t>Cobb angle range only 1.9</a:t>
-            </a:r>
-            <a:r>
-              <a:rPr lang="en-CA" sz="2800" dirty="0" smtClean="0">
-                <a:solidFill>
-                  <a:schemeClr val="bg1"/>
-                </a:solidFill>
-              </a:rPr>
-              <a:t>°</a:t>
-            </a:r>
-            <a:r>
-              <a:rPr lang="en-CA" sz="2800" dirty="0" smtClean="0">
-                <a:solidFill>
-                  <a:schemeClr val="bg1"/>
-                </a:solidFill>
-              </a:rPr>
-              <a:t> to 29.9</a:t>
-            </a:r>
-            <a:r>
-              <a:rPr lang="en-CA" sz="2800" dirty="0">
-                <a:solidFill>
-                  <a:schemeClr val="bg1"/>
-                </a:solidFill>
-              </a:rPr>
-              <a:t>°</a:t>
-            </a:r>
-            <a:endParaRPr lang="en-CA" sz="2800" dirty="0" smtClean="0">
-              <a:solidFill>
-                <a:schemeClr val="bg1"/>
-              </a:solidFill>
-            </a:endParaRPr>
-          </a:p>
-          <a:p>
-            <a:pPr lvl="1">
-              <a:lnSpc>
-                <a:spcPct val="100000"/>
-              </a:lnSpc>
-            </a:pPr>
-            <a:r>
-              <a:rPr lang="en-CA" sz="2400" dirty="0" smtClean="0">
-                <a:solidFill>
-                  <a:schemeClr val="bg1"/>
-                </a:solidFill>
-              </a:rPr>
-              <a:t>mild to moderate</a:t>
-            </a:r>
-          </a:p>
-          <a:p>
-            <a:pPr>
-              <a:lnSpc>
-                <a:spcPct val="100000"/>
-              </a:lnSpc>
-            </a:pPr>
-            <a:r>
-              <a:rPr lang="en-CA" sz="2800" dirty="0" smtClean="0">
-                <a:solidFill>
-                  <a:schemeClr val="bg1"/>
-                </a:solidFill>
-              </a:rPr>
-              <a:t>Unable to locate some landmarks</a:t>
-            </a:r>
-          </a:p>
-          <a:p>
-            <a:pPr lvl="1">
-              <a:lnSpc>
-                <a:spcPct val="100000"/>
-              </a:lnSpc>
-            </a:pPr>
-            <a:r>
-              <a:rPr lang="en-CA" sz="2400" dirty="0" smtClean="0">
-                <a:solidFill>
-                  <a:schemeClr val="bg1"/>
-                </a:solidFill>
-              </a:rPr>
-              <a:t>Used alternative landmarks</a:t>
-            </a:r>
-          </a:p>
-          <a:p>
-            <a:pPr lvl="1">
-              <a:lnSpc>
-                <a:spcPct val="100000"/>
-              </a:lnSpc>
-            </a:pPr>
-            <a:r>
-              <a:rPr lang="en-CA" sz="2400" dirty="0" smtClean="0">
-                <a:solidFill>
-                  <a:schemeClr val="bg1"/>
-                </a:solidFill>
-              </a:rPr>
-              <a:t>Discarded data</a:t>
-            </a:r>
-          </a:p>
-          <a:p>
-            <a:pPr>
-              <a:lnSpc>
-                <a:spcPct val="100000"/>
-              </a:lnSpc>
-            </a:pPr>
-            <a:r>
-              <a:rPr lang="en-CA" sz="2800" dirty="0" smtClean="0">
-                <a:solidFill>
-                  <a:schemeClr val="bg1"/>
-                </a:solidFill>
-              </a:rPr>
-              <a:t>Method for dealing with imperfect </a:t>
-            </a:r>
-            <a:r>
-              <a:rPr lang="en-CA" sz="2800" smtClean="0">
-                <a:solidFill>
-                  <a:schemeClr val="bg1"/>
-                </a:solidFill>
-              </a:rPr>
-              <a:t>data required</a:t>
-            </a:r>
-            <a:endParaRPr lang="en-CA" sz="2800" dirty="0">
-              <a:solidFill>
-                <a:schemeClr val="bg1"/>
-              </a:solidFill>
-            </a:endParaRPr>
-          </a:p>
-        </p:txBody>
-      </p:sp>
-    </p:spTree>
-    <p:extLst>
-      <p:ext uri="{BB962C8B-B14F-4D97-AF65-F5344CB8AC3E}">
-        <p14:creationId xmlns:p14="http://schemas.microsoft.com/office/powerpoint/2010/main" val="3047827233"/>
-      </p:ext>
-    </p:extLst>
-  </p:cSld>
-  <p:clrMapOvr>
-    <a:masterClrMapping/>
-  </p:clrMapOvr>
-  <p:timing>
-    <p:tnLst>
-      <p:par>
-        <p:cTn id="1" dur="indefinite" restart="never" nodeType="tmRoot"/>
-      </p:par>
-    </p:tnLst>
-  </p:timing>
-</p:sld>
-</file>
-
-<file path=ppt/slides/slide18.xml><?xml version="1.0" encoding="utf-8"?>
-<p:sld xmlns:a="http://schemas.openxmlformats.org/drawingml/2006/main" xmlns:r="http://schemas.openxmlformats.org/officeDocument/2006/relationships" xmlns:p="http://schemas.openxmlformats.org/presentationml/2006/main">
-  <p:cSld>
-    <p:spTree>
-      <p:nvGrpSpPr>
-        <p:cNvPr id="1" name=""/>
-        <p:cNvGrpSpPr/>
-        <p:nvPr/>
-      </p:nvGrpSpPr>
-      <p:grpSpPr>
-        <a:xfrm>
-          <a:off x="0" y="0"/>
-          <a:ext cx="0" cy="0"/>
-          <a:chOff x="0" y="0"/>
-          <a:chExt cx="0" cy="0"/>
-        </a:xfrm>
-      </p:grpSpPr>
-      <p:sp>
-        <p:nvSpPr>
-          <p:cNvPr id="2" name="Title 1"/>
-          <p:cNvSpPr>
-            <a:spLocks noGrp="1"/>
-          </p:cNvSpPr>
-          <p:nvPr>
-            <p:ph type="title"/>
-          </p:nvPr>
-        </p:nvSpPr>
-        <p:spPr/>
-        <p:txBody>
-          <a:bodyPr>
-            <a:normAutofit/>
-          </a:bodyPr>
-          <a:lstStyle/>
-          <a:p>
-            <a:r>
-              <a:rPr lang="en-US" sz="4800" dirty="0" smtClean="0"/>
-              <a:t>References</a:t>
-            </a:r>
-            <a:endParaRPr lang="en-US" sz="4800" dirty="0"/>
-          </a:p>
-        </p:txBody>
-      </p:sp>
-      <p:sp>
-        <p:nvSpPr>
-          <p:cNvPr id="3" name="Content Placeholder 2"/>
-          <p:cNvSpPr>
-            <a:spLocks noGrp="1"/>
-          </p:cNvSpPr>
-          <p:nvPr>
-            <p:ph idx="1"/>
-          </p:nvPr>
-        </p:nvSpPr>
-        <p:spPr/>
-        <p:txBody>
-          <a:bodyPr>
-            <a:normAutofit/>
-          </a:bodyPr>
-          <a:lstStyle/>
-          <a:p>
-            <a:pPr marL="0" indent="0">
-              <a:buNone/>
-            </a:pPr>
-            <a:r>
-              <a:rPr lang="en-CA" b="1" dirty="0">
-                <a:solidFill>
-                  <a:schemeClr val="bg1"/>
-                </a:solidFill>
-              </a:rPr>
-              <a:t>[Ungi2014]	</a:t>
-            </a:r>
-            <a:r>
-              <a:rPr lang="en-CA" b="1" dirty="0" smtClean="0">
-                <a:solidFill>
-                  <a:schemeClr val="bg1"/>
-                </a:solidFill>
-              </a:rPr>
-              <a:t>T</a:t>
-            </a:r>
-            <a:r>
-              <a:rPr lang="en-CA" b="1" dirty="0" smtClean="0">
-                <a:solidFill>
-                  <a:schemeClr val="bg1"/>
-                </a:solidFill>
-              </a:rPr>
-              <a:t>. </a:t>
-            </a:r>
-            <a:r>
-              <a:rPr lang="en-CA" b="1" dirty="0" err="1" smtClean="0">
-                <a:solidFill>
-                  <a:schemeClr val="bg1"/>
-                </a:solidFill>
-              </a:rPr>
-              <a:t>Ungi</a:t>
-            </a:r>
-            <a:r>
-              <a:rPr lang="en-CA" b="1" dirty="0" smtClean="0">
-                <a:solidFill>
-                  <a:schemeClr val="bg1"/>
-                </a:solidFill>
-              </a:rPr>
-              <a:t>, F. King, M. </a:t>
-            </a:r>
-            <a:r>
-              <a:rPr lang="en-CA" b="1" dirty="0" err="1" smtClean="0">
-                <a:solidFill>
-                  <a:schemeClr val="bg1"/>
-                </a:solidFill>
-              </a:rPr>
-              <a:t>Kempston</a:t>
-            </a:r>
-            <a:r>
-              <a:rPr lang="en-CA" b="1" dirty="0" smtClean="0">
-                <a:solidFill>
-                  <a:schemeClr val="bg1"/>
-                </a:solidFill>
-              </a:rPr>
-              <a:t>, Z. Keri, A. Lasso, P. 			Mousavi, J. </a:t>
-            </a:r>
-            <a:r>
-              <a:rPr lang="en-CA" b="1" dirty="0" err="1" smtClean="0">
-                <a:solidFill>
-                  <a:schemeClr val="bg1"/>
-                </a:solidFill>
-              </a:rPr>
-              <a:t>Rudan</a:t>
-            </a:r>
-            <a:r>
-              <a:rPr lang="en-CA" b="1" dirty="0" smtClean="0">
-                <a:solidFill>
-                  <a:schemeClr val="bg1"/>
-                </a:solidFill>
-              </a:rPr>
-              <a:t>, D. P. </a:t>
-            </a:r>
-            <a:r>
-              <a:rPr lang="en-CA" b="1" dirty="0" err="1" smtClean="0">
-                <a:solidFill>
-                  <a:schemeClr val="bg1"/>
-                </a:solidFill>
-              </a:rPr>
-              <a:t>Borschneck</a:t>
-            </a:r>
-            <a:r>
-              <a:rPr lang="en-CA" b="1" dirty="0" smtClean="0">
-                <a:solidFill>
-                  <a:schemeClr val="bg1"/>
-                </a:solidFill>
-              </a:rPr>
-              <a:t>, and G. 				Fichtinger, “Spinal Curvature Measurement by 			Tracked Ultrasound Snapshots”, Ultrasound in 			Medicine and Biology 2014; 40(2):447-454.</a:t>
-            </a:r>
-          </a:p>
-          <a:p>
-            <a:pPr marL="0" indent="0">
-              <a:buNone/>
-            </a:pPr>
-            <a:r>
-              <a:rPr lang="en-US" b="1" dirty="0">
-                <a:solidFill>
-                  <a:schemeClr val="bg1"/>
-                </a:solidFill>
-              </a:rPr>
-              <a:t>[</a:t>
-            </a:r>
-            <a:r>
-              <a:rPr lang="en-US" b="1" dirty="0" smtClean="0">
-                <a:solidFill>
-                  <a:schemeClr val="bg1"/>
-                </a:solidFill>
-              </a:rPr>
-              <a:t>Cheung2015]	C</a:t>
-            </a:r>
-            <a:r>
-              <a:rPr lang="en-US" b="1" dirty="0">
-                <a:solidFill>
-                  <a:schemeClr val="bg1"/>
-                </a:solidFill>
-              </a:rPr>
-              <a:t>.-W. J. Cheung, G.-Q. Zhou, S.-Y. Law, K.-L. </a:t>
-            </a:r>
-            <a:r>
-              <a:rPr lang="en-US" b="1" dirty="0" smtClean="0">
-                <a:solidFill>
-                  <a:schemeClr val="bg1"/>
-                </a:solidFill>
-              </a:rPr>
-              <a:t>		Lai</a:t>
-            </a:r>
-            <a:r>
-              <a:rPr lang="en-US" b="1" dirty="0">
-                <a:solidFill>
-                  <a:schemeClr val="bg1"/>
-                </a:solidFill>
-              </a:rPr>
-              <a:t>, W.-W. Jiang, </a:t>
-            </a:r>
-            <a:r>
-              <a:rPr lang="en-US" b="1" dirty="0" smtClean="0">
-                <a:solidFill>
-                  <a:schemeClr val="bg1"/>
-                </a:solidFill>
-              </a:rPr>
-              <a:t>and </a:t>
-            </a:r>
-            <a:r>
-              <a:rPr lang="en-US" b="1" dirty="0">
-                <a:solidFill>
-                  <a:schemeClr val="bg1"/>
-                </a:solidFill>
-              </a:rPr>
-              <a:t>Y.-P. Zheng</a:t>
-            </a:r>
-            <a:r>
-              <a:rPr lang="en-US" b="1" dirty="0" smtClean="0">
-                <a:solidFill>
-                  <a:schemeClr val="bg1"/>
-                </a:solidFill>
-              </a:rPr>
-              <a:t>, “</a:t>
-            </a:r>
-            <a:r>
-              <a:rPr lang="en-US" b="1" dirty="0">
-                <a:solidFill>
-                  <a:schemeClr val="bg1"/>
-                </a:solidFill>
-              </a:rPr>
-              <a:t>Freehand </a:t>
-            </a:r>
-            <a:r>
-              <a:rPr lang="en-US" b="1" dirty="0" smtClean="0">
-                <a:solidFill>
-                  <a:schemeClr val="bg1"/>
-                </a:solidFill>
-              </a:rPr>
-              <a:t/>
-            </a:r>
-            <a:br>
-              <a:rPr lang="en-US" b="1" dirty="0" smtClean="0">
-                <a:solidFill>
-                  <a:schemeClr val="bg1"/>
-                </a:solidFill>
-              </a:rPr>
-            </a:br>
-            <a:r>
-              <a:rPr lang="en-US" b="1" dirty="0" smtClean="0">
-                <a:solidFill>
-                  <a:schemeClr val="bg1"/>
-                </a:solidFill>
-              </a:rPr>
-              <a:t>		three-	dimensional </a:t>
-            </a:r>
-            <a:r>
-              <a:rPr lang="en-US" b="1" dirty="0">
-                <a:solidFill>
-                  <a:schemeClr val="bg1"/>
-                </a:solidFill>
-              </a:rPr>
-              <a:t>ultrasound </a:t>
-            </a:r>
-            <a:r>
-              <a:rPr lang="en-US" b="1" dirty="0" smtClean="0">
-                <a:solidFill>
-                  <a:schemeClr val="bg1"/>
-                </a:solidFill>
-              </a:rPr>
-              <a:t>system </a:t>
-            </a:r>
-            <a:r>
-              <a:rPr lang="en-US" b="1" dirty="0">
-                <a:solidFill>
-                  <a:schemeClr val="bg1"/>
-                </a:solidFill>
-              </a:rPr>
-              <a:t>for assessment </a:t>
-            </a:r>
-            <a:r>
-              <a:rPr lang="en-US" b="1" dirty="0" smtClean="0">
-                <a:solidFill>
-                  <a:schemeClr val="bg1"/>
-                </a:solidFill>
-              </a:rPr>
-              <a:t>		of scoliosis”, Journal </a:t>
-            </a:r>
-            <a:r>
-              <a:rPr lang="en-US" b="1" dirty="0">
-                <a:solidFill>
-                  <a:schemeClr val="bg1"/>
-                </a:solidFill>
-              </a:rPr>
-              <a:t>of </a:t>
-            </a:r>
-            <a:r>
-              <a:rPr lang="en-US" b="1" dirty="0" err="1">
-                <a:solidFill>
-                  <a:schemeClr val="bg1"/>
-                </a:solidFill>
-              </a:rPr>
-              <a:t>Orthopaedic</a:t>
-            </a:r>
-            <a:r>
-              <a:rPr lang="en-US" b="1" dirty="0">
-                <a:solidFill>
-                  <a:schemeClr val="bg1"/>
-                </a:solidFill>
-              </a:rPr>
-              <a:t> </a:t>
-            </a:r>
-            <a:r>
-              <a:rPr lang="en-US" b="1" dirty="0" smtClean="0">
-                <a:solidFill>
-                  <a:schemeClr val="bg1"/>
-                </a:solidFill>
-              </a:rPr>
-              <a:t>Translation 			2015</a:t>
-            </a:r>
-            <a:r>
-              <a:rPr lang="en-US" b="1" dirty="0">
-                <a:solidFill>
-                  <a:schemeClr val="bg1"/>
-                </a:solidFill>
-              </a:rPr>
-              <a:t>; 3:123-133.</a:t>
-            </a:r>
-          </a:p>
-        </p:txBody>
-      </p:sp>
-    </p:spTree>
-    <p:extLst>
-      <p:ext uri="{BB962C8B-B14F-4D97-AF65-F5344CB8AC3E}">
-        <p14:creationId xmlns:p14="http://schemas.microsoft.com/office/powerpoint/2010/main" val="4290387086"/>
-      </p:ext>
-    </p:extLst>
-  </p:cSld>
-  <p:clrMapOvr>
-    <a:masterClrMapping/>
-  </p:clrMapOvr>
-</p:sld>
-</file>
-
-<file path=ppt/slides/slide2.xml><?xml version="1.0" encoding="utf-8"?>
-<p:sld xmlns:a="http://schemas.openxmlformats.org/drawingml/2006/main" xmlns:r="http://schemas.openxmlformats.org/officeDocument/2006/relationships" xmlns:p="http://schemas.openxmlformats.org/presentationml/2006/main">
-  <p:cSld>
-    <p:spTree>
-      <p:nvGrpSpPr>
-        <p:cNvPr id="1" name=""/>
-        <p:cNvGrpSpPr/>
-        <p:nvPr/>
-      </p:nvGrpSpPr>
-      <p:grpSpPr>
-        <a:xfrm>
-          <a:off x="0" y="0"/>
-          <a:ext cx="0" cy="0"/>
-          <a:chOff x="0" y="0"/>
-          <a:chExt cx="0" cy="0"/>
-        </a:xfrm>
-      </p:grpSpPr>
-      <p:sp>
-        <p:nvSpPr>
-          <p:cNvPr id="2" name="Title 1"/>
-          <p:cNvSpPr>
-            <a:spLocks noGrp="1"/>
-          </p:cNvSpPr>
-          <p:nvPr>
-            <p:ph type="title"/>
-          </p:nvPr>
-        </p:nvSpPr>
-        <p:spPr/>
-        <p:txBody>
-          <a:bodyPr/>
-          <a:lstStyle/>
-          <a:p>
-            <a:r>
-              <a:rPr lang="en-CA" sz="4800" dirty="0" smtClean="0">
-                <a:solidFill>
-                  <a:schemeClr val="tx1"/>
-                </a:solidFill>
-              </a:rPr>
-              <a:t>Contents</a:t>
-            </a:r>
-            <a:endParaRPr lang="en-CA" sz="4000" dirty="0">
-              <a:solidFill>
-                <a:schemeClr val="tx1"/>
-              </a:solidFill>
-            </a:endParaRPr>
-          </a:p>
-        </p:txBody>
-      </p:sp>
-      <p:sp>
-        <p:nvSpPr>
-          <p:cNvPr id="3" name="Content Placeholder 2"/>
-          <p:cNvSpPr>
-            <a:spLocks noGrp="1"/>
-          </p:cNvSpPr>
-          <p:nvPr>
-            <p:ph idx="1"/>
-          </p:nvPr>
-        </p:nvSpPr>
-        <p:spPr/>
-        <p:txBody>
-          <a:bodyPr>
-            <a:normAutofit/>
-          </a:bodyPr>
-          <a:lstStyle/>
-          <a:p>
-            <a:r>
-              <a:rPr lang="en-CA" sz="3200" dirty="0" smtClean="0">
-                <a:solidFill>
-                  <a:schemeClr val="bg1"/>
-                </a:solidFill>
-              </a:rPr>
-              <a:t>Background</a:t>
-            </a:r>
-          </a:p>
-          <a:p>
-            <a:pPr lvl="1"/>
-            <a:r>
-              <a:rPr lang="en-CA" sz="2800" dirty="0" smtClean="0">
-                <a:solidFill>
-                  <a:schemeClr val="bg1"/>
-                </a:solidFill>
-              </a:rPr>
-              <a:t>Scoliosis</a:t>
-            </a:r>
-          </a:p>
-          <a:p>
-            <a:pPr lvl="1"/>
-            <a:r>
-              <a:rPr lang="en-CA" sz="2800" dirty="0" smtClean="0">
-                <a:solidFill>
-                  <a:schemeClr val="bg1"/>
-                </a:solidFill>
-              </a:rPr>
-              <a:t>Assessment</a:t>
-            </a:r>
-          </a:p>
-          <a:p>
-            <a:pPr lvl="1"/>
-            <a:r>
-              <a:rPr lang="en-CA" sz="2800" dirty="0" smtClean="0">
-                <a:solidFill>
-                  <a:schemeClr val="bg1"/>
-                </a:solidFill>
-              </a:rPr>
-              <a:t>3D ultrasound</a:t>
-            </a:r>
-            <a:endParaRPr lang="en-CA" sz="2800" dirty="0">
-              <a:solidFill>
-                <a:schemeClr val="bg1"/>
-              </a:solidFill>
-            </a:endParaRPr>
-          </a:p>
-        </p:txBody>
-      </p:sp>
-    </p:spTree>
-    <p:extLst>
-      <p:ext uri="{BB962C8B-B14F-4D97-AF65-F5344CB8AC3E}">
-        <p14:creationId xmlns:p14="http://schemas.microsoft.com/office/powerpoint/2010/main" val="3879631970"/>
-      </p:ext>
-    </p:extLst>
-  </p:cSld>
-  <p:clrMapOvr>
-    <a:masterClrMapping/>
-  </p:clrMapOvr>
-  <p:timing>
-    <p:tnLst>
-      <p:par>
-        <p:cTn id="1" dur="indefinite" restart="never" nodeType="tmRoot"/>
-      </p:par>
-    </p:tnLst>
-  </p:timing>
-</p:sld>
-</file>
-
-<file path=ppt/slides/slide3.xml><?xml version="1.0" encoding="utf-8"?>
-<p:sld xmlns:a="http://schemas.openxmlformats.org/drawingml/2006/main" xmlns:r="http://schemas.openxmlformats.org/officeDocument/2006/relationships" xmlns:p="http://schemas.openxmlformats.org/presentationml/2006/main">
-  <p:cSld>
-    <p:spTree>
-      <p:nvGrpSpPr>
-        <p:cNvPr id="1" name=""/>
-        <p:cNvGrpSpPr/>
-        <p:nvPr/>
-      </p:nvGrpSpPr>
-      <p:grpSpPr>
-        <a:xfrm>
-          <a:off x="0" y="0"/>
-          <a:ext cx="0" cy="0"/>
-          <a:chOff x="0" y="0"/>
-          <a:chExt cx="0" cy="0"/>
-        </a:xfrm>
-      </p:grpSpPr>
-      <p:sp>
-        <p:nvSpPr>
-          <p:cNvPr id="2" name="Title 1"/>
-          <p:cNvSpPr>
-            <a:spLocks noGrp="1"/>
-          </p:cNvSpPr>
-          <p:nvPr>
-            <p:ph type="title"/>
-          </p:nvPr>
-        </p:nvSpPr>
-        <p:spPr/>
-        <p:txBody>
-          <a:bodyPr>
-            <a:normAutofit/>
-          </a:bodyPr>
-          <a:lstStyle/>
-          <a:p>
-            <a:r>
-              <a:rPr lang="en-CA" sz="4800" dirty="0" smtClean="0"/>
-              <a:t>Background - Scoliosis</a:t>
-            </a:r>
-            <a:endParaRPr lang="en-CA" sz="4800" dirty="0"/>
-          </a:p>
-        </p:txBody>
-      </p:sp>
-      <p:sp>
-        <p:nvSpPr>
-          <p:cNvPr id="3" name="Content Placeholder 2"/>
-          <p:cNvSpPr>
-            <a:spLocks noGrp="1"/>
-          </p:cNvSpPr>
-          <p:nvPr>
-            <p:ph idx="1"/>
-          </p:nvPr>
-        </p:nvSpPr>
-        <p:spPr>
-          <a:xfrm>
-            <a:off x="680321" y="2336873"/>
-            <a:ext cx="4832205" cy="3599316"/>
-          </a:xfrm>
-        </p:spPr>
-        <p:txBody>
-          <a:bodyPr>
-            <a:normAutofit/>
-          </a:bodyPr>
-          <a:lstStyle/>
-          <a:p>
-            <a:pPr>
-              <a:lnSpc>
-                <a:spcPct val="100000"/>
-              </a:lnSpc>
-            </a:pPr>
-            <a:r>
-              <a:rPr lang="en-CA" sz="2800" dirty="0" smtClean="0">
-                <a:solidFill>
-                  <a:schemeClr val="bg1">
-                    <a:lumMod val="95000"/>
-                    <a:lumOff val="5000"/>
-                  </a:schemeClr>
-                </a:solidFill>
-              </a:rPr>
-              <a:t>Pathological spinal curvature</a:t>
-            </a:r>
-          </a:p>
-          <a:p>
-            <a:pPr>
-              <a:lnSpc>
-                <a:spcPct val="100000"/>
-              </a:lnSpc>
-            </a:pPr>
-            <a:r>
-              <a:rPr lang="en-CA" sz="2800" dirty="0" smtClean="0">
-                <a:solidFill>
-                  <a:schemeClr val="bg1">
-                    <a:lumMod val="95000"/>
-                    <a:lumOff val="5000"/>
-                  </a:schemeClr>
-                </a:solidFill>
-              </a:rPr>
-              <a:t>Develops during growth</a:t>
-            </a:r>
-          </a:p>
-          <a:p>
-            <a:pPr>
-              <a:lnSpc>
-                <a:spcPct val="100000"/>
-              </a:lnSpc>
-            </a:pPr>
-            <a:r>
-              <a:rPr lang="en-CA" sz="2800" dirty="0" smtClean="0">
-                <a:solidFill>
-                  <a:schemeClr val="bg1">
-                    <a:lumMod val="95000"/>
-                    <a:lumOff val="5000"/>
-                  </a:schemeClr>
-                </a:solidFill>
-              </a:rPr>
-              <a:t>Must be monitored</a:t>
-            </a:r>
-            <a:endParaRPr lang="en-CA" sz="2800" dirty="0">
-              <a:solidFill>
-                <a:schemeClr val="bg1">
-                  <a:lumMod val="95000"/>
-                  <a:lumOff val="5000"/>
-                </a:schemeClr>
-              </a:solidFill>
-            </a:endParaRPr>
-          </a:p>
-        </p:txBody>
-      </p:sp>
       <p:pic>
         <p:nvPicPr>
           <p:cNvPr id="4" name="Picture 3"/>
@@ -9851,20 +8747,20 @@
           <p:nvPr/>
         </p:nvPicPr>
         <p:blipFill rotWithShape="1">
-          <a:blip r:embed="rId2">
+          <a:blip r:embed="rId4">
             <a:extLst>
               <a:ext uri="{28A0092B-C50C-407E-A947-70E740481C1C}">
                 <a14:useLocalDpi xmlns:a14="http://schemas.microsoft.com/office/drawing/2010/main" val="0"/>
               </a:ext>
             </a:extLst>
           </a:blip>
-          <a:srcRect l="26319" t="1143" r="26779" b="2095"/>
+          <a:srcRect l="70754" t="67619" r="3367" b="10158"/>
           <a:stretch/>
         </p:blipFill>
         <p:spPr>
           <a:xfrm>
-            <a:off x="7376159" y="1692789"/>
-            <a:ext cx="2525487" cy="4716720"/>
+            <a:off x="5976664" y="2689570"/>
+            <a:ext cx="3879512" cy="2688771"/>
           </a:xfrm>
           <a:prstGeom prst="rect">
             <a:avLst/>
@@ -9876,7 +8772,7 @@
           </a:solidFill>
           <a:ln w="76200" cap="sq">
             <a:solidFill>
-              <a:schemeClr val="tx1"/>
+              <a:srgbClr val="FFFFFF"/>
             </a:solidFill>
             <a:miter lim="800000"/>
           </a:ln>
@@ -9904,7 +8800,7 @@
     </p:spTree>
     <p:extLst>
       <p:ext uri="{BB962C8B-B14F-4D97-AF65-F5344CB8AC3E}">
-        <p14:creationId xmlns:p14="http://schemas.microsoft.com/office/powerpoint/2010/main" val="1109641339"/>
+        <p14:creationId xmlns:p14="http://schemas.microsoft.com/office/powerpoint/2010/main" val="2475696838"/>
       </p:ext>
     </p:extLst>
   </p:cSld>
@@ -10006,6 +8902,49 @@
                                           </p:stCondLst>
                                         </p:cTn>
                                         <p:tgtEl>
+                                          <p:spTgt spid="3">
+                                            <p:txEl>
+                                              <p:pRg st="1" end="1"/>
+                                            </p:txEl>
+                                          </p:spTgt>
+                                        </p:tgtEl>
+                                        <p:attrNameLst>
+                                          <p:attrName>style.visibility</p:attrName>
+                                        </p:attrNameLst>
+                                      </p:cBhvr>
+                                      <p:to>
+                                        <p:strVal val="visible"/>
+                                      </p:to>
+                                    </p:set>
+                                    <p:animEffect transition="in" filter="fade">
+                                      <p:cBhvr>
+                                        <p:cTn id="12" dur="1000"/>
+                                        <p:tgtEl>
+                                          <p:spTgt spid="3">
+                                            <p:txEl>
+                                              <p:pRg st="1" end="1"/>
+                                            </p:txEl>
+                                          </p:spTgt>
+                                        </p:tgtEl>
+                                      </p:cBhvr>
+                                    </p:animEffect>
+                                  </p:childTnLst>
+                                </p:cTn>
+                              </p:par>
+                              <p:par>
+                                <p:cTn id="13" presetID="10" presetClass="entr" presetSubtype="0" fill="hold" nodeType="withEffect">
+                                  <p:stCondLst>
+                                    <p:cond delay="0"/>
+                                  </p:stCondLst>
+                                  <p:childTnLst>
+                                    <p:set>
+                                      <p:cBhvr>
+                                        <p:cTn id="14" dur="1" fill="hold">
+                                          <p:stCondLst>
+                                            <p:cond delay="0"/>
+                                          </p:stCondLst>
+                                        </p:cTn>
+                                        <p:tgtEl>
                                           <p:spTgt spid="4"/>
                                         </p:tgtEl>
                                         <p:attrNameLst>
@@ -10018,7 +8957,7 @@
                                     </p:set>
                                     <p:animEffect transition="in" filter="fade">
                                       <p:cBhvr>
-                                        <p:cTn id="12" dur="1000"/>
+                                        <p:cTn id="15" dur="1000"/>
                                         <p:tgtEl>
                                           <p:spTgt spid="4"/>
                                         </p:tgtEl>
@@ -10034,26 +8973,1823 @@
                     </p:cTn>
                   </p:par>
                   <p:par>
-                    <p:cTn id="13" fill="hold">
+                    <p:cTn id="16" fill="hold">
                       <p:stCondLst>
                         <p:cond delay="indefinite"/>
                       </p:stCondLst>
                       <p:childTnLst>
                         <p:par>
-                          <p:cTn id="14" fill="hold">
+                          <p:cTn id="17" fill="hold">
                             <p:stCondLst>
                               <p:cond delay="0"/>
                             </p:stCondLst>
                             <p:childTnLst>
                               <p:par>
-                                <p:cTn id="15" presetID="10" presetClass="entr" presetSubtype="0" fill="hold" nodeType="clickEffect">
+                                <p:cTn id="18" presetID="10" presetClass="entr" presetSubtype="0" fill="hold" nodeType="clickEffect">
                                   <p:stCondLst>
                                     <p:cond delay="0"/>
                                   </p:stCondLst>
                                   <p:childTnLst>
                                     <p:set>
                                       <p:cBhvr>
-                                        <p:cTn id="16" dur="1" fill="hold">
+                                        <p:cTn id="19" dur="1" fill="hold">
+                                          <p:stCondLst>
+                                            <p:cond delay="0"/>
+                                          </p:stCondLst>
+                                        </p:cTn>
+                                        <p:tgtEl>
+                                          <p:spTgt spid="3">
+                                            <p:txEl>
+                                              <p:pRg st="2" end="2"/>
+                                            </p:txEl>
+                                          </p:spTgt>
+                                        </p:tgtEl>
+                                        <p:attrNameLst>
+                                          <p:attrName>style.visibility</p:attrName>
+                                        </p:attrNameLst>
+                                      </p:cBhvr>
+                                      <p:to>
+                                        <p:strVal val="visible"/>
+                                      </p:to>
+                                    </p:set>
+                                    <p:animEffect transition="in" filter="fade">
+                                      <p:cBhvr>
+                                        <p:cTn id="20" dur="1000"/>
+                                        <p:tgtEl>
+                                          <p:spTgt spid="3">
+                                            <p:txEl>
+                                              <p:pRg st="2" end="2"/>
+                                            </p:txEl>
+                                          </p:spTgt>
+                                        </p:tgtEl>
+                                      </p:cBhvr>
+                                    </p:animEffect>
+                                  </p:childTnLst>
+                                </p:cTn>
+                              </p:par>
+                              <p:par>
+                                <p:cTn id="21" presetID="10" presetClass="exit" presetSubtype="0" fill="hold" nodeType="withEffect">
+                                  <p:stCondLst>
+                                    <p:cond delay="0"/>
+                                  </p:stCondLst>
+                                  <p:childTnLst>
+                                    <p:animEffect transition="out" filter="fade">
+                                      <p:cBhvr>
+                                        <p:cTn id="22" dur="1000"/>
+                                        <p:tgtEl>
+                                          <p:spTgt spid="4"/>
+                                        </p:tgtEl>
+                                      </p:cBhvr>
+                                    </p:animEffect>
+                                    <p:set>
+                                      <p:cBhvr>
+                                        <p:cTn id="23" dur="1" fill="hold">
+                                          <p:stCondLst>
+                                            <p:cond delay="999"/>
+                                          </p:stCondLst>
+                                        </p:cTn>
+                                        <p:tgtEl>
+                                          <p:spTgt spid="4"/>
+                                        </p:tgtEl>
+                                        <p:attrNameLst>
+                                          <p:attrName>style.visibility</p:attrName>
+                                        </p:attrNameLst>
+                                      </p:cBhvr>
+                                      <p:to>
+                                        <p:strVal val="hidden"/>
+                                      </p:to>
+                                    </p:set>
+                                  </p:childTnLst>
+                                </p:cTn>
+                              </p:par>
+                              <p:par>
+                                <p:cTn id="24" presetID="10" presetClass="entr" presetSubtype="0" fill="hold" nodeType="withEffect">
+                                  <p:stCondLst>
+                                    <p:cond delay="700"/>
+                                  </p:stCondLst>
+                                  <p:childTnLst>
+                                    <p:set>
+                                      <p:cBhvr>
+                                        <p:cTn id="25" dur="1" fill="hold">
+                                          <p:stCondLst>
+                                            <p:cond delay="0"/>
+                                          </p:stCondLst>
+                                        </p:cTn>
+                                        <p:tgtEl>
+                                          <p:spTgt spid="7"/>
+                                        </p:tgtEl>
+                                        <p:attrNameLst>
+                                          <p:attrName>style.visibility</p:attrName>
+                                        </p:attrNameLst>
+                                      </p:cBhvr>
+                                      <p:to>
+                                        <p:strVal val="visible"/>
+                                      </p:to>
+                                    </p:set>
+                                    <p:animEffect transition="in" filter="fade">
+                                      <p:cBhvr>
+                                        <p:cTn id="26" dur="1000"/>
+                                        <p:tgtEl>
+                                          <p:spTgt spid="7"/>
+                                        </p:tgtEl>
+                                      </p:cBhvr>
+                                    </p:animEffect>
+                                  </p:childTnLst>
+                                </p:cTn>
+                              </p:par>
+                              <p:par>
+                                <p:cTn id="27" presetID="10" presetClass="entr" presetSubtype="0" fill="hold" nodeType="withEffect">
+                                  <p:stCondLst>
+                                    <p:cond delay="700"/>
+                                  </p:stCondLst>
+                                  <p:childTnLst>
+                                    <p:set>
+                                      <p:cBhvr>
+                                        <p:cTn id="28" dur="1" fill="hold">
+                                          <p:stCondLst>
+                                            <p:cond delay="0"/>
+                                          </p:stCondLst>
+                                        </p:cTn>
+                                        <p:tgtEl>
+                                          <p:spTgt spid="5"/>
+                                        </p:tgtEl>
+                                        <p:attrNameLst>
+                                          <p:attrName>style.visibility</p:attrName>
+                                        </p:attrNameLst>
+                                      </p:cBhvr>
+                                      <p:to>
+                                        <p:strVal val="visible"/>
+                                      </p:to>
+                                    </p:set>
+                                    <p:animEffect transition="in" filter="fade">
+                                      <p:cBhvr>
+                                        <p:cTn id="29" dur="1000"/>
+                                        <p:tgtEl>
+                                          <p:spTgt spid="5"/>
+                                        </p:tgtEl>
+                                      </p:cBhvr>
+                                    </p:animEffect>
+                                  </p:childTnLst>
+                                </p:cTn>
+                              </p:par>
+                            </p:childTnLst>
+                          </p:cTn>
+                        </p:par>
+                      </p:childTnLst>
+                    </p:cTn>
+                  </p:par>
+                  <p:par>
+                    <p:cTn id="30" fill="hold">
+                      <p:stCondLst>
+                        <p:cond delay="indefinite"/>
+                      </p:stCondLst>
+                      <p:childTnLst>
+                        <p:par>
+                          <p:cTn id="31" fill="hold">
+                            <p:stCondLst>
+                              <p:cond delay="0"/>
+                            </p:stCondLst>
+                            <p:childTnLst>
+                              <p:par>
+                                <p:cTn id="32" presetID="10" presetClass="entr" presetSubtype="0" fill="hold" nodeType="clickEffect">
+                                  <p:stCondLst>
+                                    <p:cond delay="0"/>
+                                  </p:stCondLst>
+                                  <p:childTnLst>
+                                    <p:set>
+                                      <p:cBhvr>
+                                        <p:cTn id="33" dur="1" fill="hold">
+                                          <p:stCondLst>
+                                            <p:cond delay="0"/>
+                                          </p:stCondLst>
+                                        </p:cTn>
+                                        <p:tgtEl>
+                                          <p:spTgt spid="3">
+                                            <p:txEl>
+                                              <p:pRg st="3" end="3"/>
+                                            </p:txEl>
+                                          </p:spTgt>
+                                        </p:tgtEl>
+                                        <p:attrNameLst>
+                                          <p:attrName>style.visibility</p:attrName>
+                                        </p:attrNameLst>
+                                      </p:cBhvr>
+                                      <p:to>
+                                        <p:strVal val="visible"/>
+                                      </p:to>
+                                    </p:set>
+                                    <p:animEffect transition="in" filter="fade">
+                                      <p:cBhvr>
+                                        <p:cTn id="34" dur="1000"/>
+                                        <p:tgtEl>
+                                          <p:spTgt spid="3">
+                                            <p:txEl>
+                                              <p:pRg st="3" end="3"/>
+                                            </p:txEl>
+                                          </p:spTgt>
+                                        </p:tgtEl>
+                                      </p:cBhvr>
+                                    </p:animEffect>
+                                  </p:childTnLst>
+                                </p:cTn>
+                              </p:par>
+                            </p:childTnLst>
+                          </p:cTn>
+                        </p:par>
+                      </p:childTnLst>
+                    </p:cTn>
+                  </p:par>
+                </p:childTnLst>
+              </p:cTn>
+              <p:prevCondLst>
+                <p:cond evt="onPrev" delay="0">
+                  <p:tgtEl>
+                    <p:sldTgt/>
+                  </p:tgtEl>
+                </p:cond>
+              </p:prevCondLst>
+              <p:nextCondLst>
+                <p:cond evt="onNext" delay="0">
+                  <p:tgtEl>
+                    <p:sldTgt/>
+                  </p:tgtEl>
+                </p:cond>
+              </p:nextCondLst>
+            </p:seq>
+          </p:childTnLst>
+        </p:cTn>
+      </p:par>
+    </p:tnLst>
+  </p:timing>
+</p:sld>
+</file>
+
+<file path=ppt/slides/slide15.xml><?xml version="1.0" encoding="utf-8"?>
+<p:sld xmlns:a="http://schemas.openxmlformats.org/drawingml/2006/main" xmlns:r="http://schemas.openxmlformats.org/officeDocument/2006/relationships" xmlns:p="http://schemas.openxmlformats.org/presentationml/2006/main">
+  <p:cSld>
+    <p:spTree>
+      <p:nvGrpSpPr>
+        <p:cNvPr id="1" name=""/>
+        <p:cNvGrpSpPr/>
+        <p:nvPr/>
+      </p:nvGrpSpPr>
+      <p:grpSpPr>
+        <a:xfrm>
+          <a:off x="0" y="0"/>
+          <a:ext cx="0" cy="0"/>
+          <a:chOff x="0" y="0"/>
+          <a:chExt cx="0" cy="0"/>
+        </a:xfrm>
+      </p:grpSpPr>
+      <p:sp>
+        <p:nvSpPr>
+          <p:cNvPr id="2" name="Title 1"/>
+          <p:cNvSpPr>
+            <a:spLocks noGrp="1"/>
+          </p:cNvSpPr>
+          <p:nvPr>
+            <p:ph type="title"/>
+          </p:nvPr>
+        </p:nvSpPr>
+        <p:spPr/>
+        <p:txBody>
+          <a:bodyPr>
+            <a:normAutofit/>
+          </a:bodyPr>
+          <a:lstStyle/>
+          <a:p>
+            <a:r>
+              <a:rPr lang="en-CA" sz="4800" dirty="0"/>
+              <a:t>Cheung2015</a:t>
+            </a:r>
+            <a:r>
+              <a:rPr lang="en-CA" sz="4800" dirty="0" smtClean="0"/>
+              <a:t> – Validation</a:t>
+            </a:r>
+            <a:endParaRPr lang="en-CA" sz="4800" dirty="0">
+              <a:solidFill>
+                <a:schemeClr val="tx1"/>
+              </a:solidFill>
+            </a:endParaRPr>
+          </a:p>
+        </p:txBody>
+      </p:sp>
+      <p:sp>
+        <p:nvSpPr>
+          <p:cNvPr id="3" name="Content Placeholder 2"/>
+          <p:cNvSpPr>
+            <a:spLocks noGrp="1"/>
+          </p:cNvSpPr>
+          <p:nvPr>
+            <p:ph idx="1"/>
+          </p:nvPr>
+        </p:nvSpPr>
+        <p:spPr>
+          <a:xfrm>
+            <a:off x="680322" y="2336873"/>
+            <a:ext cx="4577478" cy="3599316"/>
+          </a:xfrm>
+        </p:spPr>
+        <p:txBody>
+          <a:bodyPr>
+            <a:noAutofit/>
+          </a:bodyPr>
+          <a:lstStyle/>
+          <a:p>
+            <a:pPr>
+              <a:lnSpc>
+                <a:spcPct val="100000"/>
+              </a:lnSpc>
+            </a:pPr>
+            <a:r>
+              <a:rPr lang="en-CA" sz="2800" dirty="0" smtClean="0">
+                <a:solidFill>
+                  <a:schemeClr val="bg1"/>
+                </a:solidFill>
+              </a:rPr>
+              <a:t>Compared their method’s angle to Cobb angle</a:t>
+            </a:r>
+          </a:p>
+          <a:p>
+            <a:pPr>
+              <a:lnSpc>
+                <a:spcPct val="100000"/>
+              </a:lnSpc>
+            </a:pPr>
+            <a:r>
+              <a:rPr lang="en-CA" sz="2800" dirty="0" smtClean="0">
+                <a:solidFill>
+                  <a:schemeClr val="bg1"/>
+                </a:solidFill>
+              </a:rPr>
+              <a:t>Examined intra and </a:t>
+            </a:r>
+            <a:br>
+              <a:rPr lang="en-CA" sz="2800" dirty="0" smtClean="0">
+                <a:solidFill>
+                  <a:schemeClr val="bg1"/>
+                </a:solidFill>
+              </a:rPr>
+            </a:br>
+            <a:r>
+              <a:rPr lang="en-CA" sz="2800" dirty="0" smtClean="0">
+                <a:solidFill>
+                  <a:schemeClr val="bg1"/>
+                </a:solidFill>
+              </a:rPr>
+              <a:t>inter-user variability</a:t>
+            </a:r>
+            <a:endParaRPr lang="en-CA" sz="2800" dirty="0">
+              <a:solidFill>
+                <a:schemeClr val="bg1"/>
+              </a:solidFill>
+            </a:endParaRPr>
+          </a:p>
+        </p:txBody>
+      </p:sp>
+    </p:spTree>
+    <p:extLst>
+      <p:ext uri="{BB962C8B-B14F-4D97-AF65-F5344CB8AC3E}">
+        <p14:creationId xmlns:p14="http://schemas.microsoft.com/office/powerpoint/2010/main" val="4159745248"/>
+      </p:ext>
+    </p:extLst>
+  </p:cSld>
+  <p:clrMapOvr>
+    <a:masterClrMapping/>
+  </p:clrMapOvr>
+  <p:timing>
+    <p:tnLst>
+      <p:par>
+        <p:cTn id="1" dur="indefinite" restart="never" nodeType="tmRoot"/>
+      </p:par>
+    </p:tnLst>
+  </p:timing>
+</p:sld>
+</file>
+
+<file path=ppt/slides/slide16.xml><?xml version="1.0" encoding="utf-8"?>
+<p:sld xmlns:a="http://schemas.openxmlformats.org/drawingml/2006/main" xmlns:r="http://schemas.openxmlformats.org/officeDocument/2006/relationships" xmlns:p="http://schemas.openxmlformats.org/presentationml/2006/main">
+  <p:cSld>
+    <p:spTree>
+      <p:nvGrpSpPr>
+        <p:cNvPr id="1" name=""/>
+        <p:cNvGrpSpPr/>
+        <p:nvPr/>
+      </p:nvGrpSpPr>
+      <p:grpSpPr>
+        <a:xfrm>
+          <a:off x="0" y="0"/>
+          <a:ext cx="0" cy="0"/>
+          <a:chOff x="0" y="0"/>
+          <a:chExt cx="0" cy="0"/>
+        </a:xfrm>
+      </p:grpSpPr>
+      <p:sp>
+        <p:nvSpPr>
+          <p:cNvPr id="2" name="Title 1"/>
+          <p:cNvSpPr>
+            <a:spLocks noGrp="1"/>
+          </p:cNvSpPr>
+          <p:nvPr>
+            <p:ph type="title"/>
+          </p:nvPr>
+        </p:nvSpPr>
+        <p:spPr/>
+        <p:txBody>
+          <a:bodyPr>
+            <a:normAutofit/>
+          </a:bodyPr>
+          <a:lstStyle/>
+          <a:p>
+            <a:r>
+              <a:rPr lang="en-CA" sz="4800" dirty="0"/>
+              <a:t>Cheung2015</a:t>
+            </a:r>
+            <a:r>
+              <a:rPr lang="en-CA" sz="4800" dirty="0" smtClean="0"/>
+              <a:t> – Results</a:t>
+            </a:r>
+            <a:endParaRPr lang="en-CA" sz="4800" dirty="0">
+              <a:solidFill>
+                <a:schemeClr val="tx1"/>
+              </a:solidFill>
+            </a:endParaRPr>
+          </a:p>
+        </p:txBody>
+      </p:sp>
+      <p:sp>
+        <p:nvSpPr>
+          <p:cNvPr id="3" name="Content Placeholder 2"/>
+          <p:cNvSpPr>
+            <a:spLocks noGrp="1"/>
+          </p:cNvSpPr>
+          <p:nvPr>
+            <p:ph idx="1"/>
+          </p:nvPr>
+        </p:nvSpPr>
+        <p:spPr>
+          <a:xfrm>
+            <a:off x="680322" y="2336873"/>
+            <a:ext cx="6776392" cy="3599316"/>
+          </a:xfrm>
+        </p:spPr>
+        <p:txBody>
+          <a:bodyPr>
+            <a:noAutofit/>
+          </a:bodyPr>
+          <a:lstStyle/>
+          <a:p>
+            <a:pPr>
+              <a:lnSpc>
+                <a:spcPct val="100000"/>
+              </a:lnSpc>
+            </a:pPr>
+            <a:r>
+              <a:rPr lang="en-CA" sz="2800" dirty="0" smtClean="0">
+                <a:solidFill>
+                  <a:schemeClr val="bg1"/>
+                </a:solidFill>
+              </a:rPr>
+              <a:t>X-ray Cobb angles </a:t>
+            </a:r>
+            <a:r>
+              <a:rPr lang="en-CA" sz="2800" dirty="0">
+                <a:solidFill>
+                  <a:schemeClr val="bg1"/>
+                </a:solidFill>
+              </a:rPr>
+              <a:t>ranged 1.9° to 29.9°</a:t>
+            </a:r>
+          </a:p>
+          <a:p>
+            <a:pPr>
+              <a:lnSpc>
+                <a:spcPct val="100000"/>
+              </a:lnSpc>
+            </a:pPr>
+            <a:r>
+              <a:rPr lang="en-CA" sz="2800" dirty="0" smtClean="0">
+                <a:solidFill>
+                  <a:schemeClr val="bg1"/>
+                </a:solidFill>
+              </a:rPr>
+              <a:t>TP method ranged 0.48° to 20.7°</a:t>
+            </a:r>
+          </a:p>
+          <a:p>
+            <a:pPr lvl="1">
+              <a:lnSpc>
+                <a:spcPct val="100000"/>
+              </a:lnSpc>
+            </a:pPr>
+            <a:r>
+              <a:rPr lang="en-CA" sz="2800" dirty="0" smtClean="0">
+                <a:solidFill>
+                  <a:schemeClr val="bg1"/>
+                </a:solidFill>
+              </a:rPr>
+              <a:t>R</a:t>
+            </a:r>
+            <a:r>
+              <a:rPr lang="en-CA" sz="2800" baseline="30000" dirty="0" smtClean="0">
+                <a:solidFill>
+                  <a:schemeClr val="bg1"/>
+                </a:solidFill>
+              </a:rPr>
+              <a:t>2</a:t>
+            </a:r>
+            <a:r>
+              <a:rPr lang="en-CA" sz="2800" dirty="0" smtClean="0">
+                <a:solidFill>
+                  <a:schemeClr val="bg1"/>
+                </a:solidFill>
+              </a:rPr>
+              <a:t> = 0.68</a:t>
+            </a:r>
+          </a:p>
+          <a:p>
+            <a:pPr>
+              <a:lnSpc>
+                <a:spcPct val="100000"/>
+              </a:lnSpc>
+            </a:pPr>
+            <a:r>
+              <a:rPr lang="en-CA" sz="2800" dirty="0" smtClean="0">
+                <a:solidFill>
+                  <a:schemeClr val="bg1"/>
+                </a:solidFill>
+              </a:rPr>
+              <a:t>TP + SAP </a:t>
+            </a:r>
+            <a:r>
+              <a:rPr lang="en-CA" sz="2800" dirty="0">
+                <a:solidFill>
+                  <a:schemeClr val="bg1"/>
+                </a:solidFill>
+              </a:rPr>
+              <a:t>method ranged </a:t>
+            </a:r>
+            <a:r>
+              <a:rPr lang="en-CA" sz="2800" dirty="0" smtClean="0">
+                <a:solidFill>
+                  <a:schemeClr val="bg1"/>
+                </a:solidFill>
+              </a:rPr>
+              <a:t>0.8° to 25.9°</a:t>
+            </a:r>
+          </a:p>
+          <a:p>
+            <a:pPr lvl="1">
+              <a:lnSpc>
+                <a:spcPct val="100000"/>
+              </a:lnSpc>
+            </a:pPr>
+            <a:r>
+              <a:rPr lang="en-CA" sz="2800" dirty="0" smtClean="0">
+                <a:solidFill>
+                  <a:schemeClr val="bg1"/>
+                </a:solidFill>
+              </a:rPr>
+              <a:t>R</a:t>
+            </a:r>
+            <a:r>
+              <a:rPr lang="en-CA" sz="2800" baseline="30000" dirty="0" smtClean="0">
+                <a:solidFill>
+                  <a:schemeClr val="bg1"/>
+                </a:solidFill>
+              </a:rPr>
+              <a:t>2</a:t>
+            </a:r>
+            <a:r>
+              <a:rPr lang="en-CA" sz="2800" dirty="0" smtClean="0">
+                <a:solidFill>
+                  <a:schemeClr val="bg1"/>
+                </a:solidFill>
+              </a:rPr>
+              <a:t> = 0.86</a:t>
+            </a:r>
+            <a:endParaRPr lang="en-CA" dirty="0">
+              <a:solidFill>
+                <a:schemeClr val="bg1"/>
+              </a:solidFill>
+            </a:endParaRPr>
+          </a:p>
+        </p:txBody>
+      </p:sp>
+    </p:spTree>
+    <p:extLst>
+      <p:ext uri="{BB962C8B-B14F-4D97-AF65-F5344CB8AC3E}">
+        <p14:creationId xmlns:p14="http://schemas.microsoft.com/office/powerpoint/2010/main" val="1472260332"/>
+      </p:ext>
+    </p:extLst>
+  </p:cSld>
+  <p:clrMapOvr>
+    <a:masterClrMapping/>
+  </p:clrMapOvr>
+  <p:timing>
+    <p:tnLst>
+      <p:par>
+        <p:cTn id="1" dur="indefinite" restart="never" nodeType="tmRoot"/>
+      </p:par>
+    </p:tnLst>
+  </p:timing>
+</p:sld>
+</file>
+
+<file path=ppt/slides/slide17.xml><?xml version="1.0" encoding="utf-8"?>
+<p:sld xmlns:a="http://schemas.openxmlformats.org/drawingml/2006/main" xmlns:r="http://schemas.openxmlformats.org/officeDocument/2006/relationships" xmlns:p="http://schemas.openxmlformats.org/presentationml/2006/main">
+  <p:cSld>
+    <p:spTree>
+      <p:nvGrpSpPr>
+        <p:cNvPr id="1" name=""/>
+        <p:cNvGrpSpPr/>
+        <p:nvPr/>
+      </p:nvGrpSpPr>
+      <p:grpSpPr>
+        <a:xfrm>
+          <a:off x="0" y="0"/>
+          <a:ext cx="0" cy="0"/>
+          <a:chOff x="0" y="0"/>
+          <a:chExt cx="0" cy="0"/>
+        </a:xfrm>
+      </p:grpSpPr>
+      <p:sp>
+        <p:nvSpPr>
+          <p:cNvPr id="2" name="Title 1"/>
+          <p:cNvSpPr>
+            <a:spLocks noGrp="1"/>
+          </p:cNvSpPr>
+          <p:nvPr>
+            <p:ph type="title"/>
+          </p:nvPr>
+        </p:nvSpPr>
+        <p:spPr/>
+        <p:txBody>
+          <a:bodyPr>
+            <a:normAutofit/>
+          </a:bodyPr>
+          <a:lstStyle/>
+          <a:p>
+            <a:r>
+              <a:rPr lang="en-CA" sz="4800" dirty="0"/>
+              <a:t>Cheung2015</a:t>
+            </a:r>
+            <a:r>
+              <a:rPr lang="en-CA" sz="4800" dirty="0" smtClean="0"/>
+              <a:t> – Critique</a:t>
+            </a:r>
+            <a:endParaRPr lang="en-CA" sz="4800" dirty="0">
+              <a:solidFill>
+                <a:schemeClr val="tx1"/>
+              </a:solidFill>
+            </a:endParaRPr>
+          </a:p>
+        </p:txBody>
+      </p:sp>
+      <p:sp>
+        <p:nvSpPr>
+          <p:cNvPr id="3" name="Content Placeholder 2"/>
+          <p:cNvSpPr>
+            <a:spLocks noGrp="1"/>
+          </p:cNvSpPr>
+          <p:nvPr>
+            <p:ph idx="1"/>
+          </p:nvPr>
+        </p:nvSpPr>
+        <p:spPr>
+          <a:xfrm>
+            <a:off x="680322" y="2336873"/>
+            <a:ext cx="6740386" cy="3599316"/>
+          </a:xfrm>
+        </p:spPr>
+        <p:txBody>
+          <a:bodyPr>
+            <a:noAutofit/>
+          </a:bodyPr>
+          <a:lstStyle/>
+          <a:p>
+            <a:pPr>
+              <a:lnSpc>
+                <a:spcPct val="100000"/>
+              </a:lnSpc>
+            </a:pPr>
+            <a:r>
+              <a:rPr lang="en-CA" sz="2800" dirty="0" smtClean="0">
+                <a:solidFill>
+                  <a:schemeClr val="bg1"/>
+                </a:solidFill>
+              </a:rPr>
+              <a:t>Cobb angle range only 1.9° to 29.9</a:t>
+            </a:r>
+            <a:r>
+              <a:rPr lang="en-CA" sz="2800" dirty="0">
+                <a:solidFill>
+                  <a:schemeClr val="bg1"/>
+                </a:solidFill>
+              </a:rPr>
+              <a:t>°</a:t>
+            </a:r>
+            <a:endParaRPr lang="en-CA" sz="2800" dirty="0" smtClean="0">
+              <a:solidFill>
+                <a:schemeClr val="bg1"/>
+              </a:solidFill>
+            </a:endParaRPr>
+          </a:p>
+          <a:p>
+            <a:pPr lvl="1">
+              <a:lnSpc>
+                <a:spcPct val="100000"/>
+              </a:lnSpc>
+            </a:pPr>
+            <a:r>
+              <a:rPr lang="en-CA" sz="2400" dirty="0" smtClean="0">
+                <a:solidFill>
+                  <a:schemeClr val="bg1"/>
+                </a:solidFill>
+              </a:rPr>
+              <a:t>Mild to moderate</a:t>
+            </a:r>
+          </a:p>
+          <a:p>
+            <a:pPr>
+              <a:lnSpc>
+                <a:spcPct val="100000"/>
+              </a:lnSpc>
+            </a:pPr>
+            <a:r>
+              <a:rPr lang="en-CA" sz="2800" dirty="0" smtClean="0">
+                <a:solidFill>
+                  <a:schemeClr val="bg1"/>
+                </a:solidFill>
+              </a:rPr>
+              <a:t>Unable to locate some landmarks</a:t>
+            </a:r>
+          </a:p>
+          <a:p>
+            <a:pPr lvl="1">
+              <a:lnSpc>
+                <a:spcPct val="100000"/>
+              </a:lnSpc>
+            </a:pPr>
+            <a:r>
+              <a:rPr lang="en-CA" sz="2400" dirty="0" smtClean="0">
+                <a:solidFill>
+                  <a:schemeClr val="bg1"/>
+                </a:solidFill>
+              </a:rPr>
+              <a:t>Used alternative landmarks</a:t>
+            </a:r>
+          </a:p>
+          <a:p>
+            <a:pPr lvl="1">
+              <a:lnSpc>
+                <a:spcPct val="100000"/>
+              </a:lnSpc>
+            </a:pPr>
+            <a:r>
+              <a:rPr lang="en-CA" sz="2400" dirty="0" smtClean="0">
+                <a:solidFill>
+                  <a:schemeClr val="bg1"/>
+                </a:solidFill>
+              </a:rPr>
+              <a:t>Discarded data</a:t>
+            </a:r>
+          </a:p>
+          <a:p>
+            <a:pPr>
+              <a:lnSpc>
+                <a:spcPct val="100000"/>
+              </a:lnSpc>
+            </a:pPr>
+            <a:r>
+              <a:rPr lang="en-CA" sz="2800" dirty="0" smtClean="0">
+                <a:solidFill>
+                  <a:schemeClr val="bg1"/>
+                </a:solidFill>
+              </a:rPr>
+              <a:t>Method for dealing with imperfect data required</a:t>
+            </a:r>
+            <a:endParaRPr lang="en-CA" sz="2800" dirty="0">
+              <a:solidFill>
+                <a:schemeClr val="bg1"/>
+              </a:solidFill>
+            </a:endParaRPr>
+          </a:p>
+        </p:txBody>
+      </p:sp>
+    </p:spTree>
+    <p:extLst>
+      <p:ext uri="{BB962C8B-B14F-4D97-AF65-F5344CB8AC3E}">
+        <p14:creationId xmlns:p14="http://schemas.microsoft.com/office/powerpoint/2010/main" val="4121089201"/>
+      </p:ext>
+    </p:extLst>
+  </p:cSld>
+  <p:clrMapOvr>
+    <a:masterClrMapping/>
+  </p:clrMapOvr>
+  <p:timing>
+    <p:tnLst>
+      <p:par>
+        <p:cTn id="1" dur="indefinite" restart="never" nodeType="tmRoot"/>
+      </p:par>
+    </p:tnLst>
+  </p:timing>
+</p:sld>
+</file>
+
+<file path=ppt/slides/slide18.xml><?xml version="1.0" encoding="utf-8"?>
+<p:sld xmlns:a="http://schemas.openxmlformats.org/drawingml/2006/main" xmlns:r="http://schemas.openxmlformats.org/officeDocument/2006/relationships" xmlns:p="http://schemas.openxmlformats.org/presentationml/2006/main">
+  <p:cSld>
+    <p:spTree>
+      <p:nvGrpSpPr>
+        <p:cNvPr id="1" name=""/>
+        <p:cNvGrpSpPr/>
+        <p:nvPr/>
+      </p:nvGrpSpPr>
+      <p:grpSpPr>
+        <a:xfrm>
+          <a:off x="0" y="0"/>
+          <a:ext cx="0" cy="0"/>
+          <a:chOff x="0" y="0"/>
+          <a:chExt cx="0" cy="0"/>
+        </a:xfrm>
+      </p:grpSpPr>
+      <p:sp>
+        <p:nvSpPr>
+          <p:cNvPr id="2" name="Title 1"/>
+          <p:cNvSpPr>
+            <a:spLocks noGrp="1"/>
+          </p:cNvSpPr>
+          <p:nvPr>
+            <p:ph type="title"/>
+          </p:nvPr>
+        </p:nvSpPr>
+        <p:spPr/>
+        <p:txBody>
+          <a:bodyPr>
+            <a:normAutofit/>
+          </a:bodyPr>
+          <a:lstStyle/>
+          <a:p>
+            <a:r>
+              <a:rPr lang="en-CA" sz="4800" dirty="0" smtClean="0"/>
+              <a:t>Thank you!</a:t>
+            </a:r>
+            <a:endParaRPr lang="en-CA" sz="4800" dirty="0">
+              <a:solidFill>
+                <a:schemeClr val="tx1"/>
+              </a:solidFill>
+            </a:endParaRPr>
+          </a:p>
+        </p:txBody>
+      </p:sp>
+      <p:sp>
+        <p:nvSpPr>
+          <p:cNvPr id="3" name="Content Placeholder 2"/>
+          <p:cNvSpPr>
+            <a:spLocks noGrp="1"/>
+          </p:cNvSpPr>
+          <p:nvPr>
+            <p:ph idx="1"/>
+          </p:nvPr>
+        </p:nvSpPr>
+        <p:spPr>
+          <a:xfrm>
+            <a:off x="3790933" y="3414558"/>
+            <a:ext cx="4610135" cy="1386041"/>
+          </a:xfrm>
+        </p:spPr>
+        <p:txBody>
+          <a:bodyPr>
+            <a:noAutofit/>
+          </a:bodyPr>
+          <a:lstStyle/>
+          <a:p>
+            <a:pPr marL="0" indent="0" algn="ctr">
+              <a:lnSpc>
+                <a:spcPct val="100000"/>
+              </a:lnSpc>
+              <a:buNone/>
+            </a:pPr>
+            <a:r>
+              <a:rPr lang="en-CA" sz="7200" dirty="0" smtClean="0">
+                <a:solidFill>
+                  <a:schemeClr val="bg1"/>
+                </a:solidFill>
+              </a:rPr>
+              <a:t>Questions?</a:t>
+            </a:r>
+            <a:endParaRPr lang="en-CA" sz="7200" dirty="0">
+              <a:solidFill>
+                <a:schemeClr val="bg1"/>
+              </a:solidFill>
+            </a:endParaRPr>
+          </a:p>
+        </p:txBody>
+      </p:sp>
+    </p:spTree>
+    <p:extLst>
+      <p:ext uri="{BB962C8B-B14F-4D97-AF65-F5344CB8AC3E}">
+        <p14:creationId xmlns:p14="http://schemas.microsoft.com/office/powerpoint/2010/main" val="3047827233"/>
+      </p:ext>
+    </p:extLst>
+  </p:cSld>
+  <p:clrMapOvr>
+    <a:masterClrMapping/>
+  </p:clrMapOvr>
+  <p:timing>
+    <p:tnLst>
+      <p:par>
+        <p:cTn id="1" dur="indefinite" restart="never" nodeType="tmRoot"/>
+      </p:par>
+    </p:tnLst>
+  </p:timing>
+</p:sld>
+</file>
+
+<file path=ppt/slides/slide19.xml><?xml version="1.0" encoding="utf-8"?>
+<p:sld xmlns:a="http://schemas.openxmlformats.org/drawingml/2006/main" xmlns:r="http://schemas.openxmlformats.org/officeDocument/2006/relationships" xmlns:p="http://schemas.openxmlformats.org/presentationml/2006/main">
+  <p:cSld>
+    <p:spTree>
+      <p:nvGrpSpPr>
+        <p:cNvPr id="1" name=""/>
+        <p:cNvGrpSpPr/>
+        <p:nvPr/>
+      </p:nvGrpSpPr>
+      <p:grpSpPr>
+        <a:xfrm>
+          <a:off x="0" y="0"/>
+          <a:ext cx="0" cy="0"/>
+          <a:chOff x="0" y="0"/>
+          <a:chExt cx="0" cy="0"/>
+        </a:xfrm>
+      </p:grpSpPr>
+      <p:sp>
+        <p:nvSpPr>
+          <p:cNvPr id="2" name="Title 1"/>
+          <p:cNvSpPr>
+            <a:spLocks noGrp="1"/>
+          </p:cNvSpPr>
+          <p:nvPr>
+            <p:ph type="title"/>
+          </p:nvPr>
+        </p:nvSpPr>
+        <p:spPr/>
+        <p:txBody>
+          <a:bodyPr>
+            <a:normAutofit/>
+          </a:bodyPr>
+          <a:lstStyle/>
+          <a:p>
+            <a:r>
+              <a:rPr lang="en-US" sz="4800" dirty="0" smtClean="0"/>
+              <a:t>References</a:t>
+            </a:r>
+            <a:endParaRPr lang="en-US" sz="4800" dirty="0"/>
+          </a:p>
+        </p:txBody>
+      </p:sp>
+      <p:sp>
+        <p:nvSpPr>
+          <p:cNvPr id="3" name="Content Placeholder 2"/>
+          <p:cNvSpPr>
+            <a:spLocks noGrp="1"/>
+          </p:cNvSpPr>
+          <p:nvPr>
+            <p:ph idx="1"/>
+          </p:nvPr>
+        </p:nvSpPr>
+        <p:spPr>
+          <a:xfrm>
+            <a:off x="680321" y="2151816"/>
+            <a:ext cx="9613861" cy="4423156"/>
+          </a:xfrm>
+        </p:spPr>
+        <p:txBody>
+          <a:bodyPr>
+            <a:normAutofit/>
+          </a:bodyPr>
+          <a:lstStyle/>
+          <a:p>
+            <a:pPr marL="0" indent="0">
+              <a:spcAft>
+                <a:spcPts val="600"/>
+              </a:spcAft>
+              <a:buNone/>
+            </a:pPr>
+            <a:r>
+              <a:rPr lang="en-CA" b="1" dirty="0">
+                <a:solidFill>
+                  <a:schemeClr val="bg1"/>
+                </a:solidFill>
+              </a:rPr>
+              <a:t>[Ungi2014]	</a:t>
+            </a:r>
+            <a:br>
+              <a:rPr lang="en-CA" b="1" dirty="0">
+                <a:solidFill>
+                  <a:schemeClr val="bg1"/>
+                </a:solidFill>
+              </a:rPr>
+            </a:br>
+            <a:r>
+              <a:rPr lang="en-CA" b="1" dirty="0" smtClean="0">
+                <a:solidFill>
+                  <a:schemeClr val="bg1"/>
+                </a:solidFill>
+              </a:rPr>
+              <a:t>	T. </a:t>
+            </a:r>
+            <a:r>
+              <a:rPr lang="en-CA" b="1" dirty="0" err="1" smtClean="0">
+                <a:solidFill>
+                  <a:schemeClr val="bg1"/>
+                </a:solidFill>
+              </a:rPr>
+              <a:t>Ungi</a:t>
+            </a:r>
+            <a:r>
+              <a:rPr lang="en-CA" b="1" dirty="0" smtClean="0">
+                <a:solidFill>
+                  <a:schemeClr val="bg1"/>
+                </a:solidFill>
+              </a:rPr>
+              <a:t>, F. King, M. </a:t>
+            </a:r>
+            <a:r>
+              <a:rPr lang="en-CA" b="1" dirty="0" err="1" smtClean="0">
+                <a:solidFill>
+                  <a:schemeClr val="bg1"/>
+                </a:solidFill>
+              </a:rPr>
+              <a:t>Kempston</a:t>
+            </a:r>
+            <a:r>
+              <a:rPr lang="en-CA" b="1" dirty="0" smtClean="0">
+                <a:solidFill>
+                  <a:schemeClr val="bg1"/>
+                </a:solidFill>
+              </a:rPr>
+              <a:t>, Z. Keri, A. Lasso, </a:t>
+            </a:r>
+            <a:br>
+              <a:rPr lang="en-CA" b="1" dirty="0" smtClean="0">
+                <a:solidFill>
+                  <a:schemeClr val="bg1"/>
+                </a:solidFill>
+              </a:rPr>
+            </a:br>
+            <a:r>
+              <a:rPr lang="en-CA" b="1" dirty="0" smtClean="0">
+                <a:solidFill>
+                  <a:schemeClr val="bg1"/>
+                </a:solidFill>
+              </a:rPr>
+              <a:t>	P. Mousavi, J. </a:t>
+            </a:r>
+            <a:r>
+              <a:rPr lang="en-CA" b="1" dirty="0" err="1" smtClean="0">
+                <a:solidFill>
+                  <a:schemeClr val="bg1"/>
+                </a:solidFill>
+              </a:rPr>
+              <a:t>Rudan</a:t>
+            </a:r>
+            <a:r>
+              <a:rPr lang="en-CA" b="1" dirty="0" smtClean="0">
+                <a:solidFill>
+                  <a:schemeClr val="bg1"/>
+                </a:solidFill>
+              </a:rPr>
+              <a:t>, D. P. </a:t>
+            </a:r>
+            <a:r>
+              <a:rPr lang="en-CA" b="1" dirty="0" err="1" smtClean="0">
+                <a:solidFill>
+                  <a:schemeClr val="bg1"/>
+                </a:solidFill>
+              </a:rPr>
+              <a:t>Borschneck</a:t>
+            </a:r>
+            <a:r>
+              <a:rPr lang="en-CA" b="1" dirty="0" smtClean="0">
+                <a:solidFill>
+                  <a:schemeClr val="bg1"/>
+                </a:solidFill>
+              </a:rPr>
+              <a:t>, and </a:t>
+            </a:r>
+            <a:br>
+              <a:rPr lang="en-CA" b="1" dirty="0" smtClean="0">
+                <a:solidFill>
+                  <a:schemeClr val="bg1"/>
+                </a:solidFill>
+              </a:rPr>
+            </a:br>
+            <a:r>
+              <a:rPr lang="en-CA" b="1" dirty="0" smtClean="0">
+                <a:solidFill>
+                  <a:schemeClr val="bg1"/>
+                </a:solidFill>
+              </a:rPr>
+              <a:t>	G. Fichtinger, “Spinal Curvature Measurement by 			Tracked Ultrasound Snapshots”, Ultrasound in 			Medicine and Biology 2014; 40(2):447-454.</a:t>
+            </a:r>
+          </a:p>
+          <a:p>
+            <a:pPr marL="0" indent="0">
+              <a:spcAft>
+                <a:spcPts val="600"/>
+              </a:spcAft>
+              <a:buNone/>
+            </a:pPr>
+            <a:r>
+              <a:rPr lang="en-US" b="1" dirty="0">
+                <a:solidFill>
+                  <a:schemeClr val="bg1"/>
+                </a:solidFill>
+              </a:rPr>
+              <a:t>[</a:t>
+            </a:r>
+            <a:r>
+              <a:rPr lang="en-US" b="1" dirty="0" smtClean="0">
+                <a:solidFill>
+                  <a:schemeClr val="bg1"/>
+                </a:solidFill>
+              </a:rPr>
+              <a:t>Cheung2015]</a:t>
+            </a:r>
+            <a:r>
+              <a:rPr lang="en-US" b="1" dirty="0">
+                <a:solidFill>
+                  <a:schemeClr val="bg1"/>
+                </a:solidFill>
+              </a:rPr>
+              <a:t/>
+            </a:r>
+            <a:br>
+              <a:rPr lang="en-US" b="1" dirty="0">
+                <a:solidFill>
+                  <a:schemeClr val="bg1"/>
+                </a:solidFill>
+              </a:rPr>
+            </a:br>
+            <a:r>
+              <a:rPr lang="en-US" b="1" dirty="0" smtClean="0">
+                <a:solidFill>
+                  <a:schemeClr val="bg1"/>
+                </a:solidFill>
+              </a:rPr>
+              <a:t>	C</a:t>
+            </a:r>
+            <a:r>
+              <a:rPr lang="en-US" b="1" dirty="0">
+                <a:solidFill>
+                  <a:schemeClr val="bg1"/>
+                </a:solidFill>
+              </a:rPr>
+              <a:t>.-W. J. Cheung, G.-Q. Zhou, S.-Y. Law, K.-L. </a:t>
+            </a:r>
+            <a:r>
+              <a:rPr lang="en-US" b="1" dirty="0" smtClean="0">
+                <a:solidFill>
+                  <a:schemeClr val="bg1"/>
+                </a:solidFill>
+              </a:rPr>
+              <a:t>			Lai</a:t>
+            </a:r>
+            <a:r>
+              <a:rPr lang="en-US" b="1" dirty="0">
+                <a:solidFill>
+                  <a:schemeClr val="bg1"/>
+                </a:solidFill>
+              </a:rPr>
+              <a:t>, W.-W. Jiang, </a:t>
+            </a:r>
+            <a:r>
+              <a:rPr lang="en-US" b="1" dirty="0" smtClean="0">
+                <a:solidFill>
+                  <a:schemeClr val="bg1"/>
+                </a:solidFill>
+              </a:rPr>
+              <a:t>and </a:t>
+            </a:r>
+            <a:r>
+              <a:rPr lang="en-US" b="1" dirty="0">
+                <a:solidFill>
+                  <a:schemeClr val="bg1"/>
+                </a:solidFill>
+              </a:rPr>
+              <a:t>Y.-P. Zheng</a:t>
+            </a:r>
+            <a:r>
+              <a:rPr lang="en-US" b="1" dirty="0" smtClean="0">
+                <a:solidFill>
+                  <a:schemeClr val="bg1"/>
+                </a:solidFill>
+              </a:rPr>
+              <a:t>, “</a:t>
+            </a:r>
+            <a:r>
+              <a:rPr lang="en-US" b="1" dirty="0">
+                <a:solidFill>
+                  <a:schemeClr val="bg1"/>
+                </a:solidFill>
+              </a:rPr>
+              <a:t>Freehand </a:t>
+            </a:r>
+            <a:r>
+              <a:rPr lang="en-US" b="1" dirty="0" smtClean="0">
+                <a:solidFill>
+                  <a:schemeClr val="bg1"/>
+                </a:solidFill>
+              </a:rPr>
+              <a:t/>
+            </a:r>
+            <a:br>
+              <a:rPr lang="en-US" b="1" dirty="0" smtClean="0">
+                <a:solidFill>
+                  <a:schemeClr val="bg1"/>
+                </a:solidFill>
+              </a:rPr>
+            </a:br>
+            <a:r>
+              <a:rPr lang="en-US" b="1" dirty="0" smtClean="0">
+                <a:solidFill>
+                  <a:schemeClr val="bg1"/>
+                </a:solidFill>
+              </a:rPr>
+              <a:t>	three-	dimensional </a:t>
+            </a:r>
+            <a:r>
+              <a:rPr lang="en-US" b="1" dirty="0">
+                <a:solidFill>
+                  <a:schemeClr val="bg1"/>
+                </a:solidFill>
+              </a:rPr>
+              <a:t>ultrasound </a:t>
+            </a:r>
+            <a:r>
+              <a:rPr lang="en-US" b="1" dirty="0" smtClean="0">
+                <a:solidFill>
+                  <a:schemeClr val="bg1"/>
+                </a:solidFill>
+              </a:rPr>
+              <a:t>system </a:t>
+            </a:r>
+            <a:r>
+              <a:rPr lang="en-US" b="1" dirty="0">
+                <a:solidFill>
+                  <a:schemeClr val="bg1"/>
+                </a:solidFill>
+              </a:rPr>
+              <a:t>for assessment </a:t>
+            </a:r>
+            <a:r>
+              <a:rPr lang="en-US" b="1" dirty="0" smtClean="0">
+                <a:solidFill>
+                  <a:schemeClr val="bg1"/>
+                </a:solidFill>
+              </a:rPr>
+              <a:t>		of scoliosis”, Journal </a:t>
+            </a:r>
+            <a:r>
+              <a:rPr lang="en-US" b="1" dirty="0">
+                <a:solidFill>
+                  <a:schemeClr val="bg1"/>
+                </a:solidFill>
+              </a:rPr>
+              <a:t>of </a:t>
+            </a:r>
+            <a:r>
+              <a:rPr lang="en-US" b="1" dirty="0" err="1">
+                <a:solidFill>
+                  <a:schemeClr val="bg1"/>
+                </a:solidFill>
+              </a:rPr>
+              <a:t>Orthopaedic</a:t>
+            </a:r>
+            <a:r>
+              <a:rPr lang="en-US" b="1" dirty="0">
+                <a:solidFill>
+                  <a:schemeClr val="bg1"/>
+                </a:solidFill>
+              </a:rPr>
+              <a:t> </a:t>
+            </a:r>
+            <a:r>
+              <a:rPr lang="en-US" b="1" dirty="0" smtClean="0">
+                <a:solidFill>
+                  <a:schemeClr val="bg1"/>
+                </a:solidFill>
+              </a:rPr>
+              <a:t>Translation 			2015</a:t>
+            </a:r>
+            <a:r>
+              <a:rPr lang="en-US" b="1" dirty="0">
+                <a:solidFill>
+                  <a:schemeClr val="bg1"/>
+                </a:solidFill>
+              </a:rPr>
+              <a:t>; 3:123-133.</a:t>
+            </a:r>
+          </a:p>
+        </p:txBody>
+      </p:sp>
+    </p:spTree>
+    <p:extLst>
+      <p:ext uri="{BB962C8B-B14F-4D97-AF65-F5344CB8AC3E}">
+        <p14:creationId xmlns:p14="http://schemas.microsoft.com/office/powerpoint/2010/main" val="4290387086"/>
+      </p:ext>
+    </p:extLst>
+  </p:cSld>
+  <p:clrMapOvr>
+    <a:masterClrMapping/>
+  </p:clrMapOvr>
+  <p:timing>
+    <p:tnLst>
+      <p:par>
+        <p:cTn id="1" dur="indefinite" restart="never" nodeType="tmRoot"/>
+      </p:par>
+    </p:tnLst>
+  </p:timing>
+</p:sld>
+</file>
+
+<file path=ppt/slides/slide2.xml><?xml version="1.0" encoding="utf-8"?>
+<p:sld xmlns:a="http://schemas.openxmlformats.org/drawingml/2006/main" xmlns:r="http://schemas.openxmlformats.org/officeDocument/2006/relationships" xmlns:p="http://schemas.openxmlformats.org/presentationml/2006/main">
+  <p:cSld>
+    <p:spTree>
+      <p:nvGrpSpPr>
+        <p:cNvPr id="1" name=""/>
+        <p:cNvGrpSpPr/>
+        <p:nvPr/>
+      </p:nvGrpSpPr>
+      <p:grpSpPr>
+        <a:xfrm>
+          <a:off x="0" y="0"/>
+          <a:ext cx="0" cy="0"/>
+          <a:chOff x="0" y="0"/>
+          <a:chExt cx="0" cy="0"/>
+        </a:xfrm>
+      </p:grpSpPr>
+      <p:sp>
+        <p:nvSpPr>
+          <p:cNvPr id="2" name="Title 1"/>
+          <p:cNvSpPr>
+            <a:spLocks noGrp="1"/>
+          </p:cNvSpPr>
+          <p:nvPr>
+            <p:ph type="title"/>
+          </p:nvPr>
+        </p:nvSpPr>
+        <p:spPr/>
+        <p:txBody>
+          <a:bodyPr/>
+          <a:lstStyle/>
+          <a:p>
+            <a:r>
+              <a:rPr lang="en-CA" sz="4800" dirty="0" smtClean="0">
+                <a:solidFill>
+                  <a:schemeClr val="tx1"/>
+                </a:solidFill>
+              </a:rPr>
+              <a:t>Contents</a:t>
+            </a:r>
+            <a:endParaRPr lang="en-CA" sz="4000" dirty="0">
+              <a:solidFill>
+                <a:schemeClr val="tx1"/>
+              </a:solidFill>
+            </a:endParaRPr>
+          </a:p>
+        </p:txBody>
+      </p:sp>
+      <p:sp>
+        <p:nvSpPr>
+          <p:cNvPr id="3" name="Content Placeholder 2"/>
+          <p:cNvSpPr>
+            <a:spLocks noGrp="1"/>
+          </p:cNvSpPr>
+          <p:nvPr>
+            <p:ph idx="1"/>
+          </p:nvPr>
+        </p:nvSpPr>
+        <p:spPr/>
+        <p:txBody>
+          <a:bodyPr>
+            <a:normAutofit/>
+          </a:bodyPr>
+          <a:lstStyle/>
+          <a:p>
+            <a:r>
+              <a:rPr lang="en-CA" sz="3200" dirty="0" smtClean="0">
+                <a:solidFill>
+                  <a:schemeClr val="bg1"/>
+                </a:solidFill>
+              </a:rPr>
+              <a:t>Background</a:t>
+            </a:r>
+          </a:p>
+          <a:p>
+            <a:pPr lvl="1"/>
+            <a:r>
+              <a:rPr lang="en-CA" sz="2800" dirty="0" smtClean="0">
+                <a:solidFill>
+                  <a:schemeClr val="bg1"/>
+                </a:solidFill>
+              </a:rPr>
+              <a:t>Scoliosis</a:t>
+            </a:r>
+          </a:p>
+          <a:p>
+            <a:pPr lvl="1"/>
+            <a:r>
+              <a:rPr lang="en-CA" sz="2800" dirty="0" smtClean="0">
+                <a:solidFill>
+                  <a:schemeClr val="bg1"/>
+                </a:solidFill>
+              </a:rPr>
+              <a:t>Assessment</a:t>
+            </a:r>
+          </a:p>
+          <a:p>
+            <a:pPr lvl="1"/>
+            <a:r>
+              <a:rPr lang="en-CA" sz="2800" dirty="0" smtClean="0">
+                <a:solidFill>
+                  <a:schemeClr val="bg1"/>
+                </a:solidFill>
+              </a:rPr>
+              <a:t>3D ultrasound</a:t>
+            </a:r>
+          </a:p>
+          <a:p>
+            <a:r>
+              <a:rPr lang="en-CA" sz="3200" dirty="0" smtClean="0">
+                <a:solidFill>
+                  <a:schemeClr val="bg1"/>
+                </a:solidFill>
+              </a:rPr>
+              <a:t>Ungi2014</a:t>
+            </a:r>
+          </a:p>
+          <a:p>
+            <a:r>
+              <a:rPr lang="en-CA" sz="3200" dirty="0" smtClean="0">
+                <a:solidFill>
+                  <a:schemeClr val="bg1"/>
+                </a:solidFill>
+              </a:rPr>
+              <a:t>Cheung2015</a:t>
+            </a:r>
+            <a:endParaRPr lang="en-CA" sz="3200" dirty="0">
+              <a:solidFill>
+                <a:schemeClr val="bg1"/>
+              </a:solidFill>
+            </a:endParaRPr>
+          </a:p>
+        </p:txBody>
+      </p:sp>
+    </p:spTree>
+    <p:extLst>
+      <p:ext uri="{BB962C8B-B14F-4D97-AF65-F5344CB8AC3E}">
+        <p14:creationId xmlns:p14="http://schemas.microsoft.com/office/powerpoint/2010/main" val="3879631970"/>
+      </p:ext>
+    </p:extLst>
+  </p:cSld>
+  <p:clrMapOvr>
+    <a:masterClrMapping/>
+  </p:clrMapOvr>
+  <p:timing>
+    <p:tnLst>
+      <p:par>
+        <p:cTn id="1" dur="indefinite" restart="never" nodeType="tmRoot"/>
+      </p:par>
+    </p:tnLst>
+  </p:timing>
+</p:sld>
+</file>
+
+<file path=ppt/slides/slide3.xml><?xml version="1.0" encoding="utf-8"?>
+<p:sld xmlns:a="http://schemas.openxmlformats.org/drawingml/2006/main" xmlns:r="http://schemas.openxmlformats.org/officeDocument/2006/relationships" xmlns:p="http://schemas.openxmlformats.org/presentationml/2006/main">
+  <p:cSld>
+    <p:spTree>
+      <p:nvGrpSpPr>
+        <p:cNvPr id="1" name=""/>
+        <p:cNvGrpSpPr/>
+        <p:nvPr/>
+      </p:nvGrpSpPr>
+      <p:grpSpPr>
+        <a:xfrm>
+          <a:off x="0" y="0"/>
+          <a:ext cx="0" cy="0"/>
+          <a:chOff x="0" y="0"/>
+          <a:chExt cx="0" cy="0"/>
+        </a:xfrm>
+      </p:grpSpPr>
+      <p:sp>
+        <p:nvSpPr>
+          <p:cNvPr id="2" name="Title 1"/>
+          <p:cNvSpPr>
+            <a:spLocks noGrp="1"/>
+          </p:cNvSpPr>
+          <p:nvPr>
+            <p:ph type="title"/>
+          </p:nvPr>
+        </p:nvSpPr>
+        <p:spPr/>
+        <p:txBody>
+          <a:bodyPr>
+            <a:normAutofit/>
+          </a:bodyPr>
+          <a:lstStyle/>
+          <a:p>
+            <a:r>
+              <a:rPr lang="en-CA" sz="4800" dirty="0" smtClean="0"/>
+              <a:t>Background - Scoliosis</a:t>
+            </a:r>
+            <a:endParaRPr lang="en-CA" sz="4800" dirty="0"/>
+          </a:p>
+        </p:txBody>
+      </p:sp>
+      <p:sp>
+        <p:nvSpPr>
+          <p:cNvPr id="3" name="Content Placeholder 2"/>
+          <p:cNvSpPr>
+            <a:spLocks noGrp="1"/>
+          </p:cNvSpPr>
+          <p:nvPr>
+            <p:ph idx="1"/>
+          </p:nvPr>
+        </p:nvSpPr>
+        <p:spPr>
+          <a:xfrm>
+            <a:off x="680321" y="2336873"/>
+            <a:ext cx="4832205" cy="3599316"/>
+          </a:xfrm>
+        </p:spPr>
+        <p:txBody>
+          <a:bodyPr>
+            <a:normAutofit/>
+          </a:bodyPr>
+          <a:lstStyle/>
+          <a:p>
+            <a:pPr>
+              <a:lnSpc>
+                <a:spcPct val="100000"/>
+              </a:lnSpc>
+            </a:pPr>
+            <a:r>
+              <a:rPr lang="en-CA" sz="2800" dirty="0" smtClean="0">
+                <a:solidFill>
+                  <a:schemeClr val="bg1">
+                    <a:lumMod val="95000"/>
+                    <a:lumOff val="5000"/>
+                  </a:schemeClr>
+                </a:solidFill>
+              </a:rPr>
+              <a:t>Pathological spinal curvature</a:t>
+            </a:r>
+          </a:p>
+          <a:p>
+            <a:pPr>
+              <a:lnSpc>
+                <a:spcPct val="100000"/>
+              </a:lnSpc>
+            </a:pPr>
+            <a:r>
+              <a:rPr lang="en-CA" sz="2800" dirty="0" smtClean="0">
+                <a:solidFill>
+                  <a:schemeClr val="bg1">
+                    <a:lumMod val="95000"/>
+                    <a:lumOff val="5000"/>
+                  </a:schemeClr>
+                </a:solidFill>
+              </a:rPr>
+              <a:t>Develops during growth</a:t>
+            </a:r>
+          </a:p>
+          <a:p>
+            <a:pPr>
+              <a:lnSpc>
+                <a:spcPct val="100000"/>
+              </a:lnSpc>
+            </a:pPr>
+            <a:r>
+              <a:rPr lang="en-CA" sz="2800" dirty="0" smtClean="0">
+                <a:solidFill>
+                  <a:schemeClr val="bg1">
+                    <a:lumMod val="95000"/>
+                    <a:lumOff val="5000"/>
+                  </a:schemeClr>
+                </a:solidFill>
+              </a:rPr>
+              <a:t>Must be monitored</a:t>
+            </a:r>
+            <a:endParaRPr lang="en-CA" sz="2800" dirty="0">
+              <a:solidFill>
+                <a:schemeClr val="bg1">
+                  <a:lumMod val="95000"/>
+                  <a:lumOff val="5000"/>
+                </a:schemeClr>
+              </a:solidFill>
+            </a:endParaRPr>
+          </a:p>
+        </p:txBody>
+      </p:sp>
+      <p:pic>
+        <p:nvPicPr>
+          <p:cNvPr id="4" name="Picture 3"/>
+          <p:cNvPicPr>
+            <a:picLocks noChangeAspect="1"/>
+          </p:cNvPicPr>
+          <p:nvPr/>
+        </p:nvPicPr>
+        <p:blipFill rotWithShape="1">
+          <a:blip r:embed="rId2">
+            <a:extLst>
+              <a:ext uri="{28A0092B-C50C-407E-A947-70E740481C1C}">
+                <a14:useLocalDpi xmlns:a14="http://schemas.microsoft.com/office/drawing/2010/main" val="0"/>
+              </a:ext>
+            </a:extLst>
+          </a:blip>
+          <a:srcRect l="26319" t="1143" r="26779" b="2095"/>
+          <a:stretch/>
+        </p:blipFill>
+        <p:spPr>
+          <a:xfrm>
+            <a:off x="7376159" y="1692789"/>
+            <a:ext cx="2525487" cy="4716720"/>
+          </a:xfrm>
+          <a:prstGeom prst="rect">
+            <a:avLst/>
+          </a:prstGeom>
+          <a:solidFill>
+            <a:srgbClr val="FFFFFF">
+              <a:shade val="85000"/>
+            </a:srgbClr>
+          </a:solidFill>
+          <a:ln w="76200" cap="sq">
+            <a:solidFill>
+              <a:schemeClr val="tx1"/>
+            </a:solidFill>
+            <a:miter lim="800000"/>
+          </a:ln>
+          <a:effectLst>
+            <a:outerShdw blurRad="55000" dist="18000" dir="5400000" algn="tl" rotWithShape="0">
+              <a:srgbClr val="000000">
+                <a:alpha val="40000"/>
+              </a:srgbClr>
+            </a:outerShdw>
+          </a:effectLst>
+          <a:scene3d>
+            <a:camera prst="orthographicFront"/>
+            <a:lightRig rig="twoPt" dir="t">
+              <a:rot lat="0" lon="0" rev="7200000"/>
+            </a:lightRig>
+          </a:scene3d>
+          <a:sp3d>
+            <a:bevelT w="25400" h="19050"/>
+            <a:contourClr>
+              <a:srgbClr val="FFFFFF"/>
+            </a:contourClr>
+          </a:sp3d>
+        </p:spPr>
+      </p:pic>
+    </p:spTree>
+    <p:extLst>
+      <p:ext uri="{BB962C8B-B14F-4D97-AF65-F5344CB8AC3E}">
+        <p14:creationId xmlns:p14="http://schemas.microsoft.com/office/powerpoint/2010/main" val="1109641339"/>
+      </p:ext>
+    </p:extLst>
+  </p:cSld>
+  <p:clrMapOvr>
+    <a:masterClrMapping/>
+  </p:clrMapOvr>
+  <p:timing>
+    <p:tnLst>
+      <p:par>
+        <p:cTn id="1" dur="indefinite" restart="never" nodeType="tmRoot">
+          <p:childTnLst>
+            <p:seq concurrent="1" nextAc="seek">
+              <p:cTn id="2" dur="indefinite" nodeType="mainSeq">
+                <p:childTnLst>
+                  <p:par>
+                    <p:cTn id="3" fill="hold">
+                      <p:stCondLst>
+                        <p:cond delay="indefinite"/>
+                      </p:stCondLst>
+                      <p:childTnLst>
+                        <p:par>
+                          <p:cTn id="4" fill="hold">
+                            <p:stCondLst>
+                              <p:cond delay="0"/>
+                            </p:stCondLst>
+                            <p:childTnLst>
+                              <p:par>
+                                <p:cTn id="5" presetID="10" presetClass="entr" presetSubtype="0" fill="hold" nodeType="clickEffect">
+                                  <p:stCondLst>
+                                    <p:cond delay="0"/>
+                                  </p:stCondLst>
+                                  <p:childTnLst>
+                                    <p:set>
+                                      <p:cBhvr>
+                                        <p:cTn id="6" dur="1" fill="hold">
+                                          <p:stCondLst>
+                                            <p:cond delay="0"/>
+                                          </p:stCondLst>
+                                        </p:cTn>
+                                        <p:tgtEl>
+                                          <p:spTgt spid="3">
+                                            <p:txEl>
+                                              <p:pRg st="0" end="0"/>
+                                            </p:txEl>
+                                          </p:spTgt>
+                                        </p:tgtEl>
+                                        <p:attrNameLst>
+                                          <p:attrName>style.visibility</p:attrName>
+                                        </p:attrNameLst>
+                                      </p:cBhvr>
+                                      <p:to>
+                                        <p:strVal val="visible"/>
+                                      </p:to>
+                                    </p:set>
+                                    <p:animEffect transition="in" filter="fade">
+                                      <p:cBhvr>
+                                        <p:cTn id="7" dur="1000"/>
+                                        <p:tgtEl>
+                                          <p:spTgt spid="3">
+                                            <p:txEl>
+                                              <p:pRg st="0" end="0"/>
+                                            </p:txEl>
+                                          </p:spTgt>
+                                        </p:tgtEl>
+                                      </p:cBhvr>
+                                    </p:animEffect>
+                                  </p:childTnLst>
+                                </p:cTn>
+                              </p:par>
+                              <p:par>
+                                <p:cTn id="8" presetID="10" presetClass="entr" presetSubtype="0" fill="hold" nodeType="withEffect">
+                                  <p:stCondLst>
+                                    <p:cond delay="0"/>
+                                  </p:stCondLst>
+                                  <p:childTnLst>
+                                    <p:set>
+                                      <p:cBhvr>
+                                        <p:cTn id="9" dur="1" fill="hold">
+                                          <p:stCondLst>
+                                            <p:cond delay="0"/>
+                                          </p:stCondLst>
+                                        </p:cTn>
+                                        <p:tgtEl>
+                                          <p:spTgt spid="4"/>
+                                        </p:tgtEl>
+                                        <p:attrNameLst>
+                                          <p:attrName>style.visibility</p:attrName>
+                                        </p:attrNameLst>
+                                      </p:cBhvr>
+                                      <p:to>
+                                        <p:strVal val="visible"/>
+                                      </p:to>
+                                    </p:set>
+                                    <p:animEffect transition="in" filter="fade">
+                                      <p:cBhvr>
+                                        <p:cTn id="10" dur="1000"/>
+                                        <p:tgtEl>
+                                          <p:spTgt spid="4"/>
+                                        </p:tgtEl>
+                                      </p:cBhvr>
+                                    </p:animEffect>
+                                  </p:childTnLst>
+                                </p:cTn>
+                              </p:par>
+                            </p:childTnLst>
+                          </p:cTn>
+                        </p:par>
+                      </p:childTnLst>
+                    </p:cTn>
+                  </p:par>
+                  <p:par>
+                    <p:cTn id="11" fill="hold">
+                      <p:stCondLst>
+                        <p:cond delay="indefinite"/>
+                      </p:stCondLst>
+                      <p:childTnLst>
+                        <p:par>
+                          <p:cTn id="12" fill="hold">
+                            <p:stCondLst>
+                              <p:cond delay="0"/>
+                            </p:stCondLst>
+                            <p:childTnLst>
+                              <p:par>
+                                <p:cTn id="13" presetID="10" presetClass="entr" presetSubtype="0" fill="hold" nodeType="clickEffect">
+                                  <p:stCondLst>
+                                    <p:cond delay="0"/>
+                                  </p:stCondLst>
+                                  <p:childTnLst>
+                                    <p:set>
+                                      <p:cBhvr>
+                                        <p:cTn id="14" dur="1" fill="hold">
                                           <p:stCondLst>
                                             <p:cond delay="0"/>
                                           </p:stCondLst>
@@ -10075,7 +10811,7 @@
                                     </p:set>
                                     <p:animEffect transition="in" filter="fade">
                                       <p:cBhvr>
-                                        <p:cTn id="17" dur="1000"/>
+                                        <p:cTn id="15" dur="1000"/>
                                         <p:tgtEl>
                                           <p:spTgt spid="3">
                                             <p:txEl>
@@ -10095,26 +10831,26 @@
                     </p:cTn>
                   </p:par>
                   <p:par>
-                    <p:cTn id="18" fill="hold">
+                    <p:cTn id="16" fill="hold">
                       <p:stCondLst>
                         <p:cond delay="indefinite"/>
                       </p:stCondLst>
                       <p:childTnLst>
                         <p:par>
-                          <p:cTn id="19" fill="hold">
+                          <p:cTn id="17" fill="hold">
                             <p:stCondLst>
                               <p:cond delay="0"/>
                             </p:stCondLst>
                             <p:childTnLst>
                               <p:par>
-                                <p:cTn id="20" presetID="10" presetClass="entr" presetSubtype="0" fill="hold" nodeType="clickEffect">
+                                <p:cTn id="18" presetID="10" presetClass="entr" presetSubtype="0" fill="hold" nodeType="clickEffect">
                                   <p:stCondLst>
                                     <p:cond delay="0"/>
                                   </p:stCondLst>
                                   <p:childTnLst>
                                     <p:set>
                                       <p:cBhvr>
-                                        <p:cTn id="21" dur="1" fill="hold">
+                                        <p:cTn id="19" dur="1" fill="hold">
                                           <p:stCondLst>
                                             <p:cond delay="0"/>
                                           </p:stCondLst>
@@ -10136,7 +10872,7 @@
                                     </p:set>
                                     <p:animEffect transition="in" filter="fade">
                                       <p:cBhvr>
-                                        <p:cTn id="22" dur="1000"/>
+                                        <p:cTn id="20" dur="1000"/>
                                         <p:tgtEl>
                                           <p:spTgt spid="3">
                                             <p:txEl>
@@ -10616,33 +11352,15 @@
                                   </p:childTnLst>
                                 </p:cTn>
                               </p:par>
-                            </p:childTnLst>
-                          </p:cTn>
-                        </p:par>
-                      </p:childTnLst>
-                    </p:cTn>
-                  </p:par>
-                  <p:par>
-                    <p:cTn id="8" fill="hold">
-                      <p:stCondLst>
-                        <p:cond delay="indefinite"/>
-                      </p:stCondLst>
-                      <p:childTnLst>
-                        <p:par>
-                          <p:cTn id="9" fill="hold">
-                            <p:stCondLst>
-                              <p:cond delay="0"/>
-                            </p:stCondLst>
-                            <p:childTnLst>
                               <p:par>
-                                <p:cTn id="10" presetID="10" presetClass="entr" presetSubtype="0" fill="hold" nodeType="clickEffect">
+                                <p:cTn id="8" presetID="10" presetClass="entr" presetSubtype="0" fill="hold" nodeType="withEffect">
                                   <p:stCondLst>
                                     <p:cond delay="0"/>
                                   </p:stCondLst>
                                   <p:childTnLst>
                                     <p:set>
                                       <p:cBhvr>
-                                        <p:cTn id="11" dur="1" fill="hold">
+                                        <p:cTn id="9" dur="1" fill="hold">
                                           <p:stCondLst>
                                             <p:cond delay="0"/>
                                           </p:stCondLst>
@@ -10660,7 +11378,7 @@
                                     </p:set>
                                     <p:animEffect transition="in" filter="fade">
                                       <p:cBhvr>
-                                        <p:cTn id="12" dur="1000"/>
+                                        <p:cTn id="10" dur="1000"/>
                                         <p:tgtEl>
                                           <p:spTgt spid="6"/>
                                         </p:tgtEl>
@@ -10676,26 +11394,26 @@
                     </p:cTn>
                   </p:par>
                   <p:par>
-                    <p:cTn id="13" fill="hold">
+                    <p:cTn id="11" fill="hold">
                       <p:stCondLst>
                         <p:cond delay="indefinite"/>
                       </p:stCondLst>
                       <p:childTnLst>
                         <p:par>
-                          <p:cTn id="14" fill="hold">
+                          <p:cTn id="12" fill="hold">
                             <p:stCondLst>
                               <p:cond delay="0"/>
                             </p:stCondLst>
                             <p:childTnLst>
                               <p:par>
-                                <p:cTn id="15" presetID="10" presetClass="entr" presetSubtype="0" fill="hold" nodeType="clickEffect">
+                                <p:cTn id="13" presetID="10" presetClass="entr" presetSubtype="0" fill="hold" nodeType="clickEffect">
                                   <p:stCondLst>
                                     <p:cond delay="0"/>
                                   </p:stCondLst>
                                   <p:childTnLst>
                                     <p:set>
                                       <p:cBhvr>
-                                        <p:cTn id="16" dur="1" fill="hold">
+                                        <p:cTn id="14" dur="1" fill="hold">
                                           <p:stCondLst>
                                             <p:cond delay="0"/>
                                           </p:stCondLst>
@@ -10717,7 +11435,7 @@
                                     </p:set>
                                     <p:animEffect transition="in" filter="fade">
                                       <p:cBhvr>
-                                        <p:cTn id="17" dur="1000"/>
+                                        <p:cTn id="15" dur="1000"/>
                                         <p:tgtEl>
                                           <p:spTgt spid="3">
                                             <p:txEl>
@@ -10730,33 +11448,15 @@
                                   </p:childTnLst>
                                 </p:cTn>
                               </p:par>
-                            </p:childTnLst>
-                          </p:cTn>
-                        </p:par>
-                      </p:childTnLst>
-                    </p:cTn>
-                  </p:par>
-                  <p:par>
-                    <p:cTn id="18" fill="hold">
-                      <p:stCondLst>
-                        <p:cond delay="indefinite"/>
-                      </p:stCondLst>
-                      <p:childTnLst>
-                        <p:par>
-                          <p:cTn id="19" fill="hold">
-                            <p:stCondLst>
-                              <p:cond delay="0"/>
-                            </p:stCondLst>
-                            <p:childTnLst>
                               <p:par>
-                                <p:cTn id="20" presetID="22" presetClass="entr" presetSubtype="2" fill="hold" nodeType="clickEffect">
+                                <p:cTn id="16" presetID="22" presetClass="entr" presetSubtype="2" fill="hold" nodeType="withEffect">
                                   <p:stCondLst>
                                     <p:cond delay="0"/>
                                   </p:stCondLst>
                                   <p:childTnLst>
                                     <p:set>
                                       <p:cBhvr>
-                                        <p:cTn id="21" dur="1" fill="hold">
+                                        <p:cTn id="17" dur="1" fill="hold">
                                           <p:stCondLst>
                                             <p:cond delay="0"/>
                                           </p:stCondLst>
@@ -10774,7 +11474,7 @@
                                     </p:set>
                                     <p:animEffect transition="in" filter="wipe(right)">
                                       <p:cBhvr>
-                                        <p:cTn id="22" dur="1000"/>
+                                        <p:cTn id="18" dur="1000"/>
                                         <p:tgtEl>
                                           <p:spTgt spid="8"/>
                                         </p:tgtEl>
@@ -10784,14 +11484,14 @@
                                 </p:cTn>
                               </p:par>
                               <p:par>
-                                <p:cTn id="23" presetID="22" presetClass="entr" presetSubtype="2" fill="hold" nodeType="withEffect">
+                                <p:cTn id="19" presetID="22" presetClass="entr" presetSubtype="2" fill="hold" nodeType="withEffect">
                                   <p:stCondLst>
                                     <p:cond delay="500"/>
                                   </p:stCondLst>
                                   <p:childTnLst>
                                     <p:set>
                                       <p:cBhvr>
-                                        <p:cTn id="24" dur="1" fill="hold">
+                                        <p:cTn id="20" dur="1" fill="hold">
                                           <p:stCondLst>
                                             <p:cond delay="0"/>
                                           </p:stCondLst>
@@ -10809,7 +11509,7 @@
                                     </p:set>
                                     <p:animEffect transition="in" filter="wipe(right)">
                                       <p:cBhvr>
-                                        <p:cTn id="25" dur="1000"/>
+                                        <p:cTn id="21" dur="1000"/>
                                         <p:tgtEl>
                                           <p:spTgt spid="10"/>
                                         </p:tgtEl>
@@ -10819,14 +11519,14 @@
                                 </p:cTn>
                               </p:par>
                               <p:par>
-                                <p:cTn id="26" presetID="22" presetClass="entr" presetSubtype="4" fill="hold" grpId="0" nodeType="withEffect">
+                                <p:cTn id="22" presetID="22" presetClass="entr" presetSubtype="4" fill="hold" grpId="0" nodeType="withEffect">
                                   <p:stCondLst>
                                     <p:cond delay="1000"/>
                                   </p:stCondLst>
                                   <p:childTnLst>
                                     <p:set>
                                       <p:cBhvr>
-                                        <p:cTn id="27" dur="1" fill="hold">
+                                        <p:cTn id="23" dur="1" fill="hold">
                                           <p:stCondLst>
                                             <p:cond delay="0"/>
                                           </p:stCondLst>
@@ -10844,7 +11544,7 @@
                                     </p:set>
                                     <p:animEffect transition="in" filter="wipe(down)">
                                       <p:cBhvr>
-                                        <p:cTn id="28" dur="1000"/>
+                                        <p:cTn id="24" dur="1000"/>
                                         <p:tgtEl>
                                           <p:spTgt spid="11"/>
                                         </p:tgtEl>
@@ -11060,7 +11760,7 @@
       </p:sp>
       <p:pic>
         <p:nvPicPr>
-          <p:cNvPr id="4" name="Picture 3"/>
+          <p:cNvPr id="4" name="Picture 3" hidden="1"/>
           <p:cNvPicPr>
             <a:picLocks noChangeAspect="1"/>
           </p:cNvPicPr>
@@ -11119,7 +11819,7 @@
       </p:pic>
       <p:pic>
         <p:nvPicPr>
-          <p:cNvPr id="5" name="Picture 4"/>
+          <p:cNvPr id="5" name="Picture 4" hidden="1"/>
           <p:cNvPicPr>
             <a:picLocks noChangeAspect="1"/>
           </p:cNvPicPr>
@@ -11179,7 +11879,7 @@
       </p:pic>
       <p:pic>
         <p:nvPicPr>
-          <p:cNvPr id="7" name="Picture 6"/>
+          <p:cNvPr id="7" name="Picture 6" hidden="1"/>
           <p:cNvPicPr>
             <a:picLocks noChangeAspect="1"/>
           </p:cNvPicPr>
@@ -11844,6 +12544,13 @@
   <p:clrMapOvr>
     <a:masterClrMapping/>
   </p:clrMapOvr>
+  <p:timing>
+    <p:tnLst>
+      <p:par>
+        <p:cTn id="1" dur="indefinite" restart="never" nodeType="tmRoot"/>
+      </p:par>
+    </p:tnLst>
+  </p:timing>
 </p:sld>
 </file>
 
@@ -12121,44 +12828,6 @@
           </a:p>
         </p:txBody>
       </p:sp>
-      <p:sp>
-        <p:nvSpPr>
-          <p:cNvPr id="4" name="TextBox 3"/>
-          <p:cNvSpPr txBox="1"/>
-          <p:nvPr/>
-        </p:nvSpPr>
-        <p:spPr>
-          <a:xfrm>
-            <a:off x="5961185" y="3147646"/>
-            <a:ext cx="1960684" cy="923330"/>
-          </a:xfrm>
-          <a:prstGeom prst="rect">
-            <a:avLst/>
-          </a:prstGeom>
-          <a:noFill/>
-        </p:spPr>
-        <p:txBody>
-          <a:bodyPr wrap="square" rtlCol="0">
-            <a:spAutoFit/>
-          </a:bodyPr>
-          <a:lstStyle/>
-          <a:p>
-            <a:r>
-              <a:rPr lang="en-US" dirty="0" smtClean="0">
-                <a:solidFill>
-                  <a:schemeClr val="bg1"/>
-                </a:solidFill>
-              </a:rPr>
-              <a:t>Warp model to snapshots image for illustration?</a:t>
-            </a:r>
-            <a:endParaRPr lang="en-US" dirty="0">
-              <a:solidFill>
-                <a:schemeClr val="bg1"/>
-              </a:solidFill>
-            </a:endParaRPr>
-          </a:p>
-        </p:txBody>
-      </p:sp>
       <p:pic>
         <p:nvPicPr>
           <p:cNvPr id="6" name="Picture 5"/>
@@ -12180,7 +12849,7 @@
         </p:blipFill>
         <p:spPr>
           <a:xfrm>
-            <a:off x="4721471" y="2802342"/>
+            <a:off x="4812916" y="2429397"/>
             <a:ext cx="3569675" cy="3105710"/>
           </a:xfrm>
           <a:prstGeom prst="rect">
@@ -12218,6 +12887,301 @@
           </a:sp3d>
         </p:spPr>
       </p:pic>
+      <p:pic>
+        <p:nvPicPr>
+          <p:cNvPr id="7" name="Picture 6"/>
+          <p:cNvPicPr>
+            <a:picLocks noChangeAspect="1"/>
+          </p:cNvPicPr>
+          <p:nvPr/>
+        </p:nvPicPr>
+        <p:blipFill rotWithShape="1">
+          <a:blip r:embed="rId3">
+            <a:extLst>
+              <a:ext uri="{28A0092B-C50C-407E-A947-70E740481C1C}">
+                <a14:useLocalDpi xmlns:a14="http://schemas.microsoft.com/office/drawing/2010/main" val="0"/>
+              </a:ext>
+            </a:extLst>
+          </a:blip>
+          <a:srcRect l="27948" t="1252" r="28927" b="2370"/>
+          <a:stretch/>
+        </p:blipFill>
+        <p:spPr>
+          <a:xfrm>
+            <a:off x="8675159" y="1588871"/>
+            <a:ext cx="2536372" cy="4691743"/>
+          </a:xfrm>
+          <a:prstGeom prst="rect">
+            <a:avLst/>
+          </a:prstGeom>
+          <a:solidFill>
+            <a:srgbClr val="FFFFFF">
+              <a:shade val="85000"/>
+            </a:srgbClr>
+          </a:solidFill>
+          <a:ln w="76200" cap="sq">
+            <a:solidFill>
+              <a:srgbClr val="FFFFFF"/>
+            </a:solidFill>
+            <a:miter lim="800000"/>
+          </a:ln>
+          <a:effectLst>
+            <a:outerShdw blurRad="55000" dist="18000" dir="5400000" algn="tl" rotWithShape="0">
+              <a:srgbClr val="000000">
+                <a:alpha val="40000"/>
+              </a:srgbClr>
+            </a:outerShdw>
+          </a:effectLst>
+          <a:scene3d>
+            <a:camera prst="orthographicFront"/>
+            <a:lightRig rig="twoPt" dir="t">
+              <a:rot lat="0" lon="0" rev="7200000"/>
+            </a:lightRig>
+          </a:scene3d>
+          <a:sp3d>
+            <a:bevelT w="25400" h="19050"/>
+            <a:contourClr>
+              <a:srgbClr val="FFFFFF"/>
+            </a:contourClr>
+          </a:sp3d>
+        </p:spPr>
+      </p:pic>
+      <p:cxnSp>
+        <p:nvCxnSpPr>
+          <p:cNvPr id="8" name="Straight Connector 7"/>
+          <p:cNvCxnSpPr/>
+          <p:nvPr/>
+        </p:nvCxnSpPr>
+        <p:spPr>
+          <a:xfrm flipH="1">
+            <a:off x="9731074" y="2503271"/>
+            <a:ext cx="664028" cy="195943"/>
+          </a:xfrm>
+          <a:prstGeom prst="line">
+            <a:avLst/>
+          </a:prstGeom>
+          <a:ln w="38100">
+            <a:solidFill>
+              <a:srgbClr val="FFFF00"/>
+            </a:solidFill>
+          </a:ln>
+        </p:spPr>
+        <p:style>
+          <a:lnRef idx="1">
+            <a:schemeClr val="accent1"/>
+          </a:lnRef>
+          <a:fillRef idx="0">
+            <a:schemeClr val="accent1"/>
+          </a:fillRef>
+          <a:effectRef idx="0">
+            <a:schemeClr val="accent1"/>
+          </a:effectRef>
+          <a:fontRef idx="minor">
+            <a:schemeClr val="tx1"/>
+          </a:fontRef>
+        </p:style>
+      </p:cxnSp>
+      <p:cxnSp>
+        <p:nvCxnSpPr>
+          <p:cNvPr id="9" name="Straight Connector 8"/>
+          <p:cNvCxnSpPr/>
+          <p:nvPr/>
+        </p:nvCxnSpPr>
+        <p:spPr>
+          <a:xfrm flipH="1" flipV="1">
+            <a:off x="9709302" y="4234100"/>
+            <a:ext cx="511629" cy="163286"/>
+          </a:xfrm>
+          <a:prstGeom prst="line">
+            <a:avLst/>
+          </a:prstGeom>
+          <a:ln w="38100">
+            <a:solidFill>
+              <a:srgbClr val="FFFF00"/>
+            </a:solidFill>
+          </a:ln>
+        </p:spPr>
+        <p:style>
+          <a:lnRef idx="1">
+            <a:schemeClr val="accent1"/>
+          </a:lnRef>
+          <a:fillRef idx="0">
+            <a:schemeClr val="accent1"/>
+          </a:fillRef>
+          <a:effectRef idx="0">
+            <a:schemeClr val="accent1"/>
+          </a:effectRef>
+          <a:fontRef idx="minor">
+            <a:schemeClr val="tx1"/>
+          </a:fontRef>
+        </p:style>
+      </p:cxnSp>
+      <p:sp>
+        <p:nvSpPr>
+          <p:cNvPr id="10" name="Arc 9"/>
+          <p:cNvSpPr/>
+          <p:nvPr/>
+        </p:nvSpPr>
+        <p:spPr>
+          <a:xfrm rot="1849176">
+            <a:off x="7568614" y="2154940"/>
+            <a:ext cx="2572308" cy="3015630"/>
+          </a:xfrm>
+          <a:prstGeom prst="arc">
+            <a:avLst>
+              <a:gd name="adj1" fmla="val 17125809"/>
+              <a:gd name="adj2" fmla="val 21517440"/>
+            </a:avLst>
+          </a:prstGeom>
+          <a:ln w="38100">
+            <a:solidFill>
+              <a:srgbClr val="FFFF00"/>
+            </a:solidFill>
+            <a:headEnd type="triangle" w="med" len="med"/>
+            <a:tailEnd type="none" w="med" len="med"/>
+          </a:ln>
+        </p:spPr>
+        <p:style>
+          <a:lnRef idx="1">
+            <a:schemeClr val="accent1"/>
+          </a:lnRef>
+          <a:fillRef idx="0">
+            <a:schemeClr val="accent1"/>
+          </a:fillRef>
+          <a:effectRef idx="0">
+            <a:schemeClr val="accent1"/>
+          </a:effectRef>
+          <a:fontRef idx="minor">
+            <a:schemeClr val="tx1"/>
+          </a:fontRef>
+        </p:style>
+        <p:txBody>
+          <a:bodyPr rtlCol="0" anchor="ctr"/>
+          <a:lstStyle/>
+          <a:p>
+            <a:pPr algn="ctr"/>
+            <a:endParaRPr lang="en-CA"/>
+          </a:p>
+        </p:txBody>
+      </p:sp>
+      <p:pic>
+        <p:nvPicPr>
+          <p:cNvPr id="5" name="Picture 4"/>
+          <p:cNvPicPr>
+            <a:picLocks noChangeAspect="1"/>
+          </p:cNvPicPr>
+          <p:nvPr/>
+        </p:nvPicPr>
+        <p:blipFill rotWithShape="1">
+          <a:blip r:embed="rId4" cstate="print">
+            <a:extLst>
+              <a:ext uri="{28A0092B-C50C-407E-A947-70E740481C1C}">
+                <a14:useLocalDpi xmlns:a14="http://schemas.microsoft.com/office/drawing/2010/main" val="0"/>
+              </a:ext>
+            </a:extLst>
+          </a:blip>
+          <a:srcRect l="72621" t="57366" r="3148"/>
+          <a:stretch/>
+        </p:blipFill>
+        <p:spPr>
+          <a:xfrm>
+            <a:off x="5539955" y="2532882"/>
+            <a:ext cx="2041286" cy="2898739"/>
+          </a:xfrm>
+          <a:prstGeom prst="rect">
+            <a:avLst/>
+          </a:prstGeom>
+          <a:solidFill>
+            <a:srgbClr val="FFFFFF">
+              <a:shade val="85000"/>
+            </a:srgbClr>
+          </a:solidFill>
+          <a:ln w="76200" cap="sq">
+            <a:solidFill>
+              <a:srgbClr val="FFFFFF"/>
+            </a:solidFill>
+            <a:miter lim="800000"/>
+          </a:ln>
+          <a:effectLst>
+            <a:outerShdw blurRad="55000" dist="18000" dir="5400000" algn="tl" rotWithShape="0">
+              <a:srgbClr val="000000">
+                <a:alpha val="40000"/>
+              </a:srgbClr>
+            </a:outerShdw>
+          </a:effectLst>
+          <a:scene3d>
+            <a:camera prst="orthographicFront"/>
+            <a:lightRig rig="twoPt" dir="t">
+              <a:rot lat="0" lon="0" rev="7200000"/>
+            </a:lightRig>
+          </a:scene3d>
+          <a:sp3d>
+            <a:bevelT w="25400" h="19050"/>
+            <a:contourClr>
+              <a:srgbClr val="FFFFFF"/>
+            </a:contourClr>
+          </a:sp3d>
+        </p:spPr>
+      </p:pic>
+      <p:pic>
+        <p:nvPicPr>
+          <p:cNvPr id="14" name="Picture 13"/>
+          <p:cNvPicPr>
+            <a:picLocks noChangeAspect="1"/>
+          </p:cNvPicPr>
+          <p:nvPr/>
+        </p:nvPicPr>
+        <p:blipFill rotWithShape="1">
+          <a:blip r:embed="rId5">
+            <a:extLst>
+              <a:ext uri="{28A0092B-C50C-407E-A947-70E740481C1C}">
+                <a14:useLocalDpi xmlns:a14="http://schemas.microsoft.com/office/drawing/2010/main" val="0"/>
+              </a:ext>
+            </a:extLst>
+          </a:blip>
+          <a:srcRect b="3331"/>
+          <a:stretch/>
+        </p:blipFill>
+        <p:spPr>
+          <a:xfrm>
+            <a:off x="8627220" y="1540430"/>
+            <a:ext cx="2687933" cy="4788623"/>
+          </a:xfrm>
+          <a:prstGeom prst="rect">
+            <a:avLst/>
+          </a:prstGeom>
+          <a:solidFill>
+            <a:srgbClr val="FFFFFF">
+              <a:shade val="85000"/>
+            </a:srgbClr>
+          </a:solidFill>
+          <a:ln w="76200" cap="sq">
+            <a:solidFill>
+              <a:srgbClr val="FFFFFF"/>
+            </a:solidFill>
+            <a:miter lim="800000"/>
+          </a:ln>
+          <a:effectLst>
+            <a:outerShdw blurRad="55000" dist="18000" dir="5400000" algn="tl" rotWithShape="0">
+              <a:srgbClr val="000000">
+                <a:alpha val="40000"/>
+              </a:srgbClr>
+            </a:outerShdw>
+          </a:effectLst>
+          <a:scene3d>
+            <a:camera prst="orthographicFront"/>
+            <a:lightRig rig="twoPt" dir="t">
+              <a:rot lat="0" lon="0" rev="7200000"/>
+            </a:lightRig>
+          </a:scene3d>
+          <a:sp3d>
+            <a:bevelT w="25400" h="19050"/>
+            <a:contourClr>
+              <a:srgbClr val="FFFFFF"/>
+            </a:contourClr>
+          </a:sp3d>
+        </p:spPr>
+      </p:pic>
     </p:spTree>
     <p:extLst>
       <p:ext uri="{BB962C8B-B14F-4D97-AF65-F5344CB8AC3E}">
@@ -12231,9 +13195,551 @@
   <p:timing>
     <p:tnLst>
       <p:par>
-        <p:cTn id="1" dur="indefinite" restart="never" nodeType="tmRoot"/>
+        <p:cTn id="1" dur="indefinite" restart="never" nodeType="tmRoot">
+          <p:childTnLst>
+            <p:seq concurrent="1" nextAc="seek">
+              <p:cTn id="2" dur="indefinite" nodeType="mainSeq">
+                <p:childTnLst>
+                  <p:par>
+                    <p:cTn id="3" fill="hold">
+                      <p:stCondLst>
+                        <p:cond delay="indefinite"/>
+                      </p:stCondLst>
+                      <p:childTnLst>
+                        <p:par>
+                          <p:cTn id="4" fill="hold">
+                            <p:stCondLst>
+                              <p:cond delay="0"/>
+                            </p:stCondLst>
+                            <p:childTnLst>
+                              <p:par>
+                                <p:cTn id="5" presetID="10" presetClass="entr" presetSubtype="0" fill="hold" nodeType="clickEffect">
+                                  <p:stCondLst>
+                                    <p:cond delay="0"/>
+                                  </p:stCondLst>
+                                  <p:childTnLst>
+                                    <p:set>
+                                      <p:cBhvr>
+                                        <p:cTn id="6" dur="1" fill="hold">
+                                          <p:stCondLst>
+                                            <p:cond delay="0"/>
+                                          </p:stCondLst>
+                                        </p:cTn>
+                                        <p:tgtEl>
+                                          <p:spTgt spid="3">
+                                            <p:txEl>
+                                              <p:pRg st="0" end="0"/>
+                                            </p:txEl>
+                                          </p:spTgt>
+                                        </p:tgtEl>
+                                        <p:attrNameLst>
+                                          <p:attrName>style.visibility</p:attrName>
+                                        </p:attrNameLst>
+                                      </p:cBhvr>
+                                      <p:to>
+                                        <p:strVal val="visible"/>
+                                      </p:to>
+                                    </p:set>
+                                    <p:animEffect transition="in" filter="fade">
+                                      <p:cBhvr>
+                                        <p:cTn id="7" dur="1000"/>
+                                        <p:tgtEl>
+                                          <p:spTgt spid="3">
+                                            <p:txEl>
+                                              <p:pRg st="0" end="0"/>
+                                            </p:txEl>
+                                          </p:spTgt>
+                                        </p:tgtEl>
+                                      </p:cBhvr>
+                                    </p:animEffect>
+                                  </p:childTnLst>
+                                </p:cTn>
+                              </p:par>
+                              <p:par>
+                                <p:cTn id="8" presetID="10" presetClass="entr" presetSubtype="0" fill="hold" nodeType="withEffect">
+                                  <p:stCondLst>
+                                    <p:cond delay="0"/>
+                                  </p:stCondLst>
+                                  <p:childTnLst>
+                                    <p:set>
+                                      <p:cBhvr>
+                                        <p:cTn id="9" dur="1" fill="hold">
+                                          <p:stCondLst>
+                                            <p:cond delay="0"/>
+                                          </p:stCondLst>
+                                        </p:cTn>
+                                        <p:tgtEl>
+                                          <p:spTgt spid="5"/>
+                                        </p:tgtEl>
+                                        <p:attrNameLst>
+                                          <p:attrName>style.visibility</p:attrName>
+                                        </p:attrNameLst>
+                                      </p:cBhvr>
+                                      <p:to>
+                                        <p:strVal val="visible"/>
+                                      </p:to>
+                                    </p:set>
+                                    <p:animEffect transition="in" filter="fade">
+                                      <p:cBhvr>
+                                        <p:cTn id="10" dur="1000"/>
+                                        <p:tgtEl>
+                                          <p:spTgt spid="5"/>
+                                        </p:tgtEl>
+                                      </p:cBhvr>
+                                    </p:animEffect>
+                                  </p:childTnLst>
+                                </p:cTn>
+                              </p:par>
+                            </p:childTnLst>
+                          </p:cTn>
+                        </p:par>
+                      </p:childTnLst>
+                    </p:cTn>
+                  </p:par>
+                  <p:par>
+                    <p:cTn id="11" fill="hold">
+                      <p:stCondLst>
+                        <p:cond delay="indefinite"/>
+                      </p:stCondLst>
+                      <p:childTnLst>
+                        <p:par>
+                          <p:cTn id="12" fill="hold">
+                            <p:stCondLst>
+                              <p:cond delay="0"/>
+                            </p:stCondLst>
+                            <p:childTnLst>
+                              <p:par>
+                                <p:cTn id="13" presetID="10" presetClass="entr" presetSubtype="0" fill="hold" nodeType="clickEffect">
+                                  <p:stCondLst>
+                                    <p:cond delay="0"/>
+                                  </p:stCondLst>
+                                  <p:childTnLst>
+                                    <p:set>
+                                      <p:cBhvr>
+                                        <p:cTn id="14" dur="1" fill="hold">
+                                          <p:stCondLst>
+                                            <p:cond delay="0"/>
+                                          </p:stCondLst>
+                                        </p:cTn>
+                                        <p:tgtEl>
+                                          <p:spTgt spid="14"/>
+                                        </p:tgtEl>
+                                        <p:attrNameLst>
+                                          <p:attrName>style.visibility</p:attrName>
+                                        </p:attrNameLst>
+                                      </p:cBhvr>
+                                      <p:to>
+                                        <p:strVal val="visible"/>
+                                      </p:to>
+                                    </p:set>
+                                    <p:animEffect transition="in" filter="fade">
+                                      <p:cBhvr>
+                                        <p:cTn id="15" dur="1000"/>
+                                        <p:tgtEl>
+                                          <p:spTgt spid="14"/>
+                                        </p:tgtEl>
+                                      </p:cBhvr>
+                                    </p:animEffect>
+                                  </p:childTnLst>
+                                </p:cTn>
+                              </p:par>
+                            </p:childTnLst>
+                          </p:cTn>
+                        </p:par>
+                      </p:childTnLst>
+                    </p:cTn>
+                  </p:par>
+                  <p:par>
+                    <p:cTn id="16" fill="hold">
+                      <p:stCondLst>
+                        <p:cond delay="indefinite"/>
+                      </p:stCondLst>
+                      <p:childTnLst>
+                        <p:par>
+                          <p:cTn id="17" fill="hold">
+                            <p:stCondLst>
+                              <p:cond delay="0"/>
+                            </p:stCondLst>
+                            <p:childTnLst>
+                              <p:par>
+                                <p:cTn id="18" presetID="10" presetClass="entr" presetSubtype="0" fill="hold" nodeType="clickEffect">
+                                  <p:stCondLst>
+                                    <p:cond delay="0"/>
+                                  </p:stCondLst>
+                                  <p:childTnLst>
+                                    <p:set>
+                                      <p:cBhvr>
+                                        <p:cTn id="19" dur="1" fill="hold">
+                                          <p:stCondLst>
+                                            <p:cond delay="0"/>
+                                          </p:stCondLst>
+                                        </p:cTn>
+                                        <p:tgtEl>
+                                          <p:spTgt spid="3">
+                                            <p:txEl>
+                                              <p:pRg st="1" end="1"/>
+                                            </p:txEl>
+                                          </p:spTgt>
+                                        </p:tgtEl>
+                                        <p:attrNameLst>
+                                          <p:attrName>style.visibility</p:attrName>
+                                        </p:attrNameLst>
+                                      </p:cBhvr>
+                                      <p:to>
+                                        <p:strVal val="visible"/>
+                                      </p:to>
+                                    </p:set>
+                                    <p:animEffect transition="in" filter="fade">
+                                      <p:cBhvr>
+                                        <p:cTn id="20" dur="1000"/>
+                                        <p:tgtEl>
+                                          <p:spTgt spid="3">
+                                            <p:txEl>
+                                              <p:pRg st="1" end="1"/>
+                                            </p:txEl>
+                                          </p:spTgt>
+                                        </p:tgtEl>
+                                      </p:cBhvr>
+                                    </p:animEffect>
+                                  </p:childTnLst>
+                                </p:cTn>
+                              </p:par>
+                              <p:par>
+                                <p:cTn id="21" presetID="10" presetClass="exit" presetSubtype="0" fill="hold" nodeType="withEffect">
+                                  <p:stCondLst>
+                                    <p:cond delay="0"/>
+                                  </p:stCondLst>
+                                  <p:childTnLst>
+                                    <p:animEffect transition="out" filter="fade">
+                                      <p:cBhvr>
+                                        <p:cTn id="22" dur="1000"/>
+                                        <p:tgtEl>
+                                          <p:spTgt spid="5"/>
+                                        </p:tgtEl>
+                                      </p:cBhvr>
+                                    </p:animEffect>
+                                    <p:set>
+                                      <p:cBhvr>
+                                        <p:cTn id="23" dur="1" fill="hold">
+                                          <p:stCondLst>
+                                            <p:cond delay="999"/>
+                                          </p:stCondLst>
+                                        </p:cTn>
+                                        <p:tgtEl>
+                                          <p:spTgt spid="5"/>
+                                        </p:tgtEl>
+                                        <p:attrNameLst>
+                                          <p:attrName>style.visibility</p:attrName>
+                                        </p:attrNameLst>
+                                      </p:cBhvr>
+                                      <p:to>
+                                        <p:strVal val="hidden"/>
+                                      </p:to>
+                                    </p:set>
+                                  </p:childTnLst>
+                                </p:cTn>
+                              </p:par>
+                              <p:par>
+                                <p:cTn id="24" presetID="10" presetClass="exit" presetSubtype="0" fill="hold" nodeType="withEffect">
+                                  <p:stCondLst>
+                                    <p:cond delay="0"/>
+                                  </p:stCondLst>
+                                  <p:childTnLst>
+                                    <p:animEffect transition="out" filter="fade">
+                                      <p:cBhvr>
+                                        <p:cTn id="25" dur="1000"/>
+                                        <p:tgtEl>
+                                          <p:spTgt spid="14"/>
+                                        </p:tgtEl>
+                                      </p:cBhvr>
+                                    </p:animEffect>
+                                    <p:set>
+                                      <p:cBhvr>
+                                        <p:cTn id="26" dur="1" fill="hold">
+                                          <p:stCondLst>
+                                            <p:cond delay="999"/>
+                                          </p:stCondLst>
+                                        </p:cTn>
+                                        <p:tgtEl>
+                                          <p:spTgt spid="14"/>
+                                        </p:tgtEl>
+                                        <p:attrNameLst>
+                                          <p:attrName>style.visibility</p:attrName>
+                                        </p:attrNameLst>
+                                      </p:cBhvr>
+                                      <p:to>
+                                        <p:strVal val="hidden"/>
+                                      </p:to>
+                                    </p:set>
+                                  </p:childTnLst>
+                                </p:cTn>
+                              </p:par>
+                              <p:par>
+                                <p:cTn id="27" presetID="10" presetClass="entr" presetSubtype="0" fill="hold" nodeType="withEffect">
+                                  <p:stCondLst>
+                                    <p:cond delay="700"/>
+                                  </p:stCondLst>
+                                  <p:childTnLst>
+                                    <p:set>
+                                      <p:cBhvr>
+                                        <p:cTn id="28" dur="1" fill="hold">
+                                          <p:stCondLst>
+                                            <p:cond delay="0"/>
+                                          </p:stCondLst>
+                                        </p:cTn>
+                                        <p:tgtEl>
+                                          <p:spTgt spid="6"/>
+                                        </p:tgtEl>
+                                        <p:attrNameLst>
+                                          <p:attrName>style.visibility</p:attrName>
+                                        </p:attrNameLst>
+                                      </p:cBhvr>
+                                      <p:to>
+                                        <p:strVal val="visible"/>
+                                      </p:to>
+                                    </p:set>
+                                    <p:animEffect transition="in" filter="fade">
+                                      <p:cBhvr>
+                                        <p:cTn id="29" dur="1000"/>
+                                        <p:tgtEl>
+                                          <p:spTgt spid="6"/>
+                                        </p:tgtEl>
+                                      </p:cBhvr>
+                                    </p:animEffect>
+                                  </p:childTnLst>
+                                </p:cTn>
+                              </p:par>
+                              <p:par>
+                                <p:cTn id="30" presetID="10" presetClass="entr" presetSubtype="0" fill="hold" nodeType="withEffect">
+                                  <p:stCondLst>
+                                    <p:cond delay="700"/>
+                                  </p:stCondLst>
+                                  <p:childTnLst>
+                                    <p:set>
+                                      <p:cBhvr>
+                                        <p:cTn id="31" dur="1" fill="hold">
+                                          <p:stCondLst>
+                                            <p:cond delay="0"/>
+                                          </p:stCondLst>
+                                        </p:cTn>
+                                        <p:tgtEl>
+                                          <p:spTgt spid="7"/>
+                                        </p:tgtEl>
+                                        <p:attrNameLst>
+                                          <p:attrName>style.visibility</p:attrName>
+                                        </p:attrNameLst>
+                                      </p:cBhvr>
+                                      <p:to>
+                                        <p:strVal val="visible"/>
+                                      </p:to>
+                                    </p:set>
+                                    <p:animEffect transition="in" filter="fade">
+                                      <p:cBhvr>
+                                        <p:cTn id="32" dur="1000"/>
+                                        <p:tgtEl>
+                                          <p:spTgt spid="7"/>
+                                        </p:tgtEl>
+                                      </p:cBhvr>
+                                    </p:animEffect>
+                                  </p:childTnLst>
+                                </p:cTn>
+                              </p:par>
+                            </p:childTnLst>
+                          </p:cTn>
+                        </p:par>
+                      </p:childTnLst>
+                    </p:cTn>
+                  </p:par>
+                  <p:par>
+                    <p:cTn id="33" fill="hold">
+                      <p:stCondLst>
+                        <p:cond delay="indefinite"/>
+                      </p:stCondLst>
+                      <p:childTnLst>
+                        <p:par>
+                          <p:cTn id="34" fill="hold">
+                            <p:stCondLst>
+                              <p:cond delay="0"/>
+                            </p:stCondLst>
+                            <p:childTnLst>
+                              <p:par>
+                                <p:cTn id="35" presetID="10" presetClass="entr" presetSubtype="0" fill="hold" nodeType="clickEffect">
+                                  <p:stCondLst>
+                                    <p:cond delay="0"/>
+                                  </p:stCondLst>
+                                  <p:childTnLst>
+                                    <p:set>
+                                      <p:cBhvr>
+                                        <p:cTn id="36" dur="1" fill="hold">
+                                          <p:stCondLst>
+                                            <p:cond delay="0"/>
+                                          </p:stCondLst>
+                                        </p:cTn>
+                                        <p:tgtEl>
+                                          <p:spTgt spid="3">
+                                            <p:txEl>
+                                              <p:pRg st="2" end="2"/>
+                                            </p:txEl>
+                                          </p:spTgt>
+                                        </p:tgtEl>
+                                        <p:attrNameLst>
+                                          <p:attrName>style.visibility</p:attrName>
+                                        </p:attrNameLst>
+                                      </p:cBhvr>
+                                      <p:to>
+                                        <p:strVal val="visible"/>
+                                      </p:to>
+                                    </p:set>
+                                    <p:animEffect transition="in" filter="fade">
+                                      <p:cBhvr>
+                                        <p:cTn id="37" dur="1000"/>
+                                        <p:tgtEl>
+                                          <p:spTgt spid="3">
+                                            <p:txEl>
+                                              <p:pRg st="2" end="2"/>
+                                            </p:txEl>
+                                          </p:spTgt>
+                                        </p:tgtEl>
+                                      </p:cBhvr>
+                                    </p:animEffect>
+                                  </p:childTnLst>
+                                </p:cTn>
+                              </p:par>
+                              <p:par>
+                                <p:cTn id="38" presetID="22" presetClass="entr" presetSubtype="2" fill="hold" nodeType="withEffect">
+                                  <p:stCondLst>
+                                    <p:cond delay="0"/>
+                                  </p:stCondLst>
+                                  <p:childTnLst>
+                                    <p:set>
+                                      <p:cBhvr>
+                                        <p:cTn id="39" dur="1" fill="hold">
+                                          <p:stCondLst>
+                                            <p:cond delay="0"/>
+                                          </p:stCondLst>
+                                        </p:cTn>
+                                        <p:tgtEl>
+                                          <p:spTgt spid="8"/>
+                                        </p:tgtEl>
+                                        <p:attrNameLst>
+                                          <p:attrName>style.visibility</p:attrName>
+                                        </p:attrNameLst>
+                                      </p:cBhvr>
+                                      <p:to>
+                                        <p:strVal val="visible"/>
+                                      </p:to>
+                                    </p:set>
+                                    <p:animEffect transition="in" filter="wipe(right)">
+                                      <p:cBhvr>
+                                        <p:cTn id="40" dur="1000"/>
+                                        <p:tgtEl>
+                                          <p:spTgt spid="8"/>
+                                        </p:tgtEl>
+                                      </p:cBhvr>
+                                    </p:animEffect>
+                                  </p:childTnLst>
+                                </p:cTn>
+                              </p:par>
+                              <p:par>
+                                <p:cTn id="41" presetID="22" presetClass="entr" presetSubtype="2" fill="hold" nodeType="withEffect">
+                                  <p:stCondLst>
+                                    <p:cond delay="500"/>
+                                  </p:stCondLst>
+                                  <p:childTnLst>
+                                    <p:set>
+                                      <p:cBhvr>
+                                        <p:cTn id="42" dur="1" fill="hold">
+                                          <p:stCondLst>
+                                            <p:cond delay="0"/>
+                                          </p:stCondLst>
+                                        </p:cTn>
+                                        <p:tgtEl>
+                                          <p:spTgt spid="9"/>
+                                        </p:tgtEl>
+                                        <p:attrNameLst>
+                                          <p:attrName>style.visibility</p:attrName>
+                                        </p:attrNameLst>
+                                      </p:cBhvr>
+                                      <p:to>
+                                        <p:strVal val="visible"/>
+                                      </p:to>
+                                    </p:set>
+                                    <p:animEffect transition="in" filter="wipe(right)">
+                                      <p:cBhvr>
+                                        <p:cTn id="43" dur="1000"/>
+                                        <p:tgtEl>
+                                          <p:spTgt spid="9"/>
+                                        </p:tgtEl>
+                                      </p:cBhvr>
+                                    </p:animEffect>
+                                  </p:childTnLst>
+                                </p:cTn>
+                              </p:par>
+                              <p:par>
+                                <p:cTn id="44" presetID="22" presetClass="entr" presetSubtype="4" fill="hold" grpId="0" nodeType="withEffect">
+                                  <p:stCondLst>
+                                    <p:cond delay="1000"/>
+                                  </p:stCondLst>
+                                  <p:childTnLst>
+                                    <p:set>
+                                      <p:cBhvr>
+                                        <p:cTn id="45" dur="1" fill="hold">
+                                          <p:stCondLst>
+                                            <p:cond delay="0"/>
+                                          </p:stCondLst>
+                                        </p:cTn>
+                                        <p:tgtEl>
+                                          <p:spTgt spid="10"/>
+                                        </p:tgtEl>
+                                        <p:attrNameLst>
+                                          <p:attrName>style.visibility</p:attrName>
+                                        </p:attrNameLst>
+                                      </p:cBhvr>
+                                      <p:to>
+                                        <p:strVal val="visible"/>
+                                      </p:to>
+                                    </p:set>
+                                    <p:animEffect transition="in" filter="wipe(down)">
+                                      <p:cBhvr>
+                                        <p:cTn id="46" dur="1000"/>
+                                        <p:tgtEl>
+                                          <p:spTgt spid="10"/>
+                                        </p:tgtEl>
+                                      </p:cBhvr>
+                                    </p:animEffect>
+                                  </p:childTnLst>
+                                </p:cTn>
+                              </p:par>
+                            </p:childTnLst>
+                          </p:cTn>
+                        </p:par>
+                      </p:childTnLst>
+                    </p:cTn>
+                  </p:par>
+                </p:childTnLst>
+              </p:cTn>
+              <p:prevCondLst>
+                <p:cond evt="onPrev" delay="0">
+                  <p:tgtEl>
+                    <p:sldTgt/>
+                  </p:tgtEl>
+                </p:cond>
+              </p:prevCondLst>
+              <p:nextCondLst>
+                <p:cond evt="onNext" delay="0">
+                  <p:tgtEl>
+                    <p:sldTgt/>
+                  </p:tgtEl>
+                </p:cond>
+              </p:nextCondLst>
+            </p:seq>
+          </p:childTnLst>
+        </p:cTn>
       </p:par>
     </p:tnLst>
+    <p:bldLst>
+      <p:bldP spid="10" grpId="0" animBg="1"/>
+    </p:bldLst>
   </p:timing>
 </p:sld>
 </file>
